--- a/研一/作業二/defensive/Learning Defensive programming.pptx
+++ b/研一/作業二/defensive/Learning Defensive programming.pptx
@@ -5,7 +5,7 @@
     <p:sldMasterId id="2147483876" r:id="rId1"/>
   </p:sldMasterIdLst>
   <p:notesMasterIdLst>
-    <p:notesMasterId r:id="rId26"/>
+    <p:notesMasterId r:id="rId29"/>
   </p:notesMasterIdLst>
   <p:sldIdLst>
     <p:sldId id="258" r:id="rId2"/>
@@ -27,11 +27,14 @@
     <p:sldId id="276" r:id="rId18"/>
     <p:sldId id="275" r:id="rId19"/>
     <p:sldId id="263" r:id="rId20"/>
-    <p:sldId id="293" r:id="rId21"/>
-    <p:sldId id="295" r:id="rId22"/>
-    <p:sldId id="297" r:id="rId23"/>
-    <p:sldId id="296" r:id="rId24"/>
-    <p:sldId id="304" r:id="rId25"/>
+    <p:sldId id="309" r:id="rId21"/>
+    <p:sldId id="304" r:id="rId22"/>
+    <p:sldId id="310" r:id="rId23"/>
+    <p:sldId id="308" r:id="rId24"/>
+    <p:sldId id="293" r:id="rId25"/>
+    <p:sldId id="295" r:id="rId26"/>
+    <p:sldId id="297" r:id="rId27"/>
+    <p:sldId id="296" r:id="rId28"/>
   </p:sldIdLst>
   <p:sldSz cx="9144000" cy="6858000" type="screen4x3"/>
   <p:notesSz cx="6858000" cy="9144000"/>
@@ -5400,11 +5403,6 @@
               </a:rPr>
               <a:t>	</a:t>
             </a:r>
-            <a:endParaRPr lang="en-US" altLang="zh-TW" dirty="0" smtClean="0">
-              <a:solidFill>
-                <a:schemeClr val="tx1"/>
-              </a:solidFill>
-            </a:endParaRPr>
           </a:p>
           <a:p>
             <a:pPr marL="365760" lvl="1" indent="0">
@@ -5718,11 +5716,6 @@
               </a:rPr>
               <a:t>	</a:t>
             </a:r>
-            <a:endParaRPr lang="en-US" altLang="zh-TW" dirty="0" smtClean="0">
-              <a:solidFill>
-                <a:schemeClr val="tx1"/>
-              </a:solidFill>
-            </a:endParaRPr>
           </a:p>
           <a:p>
             <a:pPr marL="365760" lvl="1" indent="0">
@@ -5767,11 +5760,6 @@
               </a:rPr>
               <a:t>	</a:t>
             </a:r>
-            <a:endParaRPr lang="en-US" altLang="zh-TW" dirty="0" smtClean="0">
-              <a:solidFill>
-                <a:schemeClr val="tx1"/>
-              </a:solidFill>
-            </a:endParaRPr>
           </a:p>
           <a:p>
             <a:pPr marL="365760" lvl="1" indent="0">
@@ -6718,11 +6706,6 @@
               </a:rPr>
               <a:t>Transaction</a:t>
             </a:r>
-            <a:endParaRPr lang="en-US" altLang="zh-TW" dirty="0" smtClean="0">
-              <a:solidFill>
-                <a:schemeClr val="tx1"/>
-              </a:solidFill>
-            </a:endParaRPr>
           </a:p>
           <a:p>
             <a:pPr marL="365760" lvl="1" indent="0">
@@ -7038,7 +7021,7 @@
         <p:spPr/>
         <p:txBody>
           <a:bodyPr>
-            <a:normAutofit lnSpcReduction="10000"/>
+            <a:normAutofit/>
           </a:bodyPr>
           <a:lstStyle/>
           <a:p>
@@ -7048,6 +7031,21 @@
             <a:r>
               <a:rPr lang="en-US" altLang="zh-TW" dirty="0" smtClean="0"/>
               <a:t>	</a:t>
+            </a:r>
+            <a:r>
+              <a:rPr lang="en-US" altLang="zh-TW" dirty="0">
+                <a:latin typeface="Verdana" pitchFamily="34" charset="0"/>
+                <a:ea typeface="Verdana" pitchFamily="34" charset="0"/>
+                <a:cs typeface="Verdana" pitchFamily="34" charset="0"/>
+              </a:rPr>
+              <a:t> Defensive</a:t>
+            </a:r>
+            <a:r>
+              <a:rPr lang="zh-TW" altLang="en-US" dirty="0">
+                <a:latin typeface="Verdana" pitchFamily="34" charset="0"/>
+                <a:cs typeface="Verdana" pitchFamily="34" charset="0"/>
+              </a:rPr>
+              <a:t> </a:t>
             </a:r>
             <a:r>
               <a:rPr lang="en-US" altLang="zh-TW" dirty="0" smtClean="0">
@@ -7055,10 +7053,100 @@
                 <a:ea typeface="Verdana" pitchFamily="34" charset="0"/>
                 <a:cs typeface="Verdana" pitchFamily="34" charset="0"/>
               </a:rPr>
-              <a:t>Defensive</a:t>
+              <a:t>Programing</a:t>
             </a:r>
             <a:r>
               <a:rPr lang="zh-TW" altLang="en-US" dirty="0" smtClean="0">
+                <a:latin typeface="+mj-ea"/>
+                <a:ea typeface="+mj-ea"/>
+                <a:cs typeface="Verdana" pitchFamily="34" charset="0"/>
+              </a:rPr>
+              <a:t>只</a:t>
+            </a:r>
+            <a:r>
+              <a:rPr lang="zh-TW" altLang="en-US" dirty="0" smtClean="0">
+                <a:latin typeface="標楷體" pitchFamily="65" charset="-120"/>
+                <a:ea typeface="標楷體" pitchFamily="65" charset="-120"/>
+              </a:rPr>
+              <a:t>是</a:t>
+            </a:r>
+            <a:r>
+              <a:rPr lang="zh-TW" altLang="en-US" dirty="0">
+                <a:latin typeface="標楷體" pitchFamily="65" charset="-120"/>
+                <a:ea typeface="標楷體" pitchFamily="65" charset="-120"/>
+              </a:rPr>
+              <a:t>一個</a:t>
+            </a:r>
+            <a:r>
+              <a:rPr lang="zh-TW" altLang="en-US" dirty="0" smtClean="0">
+                <a:latin typeface="標楷體" pitchFamily="65" charset="-120"/>
+                <a:ea typeface="標楷體" pitchFamily="65" charset="-120"/>
+              </a:rPr>
+              <a:t>概念</a:t>
+            </a:r>
+            <a:r>
+              <a:rPr lang="zh-TW" altLang="en-US" dirty="0" smtClean="0"/>
+              <a:t>，想要讓程式降量減少例外情況而</a:t>
+            </a:r>
+            <a:r>
+              <a:rPr lang="en-US" altLang="zh-TW" dirty="0" smtClean="0">
+                <a:solidFill>
+                  <a:srgbClr val="FF0000"/>
+                </a:solidFill>
+              </a:rPr>
+              <a:t>crash</a:t>
+            </a:r>
+            <a:r>
+              <a:rPr lang="zh-TW" altLang="en-US" dirty="0" smtClean="0"/>
+              <a:t>的機率，也就是不管接收到的資料是如何，都可以有效的處理並產生</a:t>
+            </a:r>
+            <a:r>
+              <a:rPr lang="zh-TW" altLang="en-US" dirty="0" smtClean="0">
+                <a:solidFill>
+                  <a:srgbClr val="FF0000"/>
+                </a:solidFill>
+              </a:rPr>
+              <a:t>溫和的回應</a:t>
+            </a:r>
+            <a:r>
+              <a:rPr lang="zh-TW" altLang="en-US" dirty="0" smtClean="0"/>
+              <a:t>，不僅是外部接收，就算是內部程式於執行時的例外情況，也可以透過偵測來產生相應對的處理，而不是直接回傳</a:t>
+            </a:r>
+            <a:r>
+              <a:rPr lang="zh-TW" altLang="en-US" dirty="0" smtClean="0">
+                <a:solidFill>
+                  <a:srgbClr val="FF0000"/>
+                </a:solidFill>
+              </a:rPr>
+              <a:t>錯誤訊息</a:t>
+            </a:r>
+            <a:r>
+              <a:rPr lang="zh-TW" altLang="en-US" dirty="0" smtClean="0"/>
+              <a:t>，形成關門大吉的現象。</a:t>
+            </a:r>
+            <a:endParaRPr lang="en-US" altLang="zh-TW" dirty="0" smtClean="0"/>
+          </a:p>
+          <a:p>
+            <a:pPr marL="0" indent="0">
+              <a:buNone/>
+            </a:pPr>
+            <a:r>
+              <a:rPr lang="en-US" altLang="zh-TW" dirty="0">
+                <a:latin typeface="標楷體" pitchFamily="65" charset="-120"/>
+                <a:ea typeface="標楷體" pitchFamily="65" charset="-120"/>
+              </a:rPr>
+              <a:t>	</a:t>
+            </a:r>
+            <a:r>
+              <a:rPr lang="en-US" altLang="zh-TW" dirty="0">
+                <a:latin typeface="Verdana" pitchFamily="34" charset="0"/>
+                <a:ea typeface="Verdana" pitchFamily="34" charset="0"/>
+                <a:cs typeface="Verdana" pitchFamily="34" charset="0"/>
+              </a:rPr>
+              <a:t> Defensive</a:t>
+            </a:r>
+            <a:r>
+              <a:rPr lang="zh-TW" altLang="en-US" dirty="0">
                 <a:latin typeface="Verdana" pitchFamily="34" charset="0"/>
                 <a:cs typeface="Verdana" pitchFamily="34" charset="0"/>
               </a:rPr>
@@ -7073,107 +7161,74 @@
               <a:t>Programing</a:t>
             </a:r>
             <a:r>
+              <a:rPr lang="zh-TW" altLang="en-US" dirty="0">
+                <a:latin typeface="+mj-ea"/>
+                <a:ea typeface="+mj-ea"/>
+                <a:cs typeface="Verdana" pitchFamily="34" charset="0"/>
+              </a:rPr>
+              <a:t>實現的</a:t>
+            </a:r>
+            <a:r>
               <a:rPr lang="zh-TW" altLang="en-US" dirty="0" smtClean="0">
-                <a:latin typeface="標楷體" pitchFamily="65" charset="-120"/>
-                <a:ea typeface="標楷體" pitchFamily="65" charset="-120"/>
-              </a:rPr>
-              <a:t>是一個概念，想要讓程式盡可能的減少例外情況，並且對這些例外情況做處理，而這些外例外情況有從外部來的</a:t>
+                <a:latin typeface="+mj-ea"/>
+                <a:ea typeface="+mj-ea"/>
+                <a:cs typeface="Verdana" pitchFamily="34" charset="0"/>
+              </a:rPr>
+              <a:t>方式</a:t>
+            </a:r>
+            <a:r>
+              <a:rPr lang="zh-TW" altLang="en-US" dirty="0">
+                <a:latin typeface="+mj-ea"/>
+                <a:ea typeface="+mj-ea"/>
+                <a:cs typeface="Verdana" pitchFamily="34" charset="0"/>
+              </a:rPr>
+              <a:t>相當</a:t>
+            </a:r>
+            <a:r>
+              <a:rPr lang="zh-TW" altLang="en-US" dirty="0" smtClean="0">
+                <a:latin typeface="+mj-ea"/>
+                <a:ea typeface="+mj-ea"/>
+                <a:cs typeface="Verdana" pitchFamily="34" charset="0"/>
+              </a:rPr>
+              <a:t>多，沒有一定的形式，只要能達到這個概念的手段都是好方法，</a:t>
+            </a:r>
+            <a:endParaRPr lang="en-US" altLang="zh-TW" dirty="0" smtClean="0">
+              <a:latin typeface="+mj-ea"/>
+              <a:ea typeface="+mj-ea"/>
+              <a:cs typeface="Verdana" pitchFamily="34" charset="0"/>
+            </a:endParaRPr>
+          </a:p>
+          <a:p>
+            <a:pPr marL="0" indent="0">
+              <a:buNone/>
+            </a:pPr>
+            <a:r>
+              <a:rPr lang="zh-TW" altLang="en-US" dirty="0">
+                <a:latin typeface="+mj-ea"/>
+                <a:ea typeface="+mj-ea"/>
+                <a:cs typeface="Verdana" pitchFamily="34" charset="0"/>
+              </a:rPr>
+              <a:t>就</a:t>
+            </a:r>
+            <a:r>
+              <a:rPr lang="zh-TW" altLang="en-US" dirty="0" smtClean="0">
+                <a:latin typeface="+mj-ea"/>
+                <a:ea typeface="+mj-ea"/>
+                <a:cs typeface="Verdana" pitchFamily="34" charset="0"/>
+              </a:rPr>
+              <a:t>如同</a:t>
             </a:r>
             <a:r>
               <a:rPr lang="en-US" altLang="zh-TW" dirty="0" smtClean="0">
-                <a:latin typeface="標楷體" pitchFamily="65" charset="-120"/>
-                <a:ea typeface="標楷體" pitchFamily="65" charset="-120"/>
-              </a:rPr>
-              <a:t>(</a:t>
-            </a:r>
-            <a:r>
-              <a:rPr lang="zh-TW" altLang="en-US" dirty="0" smtClean="0">
-                <a:latin typeface="標楷體" pitchFamily="65" charset="-120"/>
-                <a:ea typeface="標楷體" pitchFamily="65" charset="-120"/>
-              </a:rPr>
-              <a:t>使用者</a:t>
-            </a:r>
-            <a:r>
-              <a:rPr lang="en-US" altLang="zh-TW" dirty="0" smtClean="0">
-                <a:latin typeface="標楷體" pitchFamily="65" charset="-120"/>
-                <a:ea typeface="標楷體" pitchFamily="65" charset="-120"/>
-              </a:rPr>
-              <a:t>)</a:t>
-            </a:r>
-            <a:r>
-              <a:rPr lang="zh-TW" altLang="en-US" dirty="0" smtClean="0">
-                <a:latin typeface="標楷體" pitchFamily="65" charset="-120"/>
-                <a:ea typeface="標楷體" pitchFamily="65" charset="-120"/>
-              </a:rPr>
-              <a:t>，以及內部本身的例外也就是程式執行的才會發生的例外情況，例如資料庫的錯誤或是函式之間資料的傳遞產生錯誤，這時候要能夠抓出這些情況，並且盡可能的做出對應措施，而不是直接丟出錯誤訊息並把使用者踢出去。</a:t>
+                <a:latin typeface="+mj-ea"/>
+                <a:ea typeface="+mj-ea"/>
+                <a:cs typeface="Verdana" pitchFamily="34" charset="0"/>
+              </a:rPr>
+              <a:t>:</a:t>
             </a:r>
             <a:endParaRPr lang="en-US" altLang="zh-TW" dirty="0" smtClean="0">
-              <a:latin typeface="標楷體" pitchFamily="65" charset="-120"/>
-              <a:ea typeface="標楷體" pitchFamily="65" charset="-120"/>
-            </a:endParaRPr>
-          </a:p>
-          <a:p>
-            <a:pPr marL="0" indent="0">
-              <a:buNone/>
-            </a:pPr>
-            <a:r>
-              <a:rPr lang="en-US" altLang="zh-TW" dirty="0"/>
-              <a:t>	</a:t>
-            </a:r>
-            <a:r>
-              <a:rPr lang="zh-TW" altLang="en-US" dirty="0" smtClean="0">
-                <a:latin typeface="標楷體" pitchFamily="65" charset="-120"/>
-                <a:ea typeface="標楷體" pitchFamily="65" charset="-120"/>
-              </a:rPr>
-              <a:t>通常會運用到</a:t>
-            </a:r>
-            <a:r>
-              <a:rPr lang="en-US" altLang="zh-TW" dirty="0">
-                <a:latin typeface="Verdana" pitchFamily="34" charset="0"/>
-                <a:ea typeface="Verdana" pitchFamily="34" charset="0"/>
-                <a:cs typeface="Verdana" pitchFamily="34" charset="0"/>
-              </a:rPr>
-              <a:t>Defensive</a:t>
-            </a:r>
-            <a:r>
-              <a:rPr lang="zh-TW" altLang="en-US" dirty="0">
-                <a:latin typeface="Verdana" pitchFamily="34" charset="0"/>
-                <a:cs typeface="Verdana" pitchFamily="34" charset="0"/>
-              </a:rPr>
-              <a:t> </a:t>
-            </a:r>
-            <a:r>
-              <a:rPr lang="en-US" altLang="zh-TW" dirty="0" smtClean="0">
-                <a:latin typeface="Verdana" pitchFamily="34" charset="0"/>
-                <a:ea typeface="Verdana" pitchFamily="34" charset="0"/>
-                <a:cs typeface="Verdana" pitchFamily="34" charset="0"/>
-              </a:rPr>
-              <a:t>Programing</a:t>
-            </a:r>
-            <a:r>
-              <a:rPr lang="zh-TW" altLang="en-US" dirty="0" smtClean="0">
-                <a:latin typeface="標楷體" pitchFamily="65" charset="-120"/>
-                <a:ea typeface="標楷體" pitchFamily="65" charset="-120"/>
-              </a:rPr>
-              <a:t>概念的原因，是無法預測的使用者操作或是輸入，或許是有意或許是無意，但都會造成程式的例外情況，最常見的就是隱碼攻擊，而有人就提出簡潔的看法就是不如追朔回去找尋為什會有這樣奇怪的輸入值</a:t>
-            </a:r>
-            <a:r>
-              <a:rPr lang="en-US" altLang="zh-TW" dirty="0" smtClean="0">
-                <a:latin typeface="標楷體" pitchFamily="65" charset="-120"/>
-                <a:ea typeface="標楷體" pitchFamily="65" charset="-120"/>
-              </a:rPr>
-              <a:t>!?</a:t>
-            </a:r>
-            <a:r>
-              <a:rPr lang="en-US" altLang="zh-TW" dirty="0">
-                <a:latin typeface="標楷體" pitchFamily="65" charset="-120"/>
-                <a:ea typeface="標楷體" pitchFamily="65" charset="-120"/>
-              </a:rPr>
-              <a:t>	</a:t>
-            </a:r>
-            <a:endParaRPr lang="en-US" altLang="zh-TW" dirty="0" smtClean="0">
-              <a:latin typeface="標楷體" pitchFamily="65" charset="-120"/>
-              <a:ea typeface="標楷體" pitchFamily="65" charset="-120"/>
+              <a:latin typeface="+mj-ea"/>
+              <a:ea typeface="+mj-ea"/>
             </a:endParaRPr>
           </a:p>
         </p:txBody>
@@ -7534,6 +7589,754 @@
           </a:bodyPr>
           <a:lstStyle/>
           <a:p>
+            <a:pPr marL="0" indent="0">
+              <a:buNone/>
+            </a:pPr>
+            <a:endParaRPr lang="en-US" altLang="zh-TW" dirty="0" smtClean="0"/>
+          </a:p>
+          <a:p>
+            <a:pPr marL="0" indent="0">
+              <a:buNone/>
+            </a:pPr>
+            <a:endParaRPr lang="en-US" altLang="zh-TW" dirty="0"/>
+          </a:p>
+          <a:p>
+            <a:pPr marL="0" indent="0">
+              <a:buNone/>
+            </a:pPr>
+            <a:endParaRPr lang="en-US" altLang="zh-TW" dirty="0" smtClean="0"/>
+          </a:p>
+          <a:p>
+            <a:pPr marL="0" indent="0">
+              <a:buNone/>
+            </a:pPr>
+            <a:r>
+              <a:rPr lang="en-US" altLang="zh-TW" dirty="0" smtClean="0"/>
+              <a:t>	</a:t>
+            </a:r>
+            <a:r>
+              <a:rPr lang="zh-TW" altLang="en-US" dirty="0" smtClean="0"/>
+              <a:t>這個前端方法是用正則表示法來限制使用者的輸入，可以過濾掉一些怪異的輸入資料，即使他不會最好的方法，但也是一種</a:t>
+            </a:r>
+            <a:r>
+              <a:rPr lang="en-US" altLang="zh-TW" dirty="0" smtClean="0"/>
+              <a:t>defensive</a:t>
+            </a:r>
+            <a:r>
+              <a:rPr lang="zh-TW" altLang="en-US" dirty="0" smtClean="0"/>
+              <a:t>的手段，所以不管是什麼方式的</a:t>
+            </a:r>
+            <a:r>
+              <a:rPr lang="en-US" altLang="zh-TW" dirty="0" smtClean="0"/>
+              <a:t>defensive</a:t>
+            </a:r>
+            <a:r>
+              <a:rPr lang="zh-TW" altLang="en-US" dirty="0" smtClean="0"/>
+              <a:t> </a:t>
+            </a:r>
+            <a:r>
+              <a:rPr lang="en-US" altLang="zh-TW" dirty="0" smtClean="0"/>
+              <a:t>programing</a:t>
+            </a:r>
+            <a:r>
+              <a:rPr lang="zh-TW" altLang="en-US" dirty="0" smtClean="0"/>
+              <a:t>手段</a:t>
+            </a:r>
+            <a:endParaRPr lang="en-US" altLang="zh-TW" dirty="0" smtClean="0"/>
+          </a:p>
+          <a:p>
+            <a:pPr marL="0" indent="0">
+              <a:buNone/>
+            </a:pPr>
+            <a:r>
+              <a:rPr lang="zh-TW" altLang="en-US" dirty="0"/>
+              <a:t>只要</a:t>
+            </a:r>
+            <a:r>
+              <a:rPr lang="zh-TW" altLang="en-US" dirty="0" smtClean="0"/>
+              <a:t>能夠降低例外</a:t>
+            </a:r>
+            <a:r>
+              <a:rPr lang="en-US" altLang="zh-TW" dirty="0" smtClean="0"/>
+              <a:t>crash</a:t>
+            </a:r>
+            <a:r>
+              <a:rPr lang="zh-TW" altLang="en-US" dirty="0" smtClean="0"/>
+              <a:t>，就是</a:t>
+            </a:r>
+            <a:endParaRPr lang="en-US" altLang="zh-TW" dirty="0" smtClean="0"/>
+          </a:p>
+          <a:p>
+            <a:pPr marL="0" indent="0">
+              <a:buNone/>
+            </a:pPr>
+            <a:r>
+              <a:rPr lang="en-US" altLang="zh-TW" dirty="0" smtClean="0"/>
+              <a:t>Defensive Programing</a:t>
+            </a:r>
+            <a:r>
+              <a:rPr lang="zh-TW" altLang="en-US" dirty="0" smtClean="0"/>
+              <a:t>。</a:t>
+            </a:r>
+            <a:r>
+              <a:rPr lang="en-US" altLang="zh-TW" dirty="0" smtClean="0"/>
+              <a:t>	</a:t>
+            </a:r>
+            <a:endParaRPr lang="en-US" altLang="zh-TW" dirty="0" smtClean="0">
+              <a:latin typeface="+mj-ea"/>
+              <a:ea typeface="+mj-ea"/>
+            </a:endParaRPr>
+          </a:p>
+        </p:txBody>
+      </p:sp>
+      <p:sp>
+        <p:nvSpPr>
+          <p:cNvPr id="3" name="標題 2"/>
+          <p:cNvSpPr>
+            <a:spLocks noGrp="1"/>
+          </p:cNvSpPr>
+          <p:nvPr>
+            <p:ph type="title"/>
+          </p:nvPr>
+        </p:nvSpPr>
+        <p:spPr/>
+        <p:txBody>
+          <a:bodyPr>
+            <a:normAutofit/>
+          </a:bodyPr>
+          <a:lstStyle/>
+          <a:p>
+            <a:r>
+              <a:rPr lang="zh-TW" altLang="en-US" sz="4000" dirty="0" smtClean="0"/>
+              <a:t>心得感想</a:t>
+            </a:r>
+            <a:endParaRPr lang="zh-TW" altLang="en-US" sz="4000" dirty="0"/>
+          </a:p>
+        </p:txBody>
+      </p:sp>
+      <p:pic>
+        <p:nvPicPr>
+          <p:cNvPr id="4" name="Picture 3"/>
+          <p:cNvPicPr>
+            <a:picLocks noChangeAspect="1" noChangeArrowheads="1"/>
+          </p:cNvPicPr>
+          <p:nvPr/>
+        </p:nvPicPr>
+        <p:blipFill>
+          <a:blip r:embed="rId2">
+            <a:extLst>
+              <a:ext uri="{28A0092B-C50C-407E-A947-70E740481C1C}">
+                <a14:useLocalDpi xmlns:a14="http://schemas.microsoft.com/office/drawing/2010/main" val="0"/>
+              </a:ext>
+            </a:extLst>
+          </a:blip>
+          <a:srcRect/>
+          <a:stretch>
+            <a:fillRect/>
+          </a:stretch>
+        </p:blipFill>
+        <p:spPr bwMode="auto">
+          <a:xfrm>
+            <a:off x="1734478" y="1486102"/>
+            <a:ext cx="5076825" cy="1447800"/>
+          </a:xfrm>
+          <a:prstGeom prst="rect">
+            <a:avLst/>
+          </a:prstGeom>
+          <a:noFill/>
+          <a:ln>
+            <a:noFill/>
+          </a:ln>
+          <a:extLst>
+            <a:ext uri="{909E8E84-426E-40DD-AFC4-6F175D3DCCD1}">
+              <a14:hiddenFill xmlns:a14="http://schemas.microsoft.com/office/drawing/2010/main">
+                <a:solidFill>
+                  <a:schemeClr val="accent1"/>
+                </a:solidFill>
+              </a14:hiddenFill>
+            </a:ext>
+            <a:ext uri="{91240B29-F687-4F45-9708-019B960494DF}">
+              <a14:hiddenLine xmlns:a14="http://schemas.microsoft.com/office/drawing/2010/main" w="9525">
+                <a:solidFill>
+                  <a:schemeClr val="tx1"/>
+                </a:solidFill>
+                <a:miter lim="800000"/>
+                <a:headEnd/>
+                <a:tailEnd/>
+              </a14:hiddenLine>
+            </a:ext>
+          </a:extLst>
+        </p:spPr>
+      </p:pic>
+      <p:pic>
+        <p:nvPicPr>
+          <p:cNvPr id="5" name="Picture 2"/>
+          <p:cNvPicPr>
+            <a:picLocks noChangeAspect="1" noChangeArrowheads="1"/>
+          </p:cNvPicPr>
+          <p:nvPr/>
+        </p:nvPicPr>
+        <p:blipFill>
+          <a:blip r:embed="rId3">
+            <a:extLst>
+              <a:ext uri="{28A0092B-C50C-407E-A947-70E740481C1C}">
+                <a14:useLocalDpi xmlns:a14="http://schemas.microsoft.com/office/drawing/2010/main" val="0"/>
+              </a:ext>
+            </a:extLst>
+          </a:blip>
+          <a:srcRect/>
+          <a:stretch>
+            <a:fillRect/>
+          </a:stretch>
+        </p:blipFill>
+        <p:spPr bwMode="auto">
+          <a:xfrm>
+            <a:off x="5346593" y="4221088"/>
+            <a:ext cx="3038385" cy="2042194"/>
+          </a:xfrm>
+          <a:prstGeom prst="rect">
+            <a:avLst/>
+          </a:prstGeom>
+          <a:noFill/>
+          <a:ln>
+            <a:noFill/>
+          </a:ln>
+          <a:effectLst/>
+          <a:extLst>
+            <a:ext uri="{909E8E84-426E-40DD-AFC4-6F175D3DCCD1}">
+              <a14:hiddenFill xmlns:a14="http://schemas.microsoft.com/office/drawing/2010/main">
+                <a:solidFill>
+                  <a:schemeClr val="accent1"/>
+                </a:solidFill>
+              </a14:hiddenFill>
+            </a:ext>
+            <a:ext uri="{91240B29-F687-4F45-9708-019B960494DF}">
+              <a14:hiddenLine xmlns:a14="http://schemas.microsoft.com/office/drawing/2010/main" w="9525">
+                <a:solidFill>
+                  <a:schemeClr val="tx1"/>
+                </a:solidFill>
+                <a:miter lim="800000"/>
+                <a:headEnd/>
+                <a:tailEnd/>
+              </a14:hiddenLine>
+            </a:ext>
+            <a:ext uri="{AF507438-7753-43E0-B8FC-AC1667EBCBE1}">
+              <a14:hiddenEffects xmlns:a14="http://schemas.microsoft.com/office/drawing/2010/main">
+                <a:effectLst>
+                  <a:outerShdw dist="35921" dir="2700000" algn="ctr" rotWithShape="0">
+                    <a:schemeClr val="bg2"/>
+                  </a:outerShdw>
+                </a:effectLst>
+              </a14:hiddenEffects>
+            </a:ext>
+          </a:extLst>
+        </p:spPr>
+      </p:pic>
+    </p:spTree>
+    <p:extLst>
+      <p:ext uri="{BB962C8B-B14F-4D97-AF65-F5344CB8AC3E}">
+        <p14:creationId xmlns:p14="http://schemas.microsoft.com/office/powerpoint/2010/main" val="4293021947"/>
+      </p:ext>
+    </p:extLst>
+  </p:cSld>
+  <p:clrMapOvr>
+    <a:masterClrMapping/>
+  </p:clrMapOvr>
+  <p:timing>
+    <p:tnLst>
+      <p:par>
+        <p:cTn id="1" dur="indefinite" restart="never" nodeType="tmRoot"/>
+      </p:par>
+    </p:tnLst>
+  </p:timing>
+</p:sld>
+</file>
+
+<file path=ppt/slides/slide21.xml><?xml version="1.0" encoding="utf-8"?>
+<p:sld xmlns:a="http://schemas.openxmlformats.org/drawingml/2006/main" xmlns:r="http://schemas.openxmlformats.org/officeDocument/2006/relationships" xmlns:p="http://schemas.openxmlformats.org/presentationml/2006/main">
+  <p:cSld>
+    <p:spTree>
+      <p:nvGrpSpPr>
+        <p:cNvPr id="1" name=""/>
+        <p:cNvGrpSpPr/>
+        <p:nvPr/>
+      </p:nvGrpSpPr>
+      <p:grpSpPr>
+        <a:xfrm>
+          <a:off x="0" y="0"/>
+          <a:ext cx="0" cy="0"/>
+          <a:chOff x="0" y="0"/>
+          <a:chExt cx="0" cy="0"/>
+        </a:xfrm>
+      </p:grpSpPr>
+      <p:sp>
+        <p:nvSpPr>
+          <p:cNvPr id="2" name="內容版面配置區 1"/>
+          <p:cNvSpPr>
+            <a:spLocks noGrp="1"/>
+          </p:cNvSpPr>
+          <p:nvPr>
+            <p:ph idx="1"/>
+          </p:nvPr>
+        </p:nvSpPr>
+        <p:spPr/>
+        <p:txBody>
+          <a:bodyPr/>
+          <a:lstStyle/>
+          <a:p>
+            <a:endParaRPr lang="en-US" altLang="zh-TW" dirty="0" smtClean="0"/>
+          </a:p>
+          <a:p>
+            <a:endParaRPr lang="en-US" altLang="zh-TW" dirty="0"/>
+          </a:p>
+          <a:p>
+            <a:endParaRPr lang="en-US" altLang="zh-TW" dirty="0" smtClean="0"/>
+          </a:p>
+          <a:p>
+            <a:pPr marL="0" indent="0">
+              <a:buNone/>
+            </a:pPr>
+            <a:r>
+              <a:rPr lang="en-US" altLang="zh-TW" dirty="0"/>
+              <a:t>	</a:t>
+            </a:r>
+            <a:r>
+              <a:rPr lang="en-US" altLang="zh-TW" dirty="0" smtClean="0"/>
+              <a:t>		</a:t>
+            </a:r>
+            <a:r>
+              <a:rPr lang="en-US" altLang="zh-TW" sz="4400" i="1" dirty="0" smtClean="0">
+                <a:solidFill>
+                  <a:srgbClr val="FF0000"/>
+                </a:solidFill>
+              </a:rPr>
+              <a:t>Thank you</a:t>
+            </a:r>
+            <a:endParaRPr lang="zh-TW" altLang="en-US" sz="4400" i="1" dirty="0">
+              <a:solidFill>
+                <a:srgbClr val="FF0000"/>
+              </a:solidFill>
+            </a:endParaRPr>
+          </a:p>
+        </p:txBody>
+      </p:sp>
+      <p:sp>
+        <p:nvSpPr>
+          <p:cNvPr id="3" name="標題 2"/>
+          <p:cNvSpPr>
+            <a:spLocks noGrp="1"/>
+          </p:cNvSpPr>
+          <p:nvPr>
+            <p:ph type="title"/>
+          </p:nvPr>
+        </p:nvSpPr>
+        <p:spPr/>
+        <p:txBody>
+          <a:bodyPr/>
+          <a:lstStyle/>
+          <a:p>
+            <a:endParaRPr lang="zh-TW" altLang="en-US"/>
+          </a:p>
+        </p:txBody>
+      </p:sp>
+      <p:pic>
+        <p:nvPicPr>
+          <p:cNvPr id="9218" name="Picture 2"/>
+          <p:cNvPicPr>
+            <a:picLocks noChangeAspect="1" noChangeArrowheads="1"/>
+          </p:cNvPicPr>
+          <p:nvPr/>
+        </p:nvPicPr>
+        <p:blipFill>
+          <a:blip r:embed="rId2" cstate="print">
+            <a:extLst>
+              <a:ext uri="{28A0092B-C50C-407E-A947-70E740481C1C}">
+                <a14:useLocalDpi xmlns:a14="http://schemas.microsoft.com/office/drawing/2010/main" val="0"/>
+              </a:ext>
+            </a:extLst>
+          </a:blip>
+          <a:srcRect/>
+          <a:stretch>
+            <a:fillRect/>
+          </a:stretch>
+        </p:blipFill>
+        <p:spPr bwMode="auto">
+          <a:xfrm>
+            <a:off x="6156176" y="2132856"/>
+            <a:ext cx="1800200" cy="2173933"/>
+          </a:xfrm>
+          <a:prstGeom prst="rect">
+            <a:avLst/>
+          </a:prstGeom>
+          <a:noFill/>
+          <a:ln>
+            <a:noFill/>
+          </a:ln>
+          <a:effectLst/>
+          <a:extLst>
+            <a:ext uri="{909E8E84-426E-40DD-AFC4-6F175D3DCCD1}">
+              <a14:hiddenFill xmlns:a14="http://schemas.microsoft.com/office/drawing/2010/main">
+                <a:solidFill>
+                  <a:schemeClr val="accent1"/>
+                </a:solidFill>
+              </a14:hiddenFill>
+            </a:ext>
+            <a:ext uri="{91240B29-F687-4F45-9708-019B960494DF}">
+              <a14:hiddenLine xmlns:a14="http://schemas.microsoft.com/office/drawing/2010/main" w="9525">
+                <a:solidFill>
+                  <a:schemeClr val="tx1"/>
+                </a:solidFill>
+                <a:miter lim="800000"/>
+                <a:headEnd/>
+                <a:tailEnd/>
+              </a14:hiddenLine>
+            </a:ext>
+            <a:ext uri="{AF507438-7753-43E0-B8FC-AC1667EBCBE1}">
+              <a14:hiddenEffects xmlns:a14="http://schemas.microsoft.com/office/drawing/2010/main">
+                <a:effectLst>
+                  <a:outerShdw dist="35921" dir="2700000" algn="ctr" rotWithShape="0">
+                    <a:schemeClr val="bg2"/>
+                  </a:outerShdw>
+                </a:effectLst>
+              </a14:hiddenEffects>
+            </a:ext>
+          </a:extLst>
+        </p:spPr>
+      </p:pic>
+    </p:spTree>
+    <p:extLst>
+      <p:ext uri="{BB962C8B-B14F-4D97-AF65-F5344CB8AC3E}">
+        <p14:creationId xmlns:p14="http://schemas.microsoft.com/office/powerpoint/2010/main" val="691758508"/>
+      </p:ext>
+    </p:extLst>
+  </p:cSld>
+  <p:clrMapOvr>
+    <a:masterClrMapping/>
+  </p:clrMapOvr>
+</p:sld>
+</file>
+
+<file path=ppt/slides/slide22.xml><?xml version="1.0" encoding="utf-8"?>
+<p:sld xmlns:a="http://schemas.openxmlformats.org/drawingml/2006/main" xmlns:r="http://schemas.openxmlformats.org/officeDocument/2006/relationships" xmlns:p="http://schemas.openxmlformats.org/presentationml/2006/main">
+  <p:cSld>
+    <p:spTree>
+      <p:nvGrpSpPr>
+        <p:cNvPr id="1" name=""/>
+        <p:cNvGrpSpPr/>
+        <p:nvPr/>
+      </p:nvGrpSpPr>
+      <p:grpSpPr>
+        <a:xfrm>
+          <a:off x="0" y="0"/>
+          <a:ext cx="0" cy="0"/>
+          <a:chOff x="0" y="0"/>
+          <a:chExt cx="0" cy="0"/>
+        </a:xfrm>
+      </p:grpSpPr>
+      <p:sp>
+        <p:nvSpPr>
+          <p:cNvPr id="2" name="內容版面配置區 1"/>
+          <p:cNvSpPr>
+            <a:spLocks noGrp="1"/>
+          </p:cNvSpPr>
+          <p:nvPr>
+            <p:ph idx="1"/>
+          </p:nvPr>
+        </p:nvSpPr>
+        <p:spPr/>
+        <p:txBody>
+          <a:bodyPr/>
+          <a:lstStyle/>
+          <a:p>
+            <a:endParaRPr lang="zh-TW" altLang="en-US"/>
+          </a:p>
+        </p:txBody>
+      </p:sp>
+      <p:sp>
+        <p:nvSpPr>
+          <p:cNvPr id="3" name="標題 2"/>
+          <p:cNvSpPr>
+            <a:spLocks noGrp="1"/>
+          </p:cNvSpPr>
+          <p:nvPr>
+            <p:ph type="title"/>
+          </p:nvPr>
+        </p:nvSpPr>
+        <p:spPr/>
+        <p:txBody>
+          <a:bodyPr/>
+          <a:lstStyle/>
+          <a:p>
+            <a:endParaRPr lang="zh-TW" altLang="en-US"/>
+          </a:p>
+        </p:txBody>
+      </p:sp>
+    </p:spTree>
+    <p:extLst>
+      <p:ext uri="{BB962C8B-B14F-4D97-AF65-F5344CB8AC3E}">
+        <p14:creationId xmlns:p14="http://schemas.microsoft.com/office/powerpoint/2010/main" val="1282707772"/>
+      </p:ext>
+    </p:extLst>
+  </p:cSld>
+  <p:clrMapOvr>
+    <a:masterClrMapping/>
+  </p:clrMapOvr>
+</p:sld>
+</file>
+
+<file path=ppt/slides/slide23.xml><?xml version="1.0" encoding="utf-8"?>
+<p:sld xmlns:a="http://schemas.openxmlformats.org/drawingml/2006/main" xmlns:r="http://schemas.openxmlformats.org/officeDocument/2006/relationships" xmlns:p="http://schemas.openxmlformats.org/presentationml/2006/main">
+  <p:cSld>
+    <p:spTree>
+      <p:nvGrpSpPr>
+        <p:cNvPr id="1" name=""/>
+        <p:cNvGrpSpPr/>
+        <p:nvPr/>
+      </p:nvGrpSpPr>
+      <p:grpSpPr>
+        <a:xfrm>
+          <a:off x="0" y="0"/>
+          <a:ext cx="0" cy="0"/>
+          <a:chOff x="0" y="0"/>
+          <a:chExt cx="0" cy="0"/>
+        </a:xfrm>
+      </p:grpSpPr>
+      <p:sp>
+        <p:nvSpPr>
+          <p:cNvPr id="2" name="內容版面配置區 1"/>
+          <p:cNvSpPr>
+            <a:spLocks noGrp="1"/>
+          </p:cNvSpPr>
+          <p:nvPr>
+            <p:ph idx="1"/>
+          </p:nvPr>
+        </p:nvSpPr>
+        <p:spPr/>
+        <p:txBody>
+          <a:bodyPr>
+            <a:normAutofit lnSpcReduction="10000"/>
+          </a:bodyPr>
+          <a:lstStyle/>
+          <a:p>
+            <a:pPr marL="0" indent="0">
+              <a:buNone/>
+            </a:pPr>
+            <a:r>
+              <a:rPr lang="en-US" altLang="zh-TW" dirty="0" smtClean="0"/>
+              <a:t>	</a:t>
+            </a:r>
+            <a:r>
+              <a:rPr lang="en-US" altLang="zh-TW" dirty="0" smtClean="0">
+                <a:latin typeface="Verdana" pitchFamily="34" charset="0"/>
+                <a:ea typeface="Verdana" pitchFamily="34" charset="0"/>
+                <a:cs typeface="Verdana" pitchFamily="34" charset="0"/>
+              </a:rPr>
+              <a:t>Defensive</a:t>
+            </a:r>
+            <a:r>
+              <a:rPr lang="zh-TW" altLang="en-US" dirty="0" smtClean="0">
+                <a:latin typeface="Verdana" pitchFamily="34" charset="0"/>
+                <a:cs typeface="Verdana" pitchFamily="34" charset="0"/>
+              </a:rPr>
+              <a:t> </a:t>
+            </a:r>
+            <a:r>
+              <a:rPr lang="en-US" altLang="zh-TW" dirty="0" smtClean="0">
+                <a:latin typeface="Verdana" pitchFamily="34" charset="0"/>
+                <a:ea typeface="Verdana" pitchFamily="34" charset="0"/>
+                <a:cs typeface="Verdana" pitchFamily="34" charset="0"/>
+              </a:rPr>
+              <a:t>Programing</a:t>
+            </a:r>
+            <a:r>
+              <a:rPr lang="zh-TW" altLang="en-US" dirty="0" smtClean="0">
+                <a:latin typeface="標楷體" pitchFamily="65" charset="-120"/>
+                <a:ea typeface="標楷體" pitchFamily="65" charset="-120"/>
+              </a:rPr>
+              <a:t>是一個概念，想要讓程式盡可能的減少例外情況，並且對這些例外情況做處理，而這些外例外情況有從外部來的</a:t>
+            </a:r>
+            <a:r>
+              <a:rPr lang="en-US" altLang="zh-TW" dirty="0" smtClean="0">
+                <a:latin typeface="標楷體" pitchFamily="65" charset="-120"/>
+                <a:ea typeface="標楷體" pitchFamily="65" charset="-120"/>
+              </a:rPr>
+              <a:t>(</a:t>
+            </a:r>
+            <a:r>
+              <a:rPr lang="zh-TW" altLang="en-US" dirty="0" smtClean="0">
+                <a:latin typeface="標楷體" pitchFamily="65" charset="-120"/>
+                <a:ea typeface="標楷體" pitchFamily="65" charset="-120"/>
+              </a:rPr>
+              <a:t>使用者</a:t>
+            </a:r>
+            <a:r>
+              <a:rPr lang="en-US" altLang="zh-TW" dirty="0" smtClean="0">
+                <a:latin typeface="標楷體" pitchFamily="65" charset="-120"/>
+                <a:ea typeface="標楷體" pitchFamily="65" charset="-120"/>
+              </a:rPr>
+              <a:t>)</a:t>
+            </a:r>
+            <a:r>
+              <a:rPr lang="zh-TW" altLang="en-US" dirty="0" smtClean="0">
+                <a:latin typeface="標楷體" pitchFamily="65" charset="-120"/>
+                <a:ea typeface="標楷體" pitchFamily="65" charset="-120"/>
+              </a:rPr>
+              <a:t>，以及內部本身的例外也就是程式執行的才會發生的例外情況，例如資料庫的錯誤或是函式之間資料的傳遞產生錯誤，這時候要能夠抓出這些情況，並且盡可能的做出對應措施，而不是直接丟出錯誤訊息並把使用者踢出去。</a:t>
+            </a:r>
+            <a:endParaRPr lang="en-US" altLang="zh-TW" dirty="0" smtClean="0">
+              <a:latin typeface="標楷體" pitchFamily="65" charset="-120"/>
+              <a:ea typeface="標楷體" pitchFamily="65" charset="-120"/>
+            </a:endParaRPr>
+          </a:p>
+          <a:p>
+            <a:pPr marL="0" indent="0">
+              <a:buNone/>
+            </a:pPr>
+            <a:r>
+              <a:rPr lang="en-US" altLang="zh-TW" dirty="0"/>
+              <a:t>	</a:t>
+            </a:r>
+            <a:r>
+              <a:rPr lang="zh-TW" altLang="en-US" dirty="0" smtClean="0">
+                <a:latin typeface="標楷體" pitchFamily="65" charset="-120"/>
+                <a:ea typeface="標楷體" pitchFamily="65" charset="-120"/>
+              </a:rPr>
+              <a:t>通常會運用到</a:t>
+            </a:r>
+            <a:r>
+              <a:rPr lang="en-US" altLang="zh-TW" dirty="0">
+                <a:latin typeface="Verdana" pitchFamily="34" charset="0"/>
+                <a:ea typeface="Verdana" pitchFamily="34" charset="0"/>
+                <a:cs typeface="Verdana" pitchFamily="34" charset="0"/>
+              </a:rPr>
+              <a:t>Defensive</a:t>
+            </a:r>
+            <a:r>
+              <a:rPr lang="zh-TW" altLang="en-US" dirty="0">
+                <a:latin typeface="Verdana" pitchFamily="34" charset="0"/>
+                <a:cs typeface="Verdana" pitchFamily="34" charset="0"/>
+              </a:rPr>
+              <a:t> </a:t>
+            </a:r>
+            <a:r>
+              <a:rPr lang="en-US" altLang="zh-TW" dirty="0" smtClean="0">
+                <a:latin typeface="Verdana" pitchFamily="34" charset="0"/>
+                <a:ea typeface="Verdana" pitchFamily="34" charset="0"/>
+                <a:cs typeface="Verdana" pitchFamily="34" charset="0"/>
+              </a:rPr>
+              <a:t>Programing</a:t>
+            </a:r>
+            <a:r>
+              <a:rPr lang="zh-TW" altLang="en-US" dirty="0" smtClean="0">
+                <a:latin typeface="標楷體" pitchFamily="65" charset="-120"/>
+                <a:ea typeface="標楷體" pitchFamily="65" charset="-120"/>
+              </a:rPr>
+              <a:t>概念的原因，是無法預測的使用者操作或是輸入，或許是有意或許是無意，但都會造成程式的例外情況，最常見的就是隱碼攻擊，而有人就提出簡潔的看法就是不如追朔回去找尋為什會有這樣奇怪的輸入值</a:t>
+            </a:r>
+            <a:r>
+              <a:rPr lang="en-US" altLang="zh-TW" dirty="0" smtClean="0">
+                <a:latin typeface="標楷體" pitchFamily="65" charset="-120"/>
+                <a:ea typeface="標楷體" pitchFamily="65" charset="-120"/>
+              </a:rPr>
+              <a:t>!?</a:t>
+            </a:r>
+            <a:r>
+              <a:rPr lang="en-US" altLang="zh-TW" dirty="0">
+                <a:latin typeface="標楷體" pitchFamily="65" charset="-120"/>
+                <a:ea typeface="標楷體" pitchFamily="65" charset="-120"/>
+              </a:rPr>
+              <a:t>	</a:t>
+            </a:r>
+            <a:endParaRPr lang="en-US" altLang="zh-TW" dirty="0" smtClean="0">
+              <a:latin typeface="標楷體" pitchFamily="65" charset="-120"/>
+              <a:ea typeface="標楷體" pitchFamily="65" charset="-120"/>
+            </a:endParaRPr>
+          </a:p>
+        </p:txBody>
+      </p:sp>
+      <p:sp>
+        <p:nvSpPr>
+          <p:cNvPr id="3" name="標題 2"/>
+          <p:cNvSpPr>
+            <a:spLocks noGrp="1"/>
+          </p:cNvSpPr>
+          <p:nvPr>
+            <p:ph type="title"/>
+          </p:nvPr>
+        </p:nvSpPr>
+        <p:spPr/>
+        <p:txBody>
+          <a:bodyPr>
+            <a:normAutofit/>
+          </a:bodyPr>
+          <a:lstStyle/>
+          <a:p>
+            <a:r>
+              <a:rPr lang="zh-TW" altLang="en-US" sz="4000" dirty="0" smtClean="0"/>
+              <a:t>未縮減之完整心得</a:t>
+            </a:r>
+            <a:r>
+              <a:rPr lang="zh-TW" altLang="en-US" sz="4000" dirty="0" smtClean="0"/>
+              <a:t>感想</a:t>
+            </a:r>
+            <a:endParaRPr lang="zh-TW" altLang="en-US" sz="4000" dirty="0"/>
+          </a:p>
+        </p:txBody>
+      </p:sp>
+    </p:spTree>
+    <p:extLst>
+      <p:ext uri="{BB962C8B-B14F-4D97-AF65-F5344CB8AC3E}">
+        <p14:creationId xmlns:p14="http://schemas.microsoft.com/office/powerpoint/2010/main" val="2787851015"/>
+      </p:ext>
+    </p:extLst>
+  </p:cSld>
+  <p:clrMapOvr>
+    <a:masterClrMapping/>
+  </p:clrMapOvr>
+  <p:timing>
+    <p:tnLst>
+      <p:par>
+        <p:cTn id="1" dur="indefinite" restart="never" nodeType="tmRoot"/>
+      </p:par>
+    </p:tnLst>
+  </p:timing>
+</p:sld>
+</file>
+
+<file path=ppt/slides/slide24.xml><?xml version="1.0" encoding="utf-8"?>
+<p:sld xmlns:a="http://schemas.openxmlformats.org/drawingml/2006/main" xmlns:r="http://schemas.openxmlformats.org/officeDocument/2006/relationships" xmlns:p="http://schemas.openxmlformats.org/presentationml/2006/main">
+  <p:cSld>
+    <p:spTree>
+      <p:nvGrpSpPr>
+        <p:cNvPr id="1" name=""/>
+        <p:cNvGrpSpPr/>
+        <p:nvPr/>
+      </p:nvGrpSpPr>
+      <p:grpSpPr>
+        <a:xfrm>
+          <a:off x="0" y="0"/>
+          <a:ext cx="0" cy="0"/>
+          <a:chOff x="0" y="0"/>
+          <a:chExt cx="0" cy="0"/>
+        </a:xfrm>
+      </p:grpSpPr>
+      <p:sp>
+        <p:nvSpPr>
+          <p:cNvPr id="2" name="內容版面配置區 1"/>
+          <p:cNvSpPr>
+            <a:spLocks noGrp="1"/>
+          </p:cNvSpPr>
+          <p:nvPr>
+            <p:ph idx="1"/>
+          </p:nvPr>
+        </p:nvSpPr>
+        <p:spPr/>
+        <p:txBody>
+          <a:bodyPr>
+            <a:normAutofit/>
+          </a:bodyPr>
+          <a:lstStyle/>
+          <a:p>
             <a:pPr marL="365760" lvl="1" indent="0">
               <a:buNone/>
             </a:pPr>
@@ -7673,7 +8476,7 @@
 </p:sld>
 </file>
 
-<file path=ppt/slides/slide21.xml><?xml version="1.0" encoding="utf-8"?>
+<file path=ppt/slides/slide25.xml><?xml version="1.0" encoding="utf-8"?>
 <p:sld xmlns:a="http://schemas.openxmlformats.org/drawingml/2006/main" xmlns:r="http://schemas.openxmlformats.org/officeDocument/2006/relationships" xmlns:p="http://schemas.openxmlformats.org/presentationml/2006/main">
   <p:cSld>
     <p:spTree>
@@ -8002,7 +8805,7 @@
 </p:sld>
 </file>
 
-<file path=ppt/slides/slide22.xml><?xml version="1.0" encoding="utf-8"?>
+<file path=ppt/slides/slide26.xml><?xml version="1.0" encoding="utf-8"?>
 <p:sld xmlns:a="http://schemas.openxmlformats.org/drawingml/2006/main" xmlns:r="http://schemas.openxmlformats.org/officeDocument/2006/relationships" xmlns:p="http://schemas.openxmlformats.org/presentationml/2006/main">
   <p:cSld>
     <p:spTree>
@@ -8175,7 +8978,7 @@
 </p:sld>
 </file>
 
-<file path=ppt/slides/slide23.xml><?xml version="1.0" encoding="utf-8"?>
+<file path=ppt/slides/slide27.xml><?xml version="1.0" encoding="utf-8"?>
 <p:sld xmlns:a="http://schemas.openxmlformats.org/drawingml/2006/main" xmlns:r="http://schemas.openxmlformats.org/officeDocument/2006/relationships" xmlns:p="http://schemas.openxmlformats.org/presentationml/2006/main">
   <p:cSld>
     <p:spTree>
@@ -8329,170 +9132,6 @@
     <p:extLst>
       <p:ext uri="{BB962C8B-B14F-4D97-AF65-F5344CB8AC3E}">
         <p14:creationId xmlns:p14="http://schemas.microsoft.com/office/powerpoint/2010/main" val="1064006185"/>
-      </p:ext>
-    </p:extLst>
-  </p:cSld>
-  <p:clrMapOvr>
-    <a:masterClrMapping/>
-  </p:clrMapOvr>
-</p:sld>
-</file>
-
-<file path=ppt/slides/slide24.xml><?xml version="1.0" encoding="utf-8"?>
-<p:sld xmlns:a="http://schemas.openxmlformats.org/drawingml/2006/main" xmlns:r="http://schemas.openxmlformats.org/officeDocument/2006/relationships" xmlns:p="http://schemas.openxmlformats.org/presentationml/2006/main">
-  <p:cSld>
-    <p:spTree>
-      <p:nvGrpSpPr>
-        <p:cNvPr id="1" name=""/>
-        <p:cNvGrpSpPr/>
-        <p:nvPr/>
-      </p:nvGrpSpPr>
-      <p:grpSpPr>
-        <a:xfrm>
-          <a:off x="0" y="0"/>
-          <a:ext cx="0" cy="0"/>
-          <a:chOff x="0" y="0"/>
-          <a:chExt cx="0" cy="0"/>
-        </a:xfrm>
-      </p:grpSpPr>
-      <p:sp>
-        <p:nvSpPr>
-          <p:cNvPr id="2" name="內容版面配置區 1"/>
-          <p:cNvSpPr>
-            <a:spLocks noGrp="1"/>
-          </p:cNvSpPr>
-          <p:nvPr>
-            <p:ph idx="1"/>
-          </p:nvPr>
-        </p:nvSpPr>
-        <p:spPr/>
-        <p:txBody>
-          <a:bodyPr/>
-          <a:lstStyle/>
-          <a:p>
-            <a:endParaRPr lang="en-US" altLang="zh-TW" dirty="0" smtClean="0"/>
-          </a:p>
-          <a:p>
-            <a:endParaRPr lang="en-US" altLang="zh-TW" dirty="0"/>
-          </a:p>
-          <a:p>
-            <a:endParaRPr lang="en-US" altLang="zh-TW" dirty="0" smtClean="0"/>
-          </a:p>
-          <a:p>
-            <a:pPr marL="0" indent="0">
-              <a:buNone/>
-            </a:pPr>
-            <a:r>
-              <a:rPr lang="en-US" altLang="zh-TW" dirty="0"/>
-              <a:t>	</a:t>
-            </a:r>
-            <a:r>
-              <a:rPr lang="en-US" altLang="zh-TW" dirty="0" smtClean="0"/>
-              <a:t>		</a:t>
-            </a:r>
-            <a:r>
-              <a:rPr lang="en-US" altLang="zh-TW" sz="4400" i="1" dirty="0" smtClean="0">
-                <a:solidFill>
-                  <a:srgbClr val="FF0000"/>
-                </a:solidFill>
-              </a:rPr>
-              <a:t>Thank you</a:t>
-            </a:r>
-            <a:endParaRPr lang="zh-TW" altLang="en-US" sz="4400" i="1" dirty="0">
-              <a:solidFill>
-                <a:srgbClr val="FF0000"/>
-              </a:solidFill>
-            </a:endParaRPr>
-          </a:p>
-        </p:txBody>
-      </p:sp>
-      <p:sp>
-        <p:nvSpPr>
-          <p:cNvPr id="3" name="標題 2"/>
-          <p:cNvSpPr>
-            <a:spLocks noGrp="1"/>
-          </p:cNvSpPr>
-          <p:nvPr>
-            <p:ph type="title"/>
-          </p:nvPr>
-        </p:nvSpPr>
-        <p:spPr/>
-        <p:txBody>
-          <a:bodyPr/>
-          <a:lstStyle/>
-          <a:p>
-            <a:endParaRPr lang="zh-TW" altLang="en-US"/>
-          </a:p>
-        </p:txBody>
-      </p:sp>
-      <p:pic>
-        <p:nvPicPr>
-          <p:cNvPr id="9218" name="Picture 2"/>
-          <p:cNvPicPr>
-            <a:picLocks noChangeAspect="1" noChangeArrowheads="1"/>
-          </p:cNvPicPr>
-          <p:nvPr/>
-        </p:nvPicPr>
-        <p:blipFill>
-          <a:blip r:embed="rId2" cstate="print">
-            <a:extLst>
-              <a:ext uri="{28A0092B-C50C-407E-A947-70E740481C1C}">
-                <a14:useLocalDpi xmlns:a14="http://schemas.microsoft.com/office/drawing/2010/main" val="0"/>
-              </a:ext>
-            </a:extLst>
-          </a:blip>
-          <a:srcRect/>
-          <a:stretch>
-            <a:fillRect/>
-          </a:stretch>
-        </p:blipFill>
-        <p:spPr bwMode="auto">
-          <a:xfrm>
-            <a:off x="6156176" y="2132856"/>
-            <a:ext cx="1800200" cy="2173933"/>
-          </a:xfrm>
-          <a:prstGeom prst="rect">
-            <a:avLst/>
-          </a:prstGeom>
-          <a:noFill/>
-          <a:ln>
-            <a:noFill/>
-          </a:ln>
-          <a:effectLst/>
-          <a:extLst>
-            <a:ext uri="{909E8E84-426E-40DD-AFC4-6F175D3DCCD1}">
-              <a14:hiddenFill xmlns:a14="http://schemas.microsoft.com/office/drawing/2010/main">
-                <a:solidFill>
-                  <a:schemeClr val="accent1"/>
-                </a:solidFill>
-              </a14:hiddenFill>
-            </a:ext>
-            <a:ext uri="{91240B29-F687-4F45-9708-019B960494DF}">
-              <a14:hiddenLine xmlns:a14="http://schemas.microsoft.com/office/drawing/2010/main" w="9525">
-                <a:solidFill>
-                  <a:schemeClr val="tx1"/>
-                </a:solidFill>
-                <a:miter lim="800000"/>
-                <a:headEnd/>
-                <a:tailEnd/>
-              </a14:hiddenLine>
-            </a:ext>
-            <a:ext uri="{AF507438-7753-43E0-B8FC-AC1667EBCBE1}">
-              <a14:hiddenEffects xmlns:a14="http://schemas.microsoft.com/office/drawing/2010/main">
-                <a:effectLst>
-                  <a:outerShdw dist="35921" dir="2700000" algn="ctr" rotWithShape="0">
-                    <a:schemeClr val="bg2"/>
-                  </a:outerShdw>
-                </a:effectLst>
-              </a14:hiddenEffects>
-            </a:ext>
-          </a:extLst>
-        </p:spPr>
-      </p:pic>
-    </p:spTree>
-    <p:extLst>
-      <p:ext uri="{BB962C8B-B14F-4D97-AF65-F5344CB8AC3E}">
-        <p14:creationId xmlns:p14="http://schemas.microsoft.com/office/powerpoint/2010/main" val="691758508"/>
       </p:ext>
     </p:extLst>
   </p:cSld>
@@ -9641,15 +10280,7 @@
                   <a:schemeClr val="tx1"/>
                 </a:solidFill>
               </a:rPr>
-              <a:t>預測</a:t>
-            </a:r>
-            <a:r>
-              <a:rPr lang="zh-TW" altLang="en-US" sz="4000" dirty="0" smtClean="0">
-                <a:solidFill>
-                  <a:schemeClr val="tx1"/>
-                </a:solidFill>
-              </a:rPr>
-              <a:t>所有</a:t>
+              <a:t>預測所有</a:t>
             </a:r>
             <a:r>
               <a:rPr lang="zh-TW" altLang="en-US" sz="4000" dirty="0">
@@ -9873,15 +10504,7 @@
                   <a:schemeClr val="tx1"/>
                 </a:solidFill>
               </a:rPr>
-              <a:t>不</a:t>
-            </a:r>
-            <a:r>
-              <a:rPr lang="zh-TW" altLang="en-US" sz="2800" dirty="0" smtClean="0">
-                <a:solidFill>
-                  <a:schemeClr val="tx1"/>
-                </a:solidFill>
-              </a:rPr>
-              <a:t>要</a:t>
+              <a:t>不要</a:t>
             </a:r>
             <a:r>
               <a:rPr lang="zh-TW" altLang="en-US" sz="2800" dirty="0">

--- a/研一/作業二/defensive/Learning Defensive programming.pptx
+++ b/研一/作業二/defensive/Learning Defensive programming.pptx
@@ -5,36 +5,37 @@
     <p:sldMasterId id="2147483876" r:id="rId1"/>
   </p:sldMasterIdLst>
   <p:notesMasterIdLst>
-    <p:notesMasterId r:id="rId29"/>
+    <p:notesMasterId r:id="rId30"/>
   </p:notesMasterIdLst>
   <p:sldIdLst>
     <p:sldId id="258" r:id="rId2"/>
     <p:sldId id="294" r:id="rId3"/>
     <p:sldId id="298" r:id="rId4"/>
     <p:sldId id="261" r:id="rId5"/>
-    <p:sldId id="281" r:id="rId6"/>
-    <p:sldId id="302" r:id="rId7"/>
-    <p:sldId id="286" r:id="rId8"/>
-    <p:sldId id="288" r:id="rId9"/>
-    <p:sldId id="272" r:id="rId10"/>
+    <p:sldId id="302" r:id="rId6"/>
+    <p:sldId id="286" r:id="rId7"/>
+    <p:sldId id="312" r:id="rId8"/>
+    <p:sldId id="272" r:id="rId9"/>
+    <p:sldId id="313" r:id="rId10"/>
     <p:sldId id="299" r:id="rId11"/>
-    <p:sldId id="278" r:id="rId12"/>
-    <p:sldId id="283" r:id="rId13"/>
-    <p:sldId id="285" r:id="rId14"/>
-    <p:sldId id="306" r:id="rId15"/>
-    <p:sldId id="284" r:id="rId16"/>
-    <p:sldId id="303" r:id="rId17"/>
-    <p:sldId id="276" r:id="rId18"/>
-    <p:sldId id="275" r:id="rId19"/>
-    <p:sldId id="263" r:id="rId20"/>
-    <p:sldId id="309" r:id="rId21"/>
-    <p:sldId id="304" r:id="rId22"/>
-    <p:sldId id="310" r:id="rId23"/>
-    <p:sldId id="308" r:id="rId24"/>
-    <p:sldId id="293" r:id="rId25"/>
-    <p:sldId id="295" r:id="rId26"/>
-    <p:sldId id="297" r:id="rId27"/>
-    <p:sldId id="296" r:id="rId28"/>
+    <p:sldId id="311" r:id="rId12"/>
+    <p:sldId id="278" r:id="rId13"/>
+    <p:sldId id="283" r:id="rId14"/>
+    <p:sldId id="285" r:id="rId15"/>
+    <p:sldId id="306" r:id="rId16"/>
+    <p:sldId id="284" r:id="rId17"/>
+    <p:sldId id="303" r:id="rId18"/>
+    <p:sldId id="276" r:id="rId19"/>
+    <p:sldId id="275" r:id="rId20"/>
+    <p:sldId id="263" r:id="rId21"/>
+    <p:sldId id="309" r:id="rId22"/>
+    <p:sldId id="304" r:id="rId23"/>
+    <p:sldId id="310" r:id="rId24"/>
+    <p:sldId id="308" r:id="rId25"/>
+    <p:sldId id="293" r:id="rId26"/>
+    <p:sldId id="295" r:id="rId27"/>
+    <p:sldId id="297" r:id="rId28"/>
+    <p:sldId id="296" r:id="rId29"/>
   </p:sldIdLst>
   <p:sldSz cx="9144000" cy="6858000" type="screen4x3"/>
   <p:notesSz cx="6858000" cy="9144000"/>
@@ -218,7 +219,7 @@
           <a:p>
             <a:fld id="{B4A7E32A-C35F-4EC9-A84E-2569D6764C63}" type="datetimeFigureOut">
               <a:rPr lang="zh-TW" altLang="en-US" smtClean="0"/>
-              <a:t>2016/8/18</a:t>
+              <a:t>2016/8/19</a:t>
             </a:fld>
             <a:endParaRPr lang="zh-TW" altLang="en-US"/>
           </a:p>
@@ -532,15 +533,21 @@
           <a:p>
             <a:r>
               <a:rPr lang="zh-TW" altLang="en-US" dirty="0" smtClean="0"/>
-              <a:t>使用程式時不會隨便的崩壞，例如手機遊戲，如果隨便操作就跳</a:t>
-            </a:r>
-            <a:r>
-              <a:rPr lang="en-US" altLang="zh-TW" dirty="0" smtClean="0"/>
-              <a:t>game</a:t>
-            </a:r>
+              <a:t>能夠防範各種奇怪的錯誤，例如 簡單的從資料錯誤 到 內部的流程 或是 資料庫忽然中斷連線 ，</a:t>
+            </a:r>
+            <a:endParaRPr lang="en-US" altLang="zh-TW" dirty="0" smtClean="0"/>
+          </a:p>
+          <a:p>
             <a:r>
               <a:rPr lang="zh-TW" altLang="en-US" dirty="0" smtClean="0"/>
-              <a:t> 那就不會有人想要使用這個程式，再者如果一個程式一堆奇奇怪怪的問題，那防護措施一定會有問題，就像這次的銀行盜領事件或是外國的新聞 女孩忽然戶頭匯入不屬於自己的錢一樣，會照成社會的動亂</a:t>
+              <a:t>讓使用起來更加穩定，不單單是使用者，連之後維護或是接手這隻程式的人能夠輕鬆一點，</a:t>
+            </a:r>
+            <a:endParaRPr lang="en-US" altLang="zh-TW" dirty="0" smtClean="0"/>
+          </a:p>
+          <a:p>
+            <a:r>
+              <a:rPr lang="zh-TW" altLang="en-US" dirty="0" smtClean="0"/>
+              <a:t>那這個世界會更加美好，好比這次的銀行盜領或者是匯款錯誤</a:t>
             </a:r>
             <a:endParaRPr lang="zh-TW" altLang="en-US" dirty="0"/>
           </a:p>
@@ -627,50 +634,8 @@
           <a:lstStyle/>
           <a:p>
             <a:r>
-              <a:rPr lang="en-US" altLang="zh-TW" dirty="0" smtClean="0"/>
-              <a:t>1.</a:t>
-            </a:r>
-            <a:r>
               <a:rPr lang="zh-TW" altLang="en-US" dirty="0" smtClean="0"/>
-              <a:t>預測所有外部資料</a:t>
-            </a:r>
-            <a:r>
-              <a:rPr lang="en-US" altLang="zh-TW" dirty="0" smtClean="0"/>
-              <a:t>—</a:t>
-            </a:r>
-            <a:r>
-              <a:rPr lang="zh-TW" altLang="en-US" dirty="0" smtClean="0"/>
-              <a:t>要能夠判斷的出這筆資料是否正確 包刮 內容正負直 型態 或者包含了什麼奇怪的字串</a:t>
-            </a:r>
-            <a:endParaRPr lang="en-US" altLang="zh-TW" dirty="0" smtClean="0"/>
-          </a:p>
-          <a:p>
-            <a:r>
-              <a:rPr lang="en-US" altLang="zh-TW" dirty="0" smtClean="0"/>
-              <a:t>2.</a:t>
-            </a:r>
-            <a:r>
-              <a:rPr lang="zh-TW" altLang="en-US" dirty="0" smtClean="0"/>
-              <a:t>處理怪異的輸入及操作  不管收到什麼奇怪的輸入資料近來後經過判斷可以給予一個溫和的結果</a:t>
-            </a:r>
-            <a:endParaRPr lang="en-US" altLang="zh-TW" dirty="0" smtClean="0"/>
-          </a:p>
-          <a:p>
-            <a:r>
-              <a:rPr lang="en-US" altLang="zh-TW" dirty="0" smtClean="0"/>
-              <a:t>3.</a:t>
-            </a:r>
-            <a:r>
-              <a:rPr lang="zh-TW" altLang="en-US" dirty="0" smtClean="0"/>
-              <a:t>能夠判斷出例外情況，並且進行補救這些情況，不要讓程式</a:t>
-            </a:r>
-            <a:r>
-              <a:rPr lang="en-US" altLang="zh-TW" dirty="0" smtClean="0"/>
-              <a:t>crash</a:t>
-            </a:r>
-            <a:r>
-              <a:rPr lang="zh-TW" altLang="en-US" dirty="0" smtClean="0"/>
-              <a:t>掉，盡可能地繼續讓程式運轉</a:t>
+              <a:t>不要相信所有外面來的資料，即是它看起來人模人樣，都要進行判斷，人人都會有打錯的時候，就像是念課文 即使都在課本上但是你就是會念錯</a:t>
             </a:r>
             <a:endParaRPr lang="zh-TW" altLang="en-US" dirty="0"/>
           </a:p>
@@ -693,7 +658,7 @@
           <a:p>
             <a:fld id="{5451BAC6-82E4-402F-A165-5BF59D39E2CB}" type="slidenum">
               <a:rPr lang="zh-TW" altLang="en-US" smtClean="0"/>
-              <a:t>5</a:t>
+              <a:t>6</a:t>
             </a:fld>
             <a:endParaRPr lang="zh-TW" altLang="en-US"/>
           </a:p>
@@ -702,7 +667,7 @@
     </p:spTree>
     <p:extLst>
       <p:ext uri="{BB962C8B-B14F-4D97-AF65-F5344CB8AC3E}">
-        <p14:creationId xmlns:p14="http://schemas.microsoft.com/office/powerpoint/2010/main" val="3423196476"/>
+        <p14:creationId xmlns:p14="http://schemas.microsoft.com/office/powerpoint/2010/main" val="392373189"/>
       </p:ext>
     </p:extLst>
   </p:cSld>
@@ -846,6 +811,94 @@
           <a:p>
             <a:r>
               <a:rPr lang="zh-TW" altLang="en-US" dirty="0" smtClean="0"/>
+              <a:t>不要相信所有外面來的資料，即是它看起來人模人樣，都要進行判斷，人人都會有打錯的時候，就像是念課文 即使都在課本上但是你就是會念錯</a:t>
+            </a:r>
+            <a:endParaRPr lang="zh-TW" altLang="en-US" dirty="0"/>
+          </a:p>
+        </p:txBody>
+      </p:sp>
+      <p:sp>
+        <p:nvSpPr>
+          <p:cNvPr id="4" name="投影片編號版面配置區 3"/>
+          <p:cNvSpPr>
+            <a:spLocks noGrp="1"/>
+          </p:cNvSpPr>
+          <p:nvPr>
+            <p:ph type="sldNum" sz="quarter" idx="10"/>
+          </p:nvPr>
+        </p:nvSpPr>
+        <p:spPr/>
+        <p:txBody>
+          <a:bodyPr/>
+          <a:lstStyle/>
+          <a:p>
+            <a:fld id="{5451BAC6-82E4-402F-A165-5BF59D39E2CB}" type="slidenum">
+              <a:rPr lang="zh-TW" altLang="en-US" smtClean="0"/>
+              <a:t>9</a:t>
+            </a:fld>
+            <a:endParaRPr lang="zh-TW" altLang="en-US"/>
+          </a:p>
+        </p:txBody>
+      </p:sp>
+    </p:spTree>
+    <p:extLst>
+      <p:ext uri="{BB962C8B-B14F-4D97-AF65-F5344CB8AC3E}">
+        <p14:creationId xmlns:p14="http://schemas.microsoft.com/office/powerpoint/2010/main" val="392373189"/>
+      </p:ext>
+    </p:extLst>
+  </p:cSld>
+  <p:clrMapOvr>
+    <a:masterClrMapping/>
+  </p:clrMapOvr>
+</p:notes>
+</file>
+
+<file path=ppt/notesSlides/notesSlide5.xml><?xml version="1.0" encoding="utf-8"?>
+<p:notes xmlns:a="http://schemas.openxmlformats.org/drawingml/2006/main" xmlns:r="http://schemas.openxmlformats.org/officeDocument/2006/relationships" xmlns:p="http://schemas.openxmlformats.org/presentationml/2006/main">
+  <p:cSld>
+    <p:spTree>
+      <p:nvGrpSpPr>
+        <p:cNvPr id="1" name=""/>
+        <p:cNvGrpSpPr/>
+        <p:nvPr/>
+      </p:nvGrpSpPr>
+      <p:grpSpPr>
+        <a:xfrm>
+          <a:off x="0" y="0"/>
+          <a:ext cx="0" cy="0"/>
+          <a:chOff x="0" y="0"/>
+          <a:chExt cx="0" cy="0"/>
+        </a:xfrm>
+      </p:grpSpPr>
+      <p:sp>
+        <p:nvSpPr>
+          <p:cNvPr id="2" name="投影片圖像版面配置區 1"/>
+          <p:cNvSpPr>
+            <a:spLocks noGrp="1" noRot="1" noChangeAspect="1"/>
+          </p:cNvSpPr>
+          <p:nvPr>
+            <p:ph type="sldImg"/>
+          </p:nvPr>
+        </p:nvSpPr>
+        <p:spPr/>
+      </p:sp>
+      <p:sp>
+        <p:nvSpPr>
+          <p:cNvPr id="3" name="備忘稿版面配置區 2"/>
+          <p:cNvSpPr>
+            <a:spLocks noGrp="1"/>
+          </p:cNvSpPr>
+          <p:nvPr>
+            <p:ph type="body" idx="1"/>
+          </p:nvPr>
+        </p:nvSpPr>
+        <p:spPr/>
+        <p:txBody>
+          <a:bodyPr/>
+          <a:lstStyle/>
+          <a:p>
+            <a:r>
+              <a:rPr lang="zh-TW" altLang="en-US" dirty="0" smtClean="0"/>
               <a:t>再怎麼怪異的輸入 都可以給予最溫和的回應，就像是耶穌 </a:t>
             </a:r>
             <a:endParaRPr lang="zh-TW" altLang="en-US" dirty="0"/>
@@ -870,6 +923,94 @@
             <a:fld id="{5451BAC6-82E4-402F-A165-5BF59D39E2CB}" type="slidenum">
               <a:rPr lang="zh-TW" altLang="en-US" smtClean="0"/>
               <a:t>11</a:t>
+            </a:fld>
+            <a:endParaRPr lang="zh-TW" altLang="en-US"/>
+          </a:p>
+        </p:txBody>
+      </p:sp>
+    </p:spTree>
+    <p:extLst>
+      <p:ext uri="{BB962C8B-B14F-4D97-AF65-F5344CB8AC3E}">
+        <p14:creationId xmlns:p14="http://schemas.microsoft.com/office/powerpoint/2010/main" val="182639409"/>
+      </p:ext>
+    </p:extLst>
+  </p:cSld>
+  <p:clrMapOvr>
+    <a:masterClrMapping/>
+  </p:clrMapOvr>
+</p:notes>
+</file>
+
+<file path=ppt/notesSlides/notesSlide6.xml><?xml version="1.0" encoding="utf-8"?>
+<p:notes xmlns:a="http://schemas.openxmlformats.org/drawingml/2006/main" xmlns:r="http://schemas.openxmlformats.org/officeDocument/2006/relationships" xmlns:p="http://schemas.openxmlformats.org/presentationml/2006/main">
+  <p:cSld>
+    <p:spTree>
+      <p:nvGrpSpPr>
+        <p:cNvPr id="1" name=""/>
+        <p:cNvGrpSpPr/>
+        <p:nvPr/>
+      </p:nvGrpSpPr>
+      <p:grpSpPr>
+        <a:xfrm>
+          <a:off x="0" y="0"/>
+          <a:ext cx="0" cy="0"/>
+          <a:chOff x="0" y="0"/>
+          <a:chExt cx="0" cy="0"/>
+        </a:xfrm>
+      </p:grpSpPr>
+      <p:sp>
+        <p:nvSpPr>
+          <p:cNvPr id="2" name="投影片圖像版面配置區 1"/>
+          <p:cNvSpPr>
+            <a:spLocks noGrp="1" noRot="1" noChangeAspect="1"/>
+          </p:cNvSpPr>
+          <p:nvPr>
+            <p:ph type="sldImg"/>
+          </p:nvPr>
+        </p:nvSpPr>
+        <p:spPr/>
+      </p:sp>
+      <p:sp>
+        <p:nvSpPr>
+          <p:cNvPr id="3" name="備忘稿版面配置區 2"/>
+          <p:cNvSpPr>
+            <a:spLocks noGrp="1"/>
+          </p:cNvSpPr>
+          <p:nvPr>
+            <p:ph type="body" idx="1"/>
+          </p:nvPr>
+        </p:nvSpPr>
+        <p:spPr/>
+        <p:txBody>
+          <a:bodyPr/>
+          <a:lstStyle/>
+          <a:p>
+            <a:r>
+              <a:rPr lang="zh-TW" altLang="en-US" dirty="0" smtClean="0"/>
+              <a:t>再怎麼怪異的輸入 都可以給予最溫和的回應，就像是耶穌 </a:t>
+            </a:r>
+            <a:endParaRPr lang="zh-TW" altLang="en-US" dirty="0"/>
+          </a:p>
+        </p:txBody>
+      </p:sp>
+      <p:sp>
+        <p:nvSpPr>
+          <p:cNvPr id="4" name="投影片編號版面配置區 3"/>
+          <p:cNvSpPr>
+            <a:spLocks noGrp="1"/>
+          </p:cNvSpPr>
+          <p:nvPr>
+            <p:ph type="sldNum" sz="quarter" idx="10"/>
+          </p:nvPr>
+        </p:nvSpPr>
+        <p:spPr/>
+        <p:txBody>
+          <a:bodyPr/>
+          <a:lstStyle/>
+          <a:p>
+            <a:fld id="{5451BAC6-82E4-402F-A165-5BF59D39E2CB}" type="slidenum">
+              <a:rPr lang="zh-TW" altLang="en-US" smtClean="0"/>
+              <a:t>12</a:t>
             </a:fld>
             <a:endParaRPr lang="zh-TW" altLang="en-US"/>
           </a:p>
@@ -1178,7 +1319,7 @@
           <a:p>
             <a:fld id="{4359E883-C674-459D-999B-D413297D06FB}" type="datetimeFigureOut">
               <a:rPr lang="zh-TW" altLang="en-US" smtClean="0"/>
-              <a:t>2016/8/18</a:t>
+              <a:t>2016/8/19</a:t>
             </a:fld>
             <a:endParaRPr lang="zh-TW" altLang="en-US"/>
           </a:p>
@@ -1343,7 +1484,7 @@
           <a:p>
             <a:fld id="{4359E883-C674-459D-999B-D413297D06FB}" type="datetimeFigureOut">
               <a:rPr lang="zh-TW" altLang="en-US" smtClean="0"/>
-              <a:t>2016/8/18</a:t>
+              <a:t>2016/8/19</a:t>
             </a:fld>
             <a:endParaRPr lang="zh-TW" altLang="en-US"/>
           </a:p>
@@ -1518,7 +1659,7 @@
           <a:p>
             <a:fld id="{4359E883-C674-459D-999B-D413297D06FB}" type="datetimeFigureOut">
               <a:rPr lang="zh-TW" altLang="en-US" smtClean="0"/>
-              <a:t>2016/8/18</a:t>
+              <a:t>2016/8/19</a:t>
             </a:fld>
             <a:endParaRPr lang="zh-TW" altLang="en-US"/>
           </a:p>
@@ -1665,7 +1806,7 @@
           <a:p>
             <a:fld id="{4359E883-C674-459D-999B-D413297D06FB}" type="datetimeFigureOut">
               <a:rPr lang="zh-TW" altLang="en-US" smtClean="0"/>
-              <a:t>2016/8/18</a:t>
+              <a:t>2016/8/19</a:t>
             </a:fld>
             <a:endParaRPr lang="zh-TW" altLang="en-US"/>
           </a:p>
@@ -1782,7 +1923,7 @@
           <a:p>
             <a:fld id="{4359E883-C674-459D-999B-D413297D06FB}" type="datetimeFigureOut">
               <a:rPr lang="zh-TW" altLang="en-US" smtClean="0"/>
-              <a:t>2016/8/18</a:t>
+              <a:t>2016/8/19</a:t>
             </a:fld>
             <a:endParaRPr lang="zh-TW" altLang="en-US"/>
           </a:p>
@@ -2052,7 +2193,7 @@
           <a:p>
             <a:fld id="{4359E883-C674-459D-999B-D413297D06FB}" type="datetimeFigureOut">
               <a:rPr lang="zh-TW" altLang="en-US" smtClean="0"/>
-              <a:t>2016/8/18</a:t>
+              <a:t>2016/8/19</a:t>
             </a:fld>
             <a:endParaRPr lang="zh-TW" altLang="en-US"/>
           </a:p>
@@ -2321,7 +2462,7 @@
           <a:p>
             <a:fld id="{4359E883-C674-459D-999B-D413297D06FB}" type="datetimeFigureOut">
               <a:rPr lang="zh-TW" altLang="en-US" smtClean="0"/>
-              <a:t>2016/8/18</a:t>
+              <a:t>2016/8/19</a:t>
             </a:fld>
             <a:endParaRPr lang="zh-TW" altLang="en-US"/>
           </a:p>
@@ -2768,7 +2909,7 @@
           <a:p>
             <a:fld id="{4359E883-C674-459D-999B-D413297D06FB}" type="datetimeFigureOut">
               <a:rPr lang="zh-TW" altLang="en-US" smtClean="0"/>
-              <a:t>2016/8/18</a:t>
+              <a:t>2016/8/19</a:t>
             </a:fld>
             <a:endParaRPr lang="zh-TW" altLang="en-US"/>
           </a:p>
@@ -2881,7 +3022,7 @@
           <a:p>
             <a:fld id="{4359E883-C674-459D-999B-D413297D06FB}" type="datetimeFigureOut">
               <a:rPr lang="zh-TW" altLang="en-US" smtClean="0"/>
-              <a:t>2016/8/18</a:t>
+              <a:t>2016/8/19</a:t>
             </a:fld>
             <a:endParaRPr lang="zh-TW" altLang="en-US"/>
           </a:p>
@@ -3131,7 +3272,7 @@
           <a:p>
             <a:fld id="{4359E883-C674-459D-999B-D413297D06FB}" type="datetimeFigureOut">
               <a:rPr lang="zh-TW" altLang="en-US" smtClean="0"/>
-              <a:t>2016/8/18</a:t>
+              <a:t>2016/8/19</a:t>
             </a:fld>
             <a:endParaRPr lang="zh-TW" altLang="en-US"/>
           </a:p>
@@ -3371,7 +3512,7 @@
           <a:p>
             <a:fld id="{4359E883-C674-459D-999B-D413297D06FB}" type="datetimeFigureOut">
               <a:rPr lang="zh-TW" altLang="en-US" smtClean="0"/>
-              <a:t>2016/8/18</a:t>
+              <a:t>2016/8/19</a:t>
             </a:fld>
             <a:endParaRPr lang="zh-TW" altLang="en-US"/>
           </a:p>
@@ -3544,7 +3685,7 @@
           <a:p>
             <a:fld id="{4359E883-C674-459D-999B-D413297D06FB}" type="datetimeFigureOut">
               <a:rPr lang="zh-TW" altLang="en-US" smtClean="0"/>
-              <a:t>2016/8/18</a:t>
+              <a:t>2016/8/19</a:t>
             </a:fld>
             <a:endParaRPr lang="zh-TW" altLang="en-US"/>
           </a:p>
@@ -4118,6 +4259,13 @@
   <p:clrMapOvr>
     <a:masterClrMapping/>
   </p:clrMapOvr>
+  <p:timing>
+    <p:tnLst>
+      <p:par>
+        <p:cTn id="1" dur="indefinite" restart="never" nodeType="tmRoot"/>
+      </p:par>
+    </p:tnLst>
+  </p:timing>
 </p:sld>
 </file>
 
@@ -4357,7 +4505,7 @@
         <p:spPr/>
         <p:txBody>
           <a:bodyPr>
-            <a:normAutofit fontScale="62500" lnSpcReduction="20000"/>
+            <a:normAutofit lnSpcReduction="10000"/>
           </a:bodyPr>
           <a:lstStyle/>
           <a:p>
@@ -4365,14 +4513,754 @@
               <a:buNone/>
             </a:pPr>
             <a:r>
-              <a:rPr lang="zh-TW" altLang="en-US" sz="5100" dirty="0" smtClean="0">
+              <a:rPr lang="zh-TW" altLang="en-US" sz="3200" dirty="0" smtClean="0">
+                <a:solidFill>
+                  <a:schemeClr val="tx1"/>
+                </a:solidFill>
+              </a:rPr>
+              <a:t>處理怪異的輸入及</a:t>
+            </a:r>
+            <a:r>
+              <a:rPr lang="zh-TW" altLang="en-US" sz="3200" dirty="0" smtClean="0">
+                <a:solidFill>
+                  <a:schemeClr val="tx1"/>
+                </a:solidFill>
+              </a:rPr>
+              <a:t>操作</a:t>
+            </a:r>
+            <a:endParaRPr lang="en-US" altLang="zh-TW" sz="3200" dirty="0" smtClean="0">
+              <a:solidFill>
+                <a:schemeClr val="tx1"/>
+              </a:solidFill>
+            </a:endParaRPr>
+          </a:p>
+          <a:p>
+            <a:pPr marL="365760" lvl="1" indent="0">
+              <a:buNone/>
+            </a:pPr>
+            <a:endParaRPr lang="en-US" altLang="zh-TW" dirty="0">
+              <a:solidFill>
+                <a:schemeClr val="tx1"/>
+              </a:solidFill>
+            </a:endParaRPr>
+          </a:p>
+          <a:p>
+            <a:pPr marL="365760" lvl="1" indent="0">
+              <a:buNone/>
+            </a:pPr>
+            <a:r>
+              <a:rPr lang="zh-TW" altLang="en-US" dirty="0">
+                <a:solidFill>
+                  <a:schemeClr val="tx1"/>
+                </a:solidFill>
+              </a:rPr>
+              <a:t>處理怪異的輸入</a:t>
+            </a:r>
+            <a:endParaRPr lang="en-US" altLang="zh-TW" dirty="0">
+              <a:solidFill>
+                <a:schemeClr val="tx1"/>
+              </a:solidFill>
+            </a:endParaRPr>
+          </a:p>
+          <a:p>
+            <a:pPr marL="365760" lvl="1" indent="0">
+              <a:buNone/>
+            </a:pPr>
+            <a:r>
+              <a:rPr lang="en-US" altLang="zh-TW" dirty="0">
+                <a:solidFill>
+                  <a:schemeClr val="tx1"/>
+                </a:solidFill>
+              </a:rPr>
+              <a:t>	ex.  Input [1$2%3^4&amp;5] </a:t>
+            </a:r>
+            <a:endParaRPr lang="en-US" altLang="zh-TW" dirty="0" smtClean="0">
+              <a:solidFill>
+                <a:schemeClr val="tx1"/>
+              </a:solidFill>
+            </a:endParaRPr>
+          </a:p>
+          <a:p>
+            <a:pPr marL="365760" lvl="1" indent="0">
+              <a:buNone/>
+            </a:pPr>
+            <a:r>
+              <a:rPr lang="en-US" altLang="zh-TW" dirty="0">
+                <a:solidFill>
+                  <a:schemeClr val="tx1"/>
+                </a:solidFill>
+              </a:rPr>
+              <a:t>	</a:t>
+            </a:r>
+            <a:r>
+              <a:rPr lang="en-US" altLang="zh-TW" dirty="0" smtClean="0">
+                <a:solidFill>
+                  <a:schemeClr val="tx1"/>
+                </a:solidFill>
+              </a:rPr>
+              <a:t>	</a:t>
+            </a:r>
+          </a:p>
+          <a:p>
+            <a:pPr marL="365760" lvl="1" indent="0">
+              <a:buNone/>
+            </a:pPr>
+            <a:endParaRPr lang="en-US" altLang="zh-TW" dirty="0" smtClean="0">
+              <a:solidFill>
+                <a:schemeClr val="tx1"/>
+              </a:solidFill>
+            </a:endParaRPr>
+          </a:p>
+          <a:p>
+            <a:pPr marL="365760" lvl="1" indent="0">
+              <a:buNone/>
+            </a:pPr>
+            <a:r>
+              <a:rPr lang="en-US" altLang="zh-TW" dirty="0" smtClean="0">
+                <a:solidFill>
+                  <a:schemeClr val="tx1"/>
+                </a:solidFill>
+              </a:rPr>
+              <a:t>	</a:t>
+            </a:r>
+            <a:r>
+              <a:rPr lang="zh-TW" altLang="en-US" dirty="0" smtClean="0">
+                <a:solidFill>
+                  <a:schemeClr val="tx1"/>
+                </a:solidFill>
+              </a:rPr>
+              <a:t>       </a:t>
+            </a:r>
+            <a:r>
+              <a:rPr lang="en-US" altLang="zh-TW" dirty="0" smtClean="0">
+                <a:solidFill>
+                  <a:schemeClr val="tx1"/>
+                </a:solidFill>
+              </a:rPr>
+              <a:t>output[12345]</a:t>
+            </a:r>
+            <a:endParaRPr lang="en-US" altLang="zh-TW" dirty="0">
+              <a:solidFill>
+                <a:schemeClr val="tx1"/>
+              </a:solidFill>
+            </a:endParaRPr>
+          </a:p>
+          <a:p>
+            <a:pPr marL="365760" lvl="1" indent="0">
+              <a:buNone/>
+            </a:pPr>
+            <a:r>
+              <a:rPr lang="en-US" altLang="zh-TW" dirty="0">
+                <a:solidFill>
+                  <a:schemeClr val="tx1"/>
+                </a:solidFill>
+              </a:rPr>
+              <a:t>	</a:t>
+            </a:r>
+            <a:r>
+              <a:rPr lang="en-US" altLang="zh-TW" dirty="0" smtClean="0">
+                <a:solidFill>
+                  <a:schemeClr val="tx1"/>
+                </a:solidFill>
+              </a:rPr>
+              <a:t>	    or</a:t>
+            </a:r>
+            <a:endParaRPr lang="en-US" altLang="zh-TW" dirty="0" smtClean="0">
+              <a:solidFill>
+                <a:schemeClr val="tx1"/>
+              </a:solidFill>
+            </a:endParaRPr>
+          </a:p>
+          <a:p>
+            <a:pPr marL="365760" lvl="1" indent="0">
+              <a:buNone/>
+            </a:pPr>
+            <a:endParaRPr lang="en-US" altLang="zh-TW" dirty="0">
+              <a:solidFill>
+                <a:schemeClr val="tx1"/>
+              </a:solidFill>
+            </a:endParaRPr>
+          </a:p>
+          <a:p>
+            <a:pPr marL="365760" lvl="1" indent="0">
+              <a:buNone/>
+            </a:pPr>
+            <a:endParaRPr lang="en-US" altLang="zh-TW" dirty="0" smtClean="0">
+              <a:solidFill>
+                <a:schemeClr val="tx1"/>
+              </a:solidFill>
+            </a:endParaRPr>
+          </a:p>
+          <a:p>
+            <a:pPr lvl="1">
+              <a:buFont typeface="Wingdings" pitchFamily="2" charset="2"/>
+              <a:buChar char="ü"/>
+            </a:pPr>
+            <a:endParaRPr lang="en-US" altLang="zh-TW" dirty="0">
+              <a:solidFill>
+                <a:schemeClr val="tx1"/>
+              </a:solidFill>
+            </a:endParaRPr>
+          </a:p>
+          <a:p>
+            <a:pPr marL="365760" lvl="1" indent="0">
+              <a:buNone/>
+            </a:pPr>
+            <a:r>
+              <a:rPr lang="en-US" altLang="zh-TW" dirty="0" smtClean="0">
+                <a:solidFill>
+                  <a:schemeClr val="tx1"/>
+                </a:solidFill>
+              </a:rPr>
+              <a:t>	</a:t>
+            </a:r>
+            <a:endParaRPr lang="en-US" altLang="zh-TW" dirty="0">
+              <a:solidFill>
+                <a:schemeClr val="tx1"/>
+              </a:solidFill>
+            </a:endParaRPr>
+          </a:p>
+        </p:txBody>
+      </p:sp>
+      <p:sp>
+        <p:nvSpPr>
+          <p:cNvPr id="3" name="標題 2"/>
+          <p:cNvSpPr>
+            <a:spLocks noGrp="1"/>
+          </p:cNvSpPr>
+          <p:nvPr>
+            <p:ph type="title"/>
+          </p:nvPr>
+        </p:nvSpPr>
+        <p:spPr/>
+        <p:txBody>
+          <a:bodyPr>
+            <a:normAutofit/>
+          </a:bodyPr>
+          <a:lstStyle/>
+          <a:p>
+            <a:r>
+              <a:rPr lang="en-US" altLang="zh-TW" sz="4000" dirty="0">
+                <a:latin typeface="Verdana" pitchFamily="34" charset="0"/>
+                <a:ea typeface="Verdana" pitchFamily="34" charset="0"/>
+                <a:cs typeface="Verdana" pitchFamily="34" charset="0"/>
+              </a:rPr>
+              <a:t>Defensive</a:t>
+            </a:r>
+            <a:r>
+              <a:rPr lang="zh-TW" altLang="en-US" sz="4000" dirty="0">
+                <a:latin typeface="微軟正黑體" pitchFamily="34" charset="-120"/>
+                <a:ea typeface="微軟正黑體" pitchFamily="34" charset="-120"/>
+              </a:rPr>
+              <a:t> </a:t>
+            </a:r>
+            <a:r>
+              <a:rPr lang="en-US" altLang="zh-TW" sz="4000" dirty="0">
+                <a:latin typeface="微軟正黑體" pitchFamily="34" charset="-120"/>
+                <a:ea typeface="微軟正黑體" pitchFamily="34" charset="-120"/>
+              </a:rPr>
+              <a:t>programming</a:t>
+            </a:r>
+            <a:endParaRPr lang="zh-TW" altLang="en-US" sz="4000" dirty="0"/>
+          </a:p>
+        </p:txBody>
+      </p:sp>
+      <p:pic>
+        <p:nvPicPr>
+          <p:cNvPr id="6" name="Picture 2"/>
+          <p:cNvPicPr>
+            <a:picLocks noChangeAspect="1" noChangeArrowheads="1"/>
+          </p:cNvPicPr>
+          <p:nvPr/>
+        </p:nvPicPr>
+        <p:blipFill>
+          <a:blip r:embed="rId3">
+            <a:extLst>
+              <a:ext uri="{28A0092B-C50C-407E-A947-70E740481C1C}">
+                <a14:useLocalDpi xmlns:a14="http://schemas.microsoft.com/office/drawing/2010/main" val="0"/>
+              </a:ext>
+            </a:extLst>
+          </a:blip>
+          <a:srcRect/>
+          <a:stretch>
+            <a:fillRect/>
+          </a:stretch>
+        </p:blipFill>
+        <p:spPr bwMode="auto">
+          <a:xfrm>
+            <a:off x="5004048" y="2924944"/>
+            <a:ext cx="2774628" cy="1992041"/>
+          </a:xfrm>
+          <a:prstGeom prst="rect">
+            <a:avLst/>
+          </a:prstGeom>
+          <a:noFill/>
+          <a:ln>
+            <a:noFill/>
+          </a:ln>
+          <a:effectLst/>
+          <a:extLst>
+            <a:ext uri="{909E8E84-426E-40DD-AFC4-6F175D3DCCD1}">
+              <a14:hiddenFill xmlns:a14="http://schemas.microsoft.com/office/drawing/2010/main">
+                <a:solidFill>
+                  <a:schemeClr val="accent1"/>
+                </a:solidFill>
+              </a14:hiddenFill>
+            </a:ext>
+            <a:ext uri="{91240B29-F687-4F45-9708-019B960494DF}">
+              <a14:hiddenLine xmlns:a14="http://schemas.microsoft.com/office/drawing/2010/main" w="9525">
+                <a:solidFill>
+                  <a:schemeClr val="tx1"/>
+                </a:solidFill>
+                <a:miter lim="800000"/>
+                <a:headEnd/>
+                <a:tailEnd/>
+              </a14:hiddenLine>
+            </a:ext>
+            <a:ext uri="{AF507438-7753-43E0-B8FC-AC1667EBCBE1}">
+              <a14:hiddenEffects xmlns:a14="http://schemas.microsoft.com/office/drawing/2010/main">
+                <a:effectLst>
+                  <a:outerShdw dist="35921" dir="2700000" algn="ctr" rotWithShape="0">
+                    <a:schemeClr val="bg2"/>
+                  </a:outerShdw>
+                </a:effectLst>
+              </a14:hiddenEffects>
+            </a:ext>
+          </a:extLst>
+        </p:spPr>
+      </p:pic>
+      <p:sp>
+        <p:nvSpPr>
+          <p:cNvPr id="5" name="向下箭號 4"/>
+          <p:cNvSpPr/>
+          <p:nvPr/>
+        </p:nvSpPr>
+        <p:spPr>
+          <a:xfrm>
+            <a:off x="2555776" y="3230241"/>
+            <a:ext cx="432048" cy="594270"/>
+          </a:xfrm>
+          <a:prstGeom prst="downArrow">
+            <a:avLst/>
+          </a:prstGeom>
+          <a:solidFill>
+            <a:srgbClr val="FF0000"/>
+          </a:solidFill>
+          <a:ln>
+            <a:solidFill>
+              <a:srgbClr val="FF0000"/>
+            </a:solidFill>
+          </a:ln>
+        </p:spPr>
+        <p:style>
+          <a:lnRef idx="2">
+            <a:schemeClr val="accent1">
+              <a:shade val="50000"/>
+            </a:schemeClr>
+          </a:lnRef>
+          <a:fillRef idx="1">
+            <a:schemeClr val="accent1"/>
+          </a:fillRef>
+          <a:effectRef idx="0">
+            <a:schemeClr val="accent1"/>
+          </a:effectRef>
+          <a:fontRef idx="minor">
+            <a:schemeClr val="lt1"/>
+          </a:fontRef>
+        </p:style>
+        <p:txBody>
+          <a:bodyPr rtlCol="0" anchor="ctr"/>
+          <a:lstStyle/>
+          <a:p>
+            <a:pPr algn="ctr"/>
+            <a:endParaRPr lang="zh-TW" altLang="en-US"/>
+          </a:p>
+        </p:txBody>
+      </p:sp>
+      <p:pic>
+        <p:nvPicPr>
+          <p:cNvPr id="2051" name="Picture 3"/>
+          <p:cNvPicPr>
+            <a:picLocks noChangeAspect="1" noChangeArrowheads="1"/>
+          </p:cNvPicPr>
+          <p:nvPr/>
+        </p:nvPicPr>
+        <p:blipFill>
+          <a:blip r:embed="rId4">
+            <a:extLst>
+              <a:ext uri="{28A0092B-C50C-407E-A947-70E740481C1C}">
+                <a14:useLocalDpi xmlns:a14="http://schemas.microsoft.com/office/drawing/2010/main" val="0"/>
+              </a:ext>
+            </a:extLst>
+          </a:blip>
+          <a:srcRect/>
+          <a:stretch>
+            <a:fillRect/>
+          </a:stretch>
+        </p:blipFill>
+        <p:spPr bwMode="auto">
+          <a:xfrm>
+            <a:off x="1526619" y="4581128"/>
+            <a:ext cx="3105150" cy="1200150"/>
+          </a:xfrm>
+          <a:prstGeom prst="rect">
+            <a:avLst/>
+          </a:prstGeom>
+          <a:noFill/>
+          <a:ln>
+            <a:noFill/>
+          </a:ln>
+          <a:effectLst/>
+          <a:extLst>
+            <a:ext uri="{909E8E84-426E-40DD-AFC4-6F175D3DCCD1}">
+              <a14:hiddenFill xmlns:a14="http://schemas.microsoft.com/office/drawing/2010/main">
+                <a:solidFill>
+                  <a:schemeClr val="accent1"/>
+                </a:solidFill>
+              </a14:hiddenFill>
+            </a:ext>
+            <a:ext uri="{91240B29-F687-4F45-9708-019B960494DF}">
+              <a14:hiddenLine xmlns:a14="http://schemas.microsoft.com/office/drawing/2010/main" w="9525">
+                <a:solidFill>
+                  <a:schemeClr val="tx1"/>
+                </a:solidFill>
+                <a:miter lim="800000"/>
+                <a:headEnd/>
+                <a:tailEnd/>
+              </a14:hiddenLine>
+            </a:ext>
+            <a:ext uri="{AF507438-7753-43E0-B8FC-AC1667EBCBE1}">
+              <a14:hiddenEffects xmlns:a14="http://schemas.microsoft.com/office/drawing/2010/main">
+                <a:effectLst>
+                  <a:outerShdw dist="35921" dir="2700000" algn="ctr" rotWithShape="0">
+                    <a:schemeClr val="bg2"/>
+                  </a:outerShdw>
+                </a:effectLst>
+              </a14:hiddenEffects>
+            </a:ext>
+          </a:extLst>
+        </p:spPr>
+      </p:pic>
+    </p:spTree>
+    <p:extLst>
+      <p:ext uri="{BB962C8B-B14F-4D97-AF65-F5344CB8AC3E}">
+        <p14:creationId xmlns:p14="http://schemas.microsoft.com/office/powerpoint/2010/main" val="2159552980"/>
+      </p:ext>
+    </p:extLst>
+  </p:cSld>
+  <p:clrMapOvr>
+    <a:masterClrMapping/>
+  </p:clrMapOvr>
+  <p:timing>
+    <p:tnLst>
+      <p:par>
+        <p:cTn id="1" dur="indefinite" restart="never" nodeType="tmRoot">
+          <p:childTnLst>
+            <p:seq concurrent="1" nextAc="seek">
+              <p:cTn id="2" dur="indefinite" nodeType="mainSeq">
+                <p:childTnLst>
+                  <p:par>
+                    <p:cTn id="3" fill="hold">
+                      <p:stCondLst>
+                        <p:cond delay="indefinite"/>
+                      </p:stCondLst>
+                      <p:childTnLst>
+                        <p:par>
+                          <p:cTn id="4" fill="hold">
+                            <p:stCondLst>
+                              <p:cond delay="0"/>
+                            </p:stCondLst>
+                            <p:childTnLst>
+                              <p:par>
+                                <p:cTn id="5" presetID="10" presetClass="entr" presetSubtype="0" fill="hold" grpId="0" nodeType="clickEffect">
+                                  <p:stCondLst>
+                                    <p:cond delay="0"/>
+                                  </p:stCondLst>
+                                  <p:childTnLst>
+                                    <p:set>
+                                      <p:cBhvr>
+                                        <p:cTn id="6" dur="1" fill="hold">
+                                          <p:stCondLst>
+                                            <p:cond delay="0"/>
+                                          </p:stCondLst>
+                                        </p:cTn>
+                                        <p:tgtEl>
+                                          <p:spTgt spid="5"/>
+                                        </p:tgtEl>
+                                        <p:attrNameLst>
+                                          <p:attrName>style.visibility</p:attrName>
+                                        </p:attrNameLst>
+                                      </p:cBhvr>
+                                      <p:to>
+                                        <p:strVal val="visible"/>
+                                      </p:to>
+                                    </p:set>
+                                    <p:animEffect transition="in" filter="fade">
+                                      <p:cBhvr>
+                                        <p:cTn id="7" dur="500"/>
+                                        <p:tgtEl>
+                                          <p:spTgt spid="5"/>
+                                        </p:tgtEl>
+                                      </p:cBhvr>
+                                    </p:animEffect>
+                                  </p:childTnLst>
+                                </p:cTn>
+                              </p:par>
+                            </p:childTnLst>
+                          </p:cTn>
+                        </p:par>
+                      </p:childTnLst>
+                    </p:cTn>
+                  </p:par>
+                  <p:par>
+                    <p:cTn id="8" fill="hold">
+                      <p:stCondLst>
+                        <p:cond delay="indefinite"/>
+                      </p:stCondLst>
+                      <p:childTnLst>
+                        <p:par>
+                          <p:cTn id="9" fill="hold">
+                            <p:stCondLst>
+                              <p:cond delay="0"/>
+                            </p:stCondLst>
+                            <p:childTnLst>
+                              <p:par>
+                                <p:cTn id="10" presetID="10" presetClass="entr" presetSubtype="0" fill="hold" nodeType="clickEffect">
+                                  <p:stCondLst>
+                                    <p:cond delay="0"/>
+                                  </p:stCondLst>
+                                  <p:childTnLst>
+                                    <p:set>
+                                      <p:cBhvr>
+                                        <p:cTn id="11" dur="1" fill="hold">
+                                          <p:stCondLst>
+                                            <p:cond delay="0"/>
+                                          </p:stCondLst>
+                                        </p:cTn>
+                                        <p:tgtEl>
+                                          <p:spTgt spid="2">
+                                            <p:txEl>
+                                              <p:pRg st="6" end="6"/>
+                                            </p:txEl>
+                                          </p:spTgt>
+                                        </p:tgtEl>
+                                        <p:attrNameLst>
+                                          <p:attrName>style.visibility</p:attrName>
+                                        </p:attrNameLst>
+                                      </p:cBhvr>
+                                      <p:to>
+                                        <p:strVal val="visible"/>
+                                      </p:to>
+                                    </p:set>
+                                    <p:animEffect transition="in" filter="fade">
+                                      <p:cBhvr>
+                                        <p:cTn id="12" dur="500"/>
+                                        <p:tgtEl>
+                                          <p:spTgt spid="2">
+                                            <p:txEl>
+                                              <p:pRg st="6" end="6"/>
+                                            </p:txEl>
+                                          </p:spTgt>
+                                        </p:tgtEl>
+                                      </p:cBhvr>
+                                    </p:animEffect>
+                                  </p:childTnLst>
+                                </p:cTn>
+                              </p:par>
+                            </p:childTnLst>
+                          </p:cTn>
+                        </p:par>
+                      </p:childTnLst>
+                    </p:cTn>
+                  </p:par>
+                  <p:par>
+                    <p:cTn id="13" fill="hold">
+                      <p:stCondLst>
+                        <p:cond delay="indefinite"/>
+                      </p:stCondLst>
+                      <p:childTnLst>
+                        <p:par>
+                          <p:cTn id="14" fill="hold">
+                            <p:stCondLst>
+                              <p:cond delay="0"/>
+                            </p:stCondLst>
+                            <p:childTnLst>
+                              <p:par>
+                                <p:cTn id="15" presetID="10" presetClass="entr" presetSubtype="0" fill="hold" nodeType="clickEffect">
+                                  <p:stCondLst>
+                                    <p:cond delay="0"/>
+                                  </p:stCondLst>
+                                  <p:childTnLst>
+                                    <p:set>
+                                      <p:cBhvr>
+                                        <p:cTn id="16" dur="1" fill="hold">
+                                          <p:stCondLst>
+                                            <p:cond delay="0"/>
+                                          </p:stCondLst>
+                                        </p:cTn>
+                                        <p:tgtEl>
+                                          <p:spTgt spid="2">
+                                            <p:txEl>
+                                              <p:pRg st="7" end="7"/>
+                                            </p:txEl>
+                                          </p:spTgt>
+                                        </p:tgtEl>
+                                        <p:attrNameLst>
+                                          <p:attrName>style.visibility</p:attrName>
+                                        </p:attrNameLst>
+                                      </p:cBhvr>
+                                      <p:to>
+                                        <p:strVal val="visible"/>
+                                      </p:to>
+                                    </p:set>
+                                    <p:animEffect transition="in" filter="fade">
+                                      <p:cBhvr>
+                                        <p:cTn id="17" dur="500"/>
+                                        <p:tgtEl>
+                                          <p:spTgt spid="2">
+                                            <p:txEl>
+                                              <p:pRg st="7" end="7"/>
+                                            </p:txEl>
+                                          </p:spTgt>
+                                        </p:tgtEl>
+                                      </p:cBhvr>
+                                    </p:animEffect>
+                                  </p:childTnLst>
+                                </p:cTn>
+                              </p:par>
+                            </p:childTnLst>
+                          </p:cTn>
+                        </p:par>
+                      </p:childTnLst>
+                    </p:cTn>
+                  </p:par>
+                  <p:par>
+                    <p:cTn id="18" fill="hold">
+                      <p:stCondLst>
+                        <p:cond delay="indefinite"/>
+                      </p:stCondLst>
+                      <p:childTnLst>
+                        <p:par>
+                          <p:cTn id="19" fill="hold">
+                            <p:stCondLst>
+                              <p:cond delay="0"/>
+                            </p:stCondLst>
+                            <p:childTnLst>
+                              <p:par>
+                                <p:cTn id="20" presetID="10" presetClass="entr" presetSubtype="0" fill="hold" nodeType="clickEffect">
+                                  <p:stCondLst>
+                                    <p:cond delay="0"/>
+                                  </p:stCondLst>
+                                  <p:childTnLst>
+                                    <p:set>
+                                      <p:cBhvr>
+                                        <p:cTn id="21" dur="1" fill="hold">
+                                          <p:stCondLst>
+                                            <p:cond delay="0"/>
+                                          </p:stCondLst>
+                                        </p:cTn>
+                                        <p:tgtEl>
+                                          <p:spTgt spid="2051"/>
+                                        </p:tgtEl>
+                                        <p:attrNameLst>
+                                          <p:attrName>style.visibility</p:attrName>
+                                        </p:attrNameLst>
+                                      </p:cBhvr>
+                                      <p:to>
+                                        <p:strVal val="visible"/>
+                                      </p:to>
+                                    </p:set>
+                                    <p:animEffect transition="in" filter="fade">
+                                      <p:cBhvr>
+                                        <p:cTn id="22" dur="500"/>
+                                        <p:tgtEl>
+                                          <p:spTgt spid="2051"/>
+                                        </p:tgtEl>
+                                      </p:cBhvr>
+                                    </p:animEffect>
+                                  </p:childTnLst>
+                                </p:cTn>
+                              </p:par>
+                            </p:childTnLst>
+                          </p:cTn>
+                        </p:par>
+                      </p:childTnLst>
+                    </p:cTn>
+                  </p:par>
+                </p:childTnLst>
+              </p:cTn>
+              <p:prevCondLst>
+                <p:cond evt="onPrev" delay="0">
+                  <p:tgtEl>
+                    <p:sldTgt/>
+                  </p:tgtEl>
+                </p:cond>
+              </p:prevCondLst>
+              <p:nextCondLst>
+                <p:cond evt="onNext" delay="0">
+                  <p:tgtEl>
+                    <p:sldTgt/>
+                  </p:tgtEl>
+                </p:cond>
+              </p:nextCondLst>
+            </p:seq>
+          </p:childTnLst>
+        </p:cTn>
+      </p:par>
+    </p:tnLst>
+    <p:bldLst>
+      <p:bldP spid="5" grpId="0" animBg="1"/>
+    </p:bldLst>
+  </p:timing>
+</p:sld>
+</file>
+
+<file path=ppt/slides/slide12.xml><?xml version="1.0" encoding="utf-8"?>
+<p:sld xmlns:a="http://schemas.openxmlformats.org/drawingml/2006/main" xmlns:r="http://schemas.openxmlformats.org/officeDocument/2006/relationships" xmlns:p="http://schemas.openxmlformats.org/presentationml/2006/main">
+  <p:cSld>
+    <p:spTree>
+      <p:nvGrpSpPr>
+        <p:cNvPr id="1" name=""/>
+        <p:cNvGrpSpPr/>
+        <p:nvPr/>
+      </p:nvGrpSpPr>
+      <p:grpSpPr>
+        <a:xfrm>
+          <a:off x="0" y="0"/>
+          <a:ext cx="0" cy="0"/>
+          <a:chOff x="0" y="0"/>
+          <a:chExt cx="0" cy="0"/>
+        </a:xfrm>
+      </p:grpSpPr>
+      <p:sp>
+        <p:nvSpPr>
+          <p:cNvPr id="2" name="內容版面配置區 1"/>
+          <p:cNvSpPr>
+            <a:spLocks noGrp="1"/>
+          </p:cNvSpPr>
+          <p:nvPr>
+            <p:ph idx="1"/>
+          </p:nvPr>
+        </p:nvSpPr>
+        <p:spPr/>
+        <p:txBody>
+          <a:bodyPr>
+            <a:normAutofit fontScale="70000" lnSpcReduction="20000"/>
+          </a:bodyPr>
+          <a:lstStyle/>
+          <a:p>
+            <a:pPr marL="365760" lvl="1" indent="0">
+              <a:buNone/>
+            </a:pPr>
+            <a:r>
+              <a:rPr lang="zh-TW" altLang="en-US" sz="4600" dirty="0" smtClean="0">
                 <a:solidFill>
                   <a:schemeClr val="tx1"/>
                 </a:solidFill>
               </a:rPr>
               <a:t>處理怪異的輸入及操作</a:t>
             </a:r>
-            <a:endParaRPr lang="en-US" altLang="zh-TW" sz="5100" dirty="0" smtClean="0">
+            <a:endParaRPr lang="en-US" altLang="zh-TW" sz="4600" dirty="0" smtClean="0">
               <a:solidFill>
                 <a:schemeClr val="tx1"/>
               </a:solidFill>
@@ -4430,7 +5318,15 @@
                   <a:schemeClr val="tx1"/>
                 </a:solidFill>
               </a:rPr>
-              <a:t>給予溫柔的回應</a:t>
+              <a:t>給予溫柔的</a:t>
+            </a:r>
+            <a:r>
+              <a:rPr lang="zh-TW" altLang="en-US" sz="3400" dirty="0" smtClean="0">
+                <a:solidFill>
+                  <a:schemeClr val="tx1"/>
+                </a:solidFill>
+              </a:rPr>
+              <a:t>回應</a:t>
             </a:r>
             <a:endParaRPr lang="en-US" altLang="zh-TW" sz="3400" dirty="0" smtClean="0">
               <a:solidFill>
@@ -4477,37 +5373,6 @@
                 <a:schemeClr val="tx1"/>
               </a:solidFill>
             </a:endParaRPr>
-          </a:p>
-          <a:p>
-            <a:pPr marL="365760" lvl="1" indent="0">
-              <a:buNone/>
-            </a:pPr>
-            <a:r>
-              <a:rPr lang="zh-TW" altLang="en-US" sz="3800" dirty="0">
-                <a:solidFill>
-                  <a:schemeClr val="tx1"/>
-                </a:solidFill>
-              </a:rPr>
-              <a:t>處理怪異的輸入</a:t>
-            </a:r>
-            <a:endParaRPr lang="en-US" altLang="zh-TW" sz="3800" dirty="0">
-              <a:solidFill>
-                <a:schemeClr val="tx1"/>
-              </a:solidFill>
-            </a:endParaRPr>
-          </a:p>
-          <a:p>
-            <a:pPr marL="365760" lvl="1" indent="0">
-              <a:buNone/>
-            </a:pPr>
-            <a:r>
-              <a:rPr lang="en-US" altLang="zh-TW" sz="3800" dirty="0">
-                <a:solidFill>
-                  <a:schemeClr val="tx1"/>
-                </a:solidFill>
-              </a:rPr>
-              <a:t>	ex.  Input [1$2%3^4&amp;5] -&gt; output[12345]</a:t>
-            </a:r>
           </a:p>
           <a:p>
             <a:pPr marL="365760" lvl="1" indent="0">
@@ -4692,7 +5557,7 @@
 </p:sld>
 </file>
 
-<file path=ppt/slides/slide12.xml><?xml version="1.0" encoding="utf-8"?>
+<file path=ppt/slides/slide13.xml><?xml version="1.0" encoding="utf-8"?>
 <p:sld xmlns:a="http://schemas.openxmlformats.org/drawingml/2006/main" xmlns:r="http://schemas.openxmlformats.org/officeDocument/2006/relationships" xmlns:p="http://schemas.openxmlformats.org/presentationml/2006/main">
   <p:cSld>
     <p:spTree>
@@ -4995,7 +5860,7 @@
 </p:sld>
 </file>
 
-<file path=ppt/slides/slide13.xml><?xml version="1.0" encoding="utf-8"?>
+<file path=ppt/slides/slide14.xml><?xml version="1.0" encoding="utf-8"?>
 <p:sld xmlns:a="http://schemas.openxmlformats.org/drawingml/2006/main" xmlns:r="http://schemas.openxmlformats.org/officeDocument/2006/relationships" xmlns:p="http://schemas.openxmlformats.org/presentationml/2006/main">
   <p:cSld>
     <p:spTree>
@@ -5310,7 +6175,7 @@
 </p:sld>
 </file>
 
-<file path=ppt/slides/slide14.xml><?xml version="1.0" encoding="utf-8"?>
+<file path=ppt/slides/slide15.xml><?xml version="1.0" encoding="utf-8"?>
 <p:sld xmlns:a="http://schemas.openxmlformats.org/drawingml/2006/main" xmlns:r="http://schemas.openxmlformats.org/officeDocument/2006/relationships" xmlns:p="http://schemas.openxmlformats.org/presentationml/2006/main">
   <p:cSld>
     <p:spTree>
@@ -5582,7 +6447,7 @@
 </p:sld>
 </file>
 
-<file path=ppt/slides/slide15.xml><?xml version="1.0" encoding="utf-8"?>
+<file path=ppt/slides/slide16.xml><?xml version="1.0" encoding="utf-8"?>
 <p:sld xmlns:a="http://schemas.openxmlformats.org/drawingml/2006/main" xmlns:r="http://schemas.openxmlformats.org/officeDocument/2006/relationships" xmlns:p="http://schemas.openxmlformats.org/presentationml/2006/main">
   <p:cSld>
     <p:spTree>
@@ -5599,252 +6464,9 @@
           <a:chExt cx="0" cy="0"/>
         </a:xfrm>
       </p:grpSpPr>
-      <p:sp>
-        <p:nvSpPr>
-          <p:cNvPr id="2" name="內容版面配置區 1"/>
-          <p:cNvSpPr>
-            <a:spLocks noGrp="1"/>
-          </p:cNvSpPr>
-          <p:nvPr>
-            <p:ph idx="1"/>
-          </p:nvPr>
-        </p:nvSpPr>
-        <p:spPr/>
-        <p:txBody>
-          <a:bodyPr>
-            <a:normAutofit/>
-          </a:bodyPr>
-          <a:lstStyle/>
-          <a:p>
-            <a:pPr marL="365760" lvl="1" indent="0">
-              <a:buNone/>
-            </a:pPr>
-            <a:r>
-              <a:rPr lang="zh-TW" altLang="en-US" sz="3200" dirty="0">
-                <a:solidFill>
-                  <a:schemeClr val="tx1"/>
-                </a:solidFill>
-              </a:rPr>
-              <a:t>處理怪異</a:t>
-            </a:r>
-            <a:r>
-              <a:rPr lang="zh-TW" altLang="en-US" sz="3200" dirty="0" smtClean="0">
-                <a:solidFill>
-                  <a:schemeClr val="tx1"/>
-                </a:solidFill>
-              </a:rPr>
-              <a:t>的操作</a:t>
-            </a:r>
-            <a:r>
-              <a:rPr lang="en-US" altLang="zh-TW" sz="3200" dirty="0" smtClean="0">
-                <a:solidFill>
-                  <a:schemeClr val="tx1"/>
-                </a:solidFill>
-              </a:rPr>
-              <a:t>-</a:t>
-            </a:r>
-            <a:r>
-              <a:rPr lang="zh-TW" altLang="en-US" dirty="0" smtClean="0">
-                <a:solidFill>
-                  <a:schemeClr val="tx1"/>
-                </a:solidFill>
-              </a:rPr>
-              <a:t>導頁面</a:t>
-            </a:r>
-            <a:endParaRPr lang="en-US" altLang="zh-TW" dirty="0" smtClean="0">
-              <a:solidFill>
-                <a:schemeClr val="tx1"/>
-              </a:solidFill>
-            </a:endParaRPr>
-          </a:p>
-          <a:p>
-            <a:pPr marL="365760" lvl="1" indent="0">
-              <a:buNone/>
-            </a:pPr>
-            <a:r>
-              <a:rPr lang="zh-TW" altLang="en-US" dirty="0" smtClean="0">
-                <a:solidFill>
-                  <a:schemeClr val="tx1"/>
-                </a:solidFill>
-              </a:rPr>
-              <a:t>概念運用</a:t>
-            </a:r>
-            <a:endParaRPr lang="en-US" altLang="zh-TW" dirty="0">
-              <a:solidFill>
-                <a:schemeClr val="tx1"/>
-              </a:solidFill>
-            </a:endParaRPr>
-          </a:p>
-          <a:p>
-            <a:pPr marL="365760" lvl="1" indent="0">
-              <a:buNone/>
-            </a:pPr>
-            <a:r>
-              <a:rPr lang="en-US" altLang="zh-TW" dirty="0" smtClean="0">
-                <a:solidFill>
-                  <a:schemeClr val="tx1"/>
-                </a:solidFill>
-              </a:rPr>
-              <a:t>	</a:t>
-            </a:r>
-          </a:p>
-          <a:p>
-            <a:pPr marL="365760" lvl="1" indent="0">
-              <a:buNone/>
-            </a:pPr>
-            <a:r>
-              <a:rPr lang="en-US" altLang="zh-TW" dirty="0" smtClean="0">
-                <a:solidFill>
-                  <a:schemeClr val="tx1"/>
-                </a:solidFill>
-              </a:rPr>
-              <a:t>	</a:t>
-            </a:r>
-            <a:r>
-              <a:rPr lang="zh-TW" altLang="en-US" dirty="0" smtClean="0">
-                <a:solidFill>
-                  <a:schemeClr val="tx1"/>
-                </a:solidFill>
-              </a:rPr>
-              <a:t>檢查是否登入</a:t>
-            </a:r>
-            <a:r>
-              <a:rPr lang="en-US" altLang="zh-TW" dirty="0" smtClean="0">
-                <a:solidFill>
-                  <a:schemeClr val="tx1"/>
-                </a:solidFill>
-              </a:rPr>
-              <a:t>	</a:t>
-            </a:r>
-          </a:p>
-          <a:p>
-            <a:pPr marL="365760" lvl="1" indent="0">
-              <a:buNone/>
-            </a:pPr>
-            <a:endParaRPr lang="en-US" altLang="zh-TW" dirty="0">
-              <a:solidFill>
-                <a:schemeClr val="tx1"/>
-              </a:solidFill>
-            </a:endParaRPr>
-          </a:p>
-          <a:p>
-            <a:pPr marL="365760" lvl="1" indent="0">
-              <a:buNone/>
-            </a:pPr>
-            <a:endParaRPr lang="en-US" altLang="zh-TW" dirty="0" smtClean="0">
-              <a:solidFill>
-                <a:schemeClr val="tx1"/>
-              </a:solidFill>
-            </a:endParaRPr>
-          </a:p>
-          <a:p>
-            <a:pPr lvl="1">
-              <a:buFont typeface="Wingdings" pitchFamily="2" charset="2"/>
-              <a:buChar char="ü"/>
-            </a:pPr>
-            <a:endParaRPr lang="en-US" altLang="zh-TW" dirty="0">
-              <a:solidFill>
-                <a:schemeClr val="tx1"/>
-              </a:solidFill>
-            </a:endParaRPr>
-          </a:p>
-          <a:p>
-            <a:pPr marL="365760" lvl="1" indent="0">
-              <a:buNone/>
-            </a:pPr>
-            <a:r>
-              <a:rPr lang="en-US" altLang="zh-TW" dirty="0" smtClean="0">
-                <a:solidFill>
-                  <a:schemeClr val="tx1"/>
-                </a:solidFill>
-              </a:rPr>
-              <a:t>	</a:t>
-            </a:r>
-          </a:p>
-          <a:p>
-            <a:pPr marL="365760" lvl="1" indent="0">
-              <a:buNone/>
-            </a:pPr>
-            <a:endParaRPr lang="en-US" altLang="zh-TW" dirty="0">
-              <a:solidFill>
-                <a:schemeClr val="tx1"/>
-              </a:solidFill>
-            </a:endParaRPr>
-          </a:p>
-          <a:p>
-            <a:pPr marL="365760" lvl="1" indent="0">
-              <a:buNone/>
-            </a:pPr>
-            <a:r>
-              <a:rPr lang="en-US" altLang="zh-TW" dirty="0">
-                <a:solidFill>
-                  <a:schemeClr val="tx1"/>
-                </a:solidFill>
-              </a:rPr>
-              <a:t>	</a:t>
-            </a:r>
-            <a:r>
-              <a:rPr lang="zh-TW" altLang="en-US" dirty="0" smtClean="0">
-                <a:solidFill>
-                  <a:schemeClr val="tx1"/>
-                </a:solidFill>
-              </a:rPr>
-              <a:t>導向到登入頁面</a:t>
-            </a:r>
-            <a:endParaRPr lang="en-US" altLang="zh-TW" dirty="0">
-              <a:solidFill>
-                <a:schemeClr val="tx1"/>
-              </a:solidFill>
-            </a:endParaRPr>
-          </a:p>
-        </p:txBody>
-      </p:sp>
-      <p:sp>
-        <p:nvSpPr>
-          <p:cNvPr id="3" name="標題 2"/>
-          <p:cNvSpPr>
-            <a:spLocks noGrp="1"/>
-          </p:cNvSpPr>
-          <p:nvPr>
-            <p:ph type="title"/>
-          </p:nvPr>
-        </p:nvSpPr>
-        <p:spPr/>
-        <p:txBody>
-          <a:bodyPr>
-            <a:normAutofit/>
-          </a:bodyPr>
-          <a:lstStyle/>
-          <a:p>
-            <a:r>
-              <a:rPr lang="en-US" altLang="zh-TW" sz="4000" dirty="0">
-                <a:latin typeface="Verdana" pitchFamily="34" charset="0"/>
-                <a:ea typeface="Verdana" pitchFamily="34" charset="0"/>
-                <a:cs typeface="Verdana" pitchFamily="34" charset="0"/>
-              </a:rPr>
-              <a:t>Defensive</a:t>
-            </a:r>
-            <a:r>
-              <a:rPr lang="zh-TW" altLang="en-US" sz="4000" dirty="0">
-                <a:latin typeface="微軟正黑體" pitchFamily="34" charset="-120"/>
-                <a:ea typeface="微軟正黑體" pitchFamily="34" charset="-120"/>
-              </a:rPr>
-              <a:t> </a:t>
-            </a:r>
-            <a:r>
-              <a:rPr lang="en-US" altLang="zh-TW" sz="4000" dirty="0">
-                <a:latin typeface="微軟正黑體" pitchFamily="34" charset="-120"/>
-                <a:ea typeface="微軟正黑體" pitchFamily="34" charset="-120"/>
-              </a:rPr>
-              <a:t>programming</a:t>
-            </a:r>
-            <a:endParaRPr lang="zh-TW" altLang="en-US" sz="4000" dirty="0"/>
-          </a:p>
-        </p:txBody>
-      </p:sp>
       <p:pic>
         <p:nvPicPr>
-          <p:cNvPr id="1027" name="Picture 3"/>
+          <p:cNvPr id="4098" name="Picture 2"/>
           <p:cNvPicPr>
             <a:picLocks noChangeAspect="1" noChangeArrowheads="1"/>
           </p:cNvPicPr>
@@ -5865,8 +6487,8 @@
         </p:blipFill>
         <p:spPr bwMode="auto">
           <a:xfrm>
-            <a:off x="4648572" y="2276872"/>
-            <a:ext cx="3481130" cy="4351412"/>
+            <a:off x="3059832" y="2276872"/>
+            <a:ext cx="2726060" cy="4434054"/>
           </a:xfrm>
           <a:prstGeom prst="rect">
             <a:avLst/>
@@ -5908,13 +6530,243 @@
       </p:pic>
       <p:sp>
         <p:nvSpPr>
+          <p:cNvPr id="2" name="內容版面配置區 1"/>
+          <p:cNvSpPr>
+            <a:spLocks noGrp="1"/>
+          </p:cNvSpPr>
+          <p:nvPr>
+            <p:ph idx="1"/>
+          </p:nvPr>
+        </p:nvSpPr>
+        <p:spPr/>
+        <p:txBody>
+          <a:bodyPr>
+            <a:normAutofit/>
+          </a:bodyPr>
+          <a:lstStyle/>
+          <a:p>
+            <a:pPr marL="365760" lvl="1" indent="0">
+              <a:buNone/>
+            </a:pPr>
+            <a:r>
+              <a:rPr lang="zh-TW" altLang="en-US" sz="3200" dirty="0">
+                <a:solidFill>
+                  <a:schemeClr val="tx1"/>
+                </a:solidFill>
+              </a:rPr>
+              <a:t>處理怪異</a:t>
+            </a:r>
+            <a:r>
+              <a:rPr lang="zh-TW" altLang="en-US" sz="3200" dirty="0" smtClean="0">
+                <a:solidFill>
+                  <a:schemeClr val="tx1"/>
+                </a:solidFill>
+              </a:rPr>
+              <a:t>的操作</a:t>
+            </a:r>
+            <a:r>
+              <a:rPr lang="en-US" altLang="zh-TW" sz="3200" dirty="0" smtClean="0">
+                <a:solidFill>
+                  <a:schemeClr val="tx1"/>
+                </a:solidFill>
+              </a:rPr>
+              <a:t>-</a:t>
+            </a:r>
+            <a:r>
+              <a:rPr lang="zh-TW" altLang="en-US" dirty="0" smtClean="0">
+                <a:solidFill>
+                  <a:schemeClr val="tx1"/>
+                </a:solidFill>
+              </a:rPr>
+              <a:t>導頁面</a:t>
+            </a:r>
+            <a:endParaRPr lang="en-US" altLang="zh-TW" dirty="0" smtClean="0">
+              <a:solidFill>
+                <a:schemeClr val="tx1"/>
+              </a:solidFill>
+            </a:endParaRPr>
+          </a:p>
+          <a:p>
+            <a:pPr marL="365760" lvl="1" indent="0">
+              <a:buNone/>
+            </a:pPr>
+            <a:r>
+              <a:rPr lang="zh-TW" altLang="en-US" dirty="0" smtClean="0">
+                <a:solidFill>
+                  <a:schemeClr val="tx1"/>
+                </a:solidFill>
+              </a:rPr>
+              <a:t>概念運用</a:t>
+            </a:r>
+            <a:endParaRPr lang="en-US" altLang="zh-TW" dirty="0">
+              <a:solidFill>
+                <a:schemeClr val="tx1"/>
+              </a:solidFill>
+            </a:endParaRPr>
+          </a:p>
+          <a:p>
+            <a:pPr marL="365760" lvl="1" indent="0">
+              <a:buNone/>
+            </a:pPr>
+            <a:r>
+              <a:rPr lang="en-US" altLang="zh-TW" dirty="0" smtClean="0">
+                <a:solidFill>
+                  <a:schemeClr val="tx1"/>
+                </a:solidFill>
+              </a:rPr>
+              <a:t>	</a:t>
+            </a:r>
+          </a:p>
+          <a:p>
+            <a:pPr marL="365760" lvl="1" indent="0">
+              <a:buNone/>
+            </a:pPr>
+            <a:r>
+              <a:rPr lang="zh-TW" altLang="en-US" dirty="0" smtClean="0">
+                <a:solidFill>
+                  <a:schemeClr val="tx1"/>
+                </a:solidFill>
+              </a:rPr>
+              <a:t>檢查</a:t>
+            </a:r>
+            <a:r>
+              <a:rPr lang="zh-TW" altLang="en-US" dirty="0" smtClean="0">
+                <a:solidFill>
+                  <a:schemeClr val="tx1"/>
+                </a:solidFill>
+              </a:rPr>
+              <a:t>是否登入</a:t>
+            </a:r>
+            <a:r>
+              <a:rPr lang="en-US" altLang="zh-TW" dirty="0" smtClean="0">
+                <a:solidFill>
+                  <a:schemeClr val="tx1"/>
+                </a:solidFill>
+              </a:rPr>
+              <a:t>	</a:t>
+            </a:r>
+          </a:p>
+          <a:p>
+            <a:pPr marL="365760" lvl="1" indent="0">
+              <a:buNone/>
+            </a:pPr>
+            <a:endParaRPr lang="en-US" altLang="zh-TW" dirty="0">
+              <a:solidFill>
+                <a:schemeClr val="tx1"/>
+              </a:solidFill>
+            </a:endParaRPr>
+          </a:p>
+          <a:p>
+            <a:pPr marL="365760" lvl="1" indent="0">
+              <a:buNone/>
+            </a:pPr>
+            <a:endParaRPr lang="en-US" altLang="zh-TW" dirty="0" smtClean="0">
+              <a:solidFill>
+                <a:schemeClr val="tx1"/>
+              </a:solidFill>
+            </a:endParaRPr>
+          </a:p>
+          <a:p>
+            <a:pPr lvl="1">
+              <a:buFont typeface="Wingdings" pitchFamily="2" charset="2"/>
+              <a:buChar char="ü"/>
+            </a:pPr>
+            <a:endParaRPr lang="en-US" altLang="zh-TW" dirty="0">
+              <a:solidFill>
+                <a:schemeClr val="tx1"/>
+              </a:solidFill>
+            </a:endParaRPr>
+          </a:p>
+          <a:p>
+            <a:pPr marL="365760" lvl="1" indent="0">
+              <a:buNone/>
+            </a:pPr>
+            <a:r>
+              <a:rPr lang="en-US" altLang="zh-TW" dirty="0" smtClean="0">
+                <a:solidFill>
+                  <a:schemeClr val="tx1"/>
+                </a:solidFill>
+              </a:rPr>
+              <a:t>	</a:t>
+            </a:r>
+          </a:p>
+          <a:p>
+            <a:pPr marL="365760" lvl="1" indent="0">
+              <a:buNone/>
+            </a:pPr>
+            <a:endParaRPr lang="en-US" altLang="zh-TW" dirty="0">
+              <a:solidFill>
+                <a:schemeClr val="tx1"/>
+              </a:solidFill>
+            </a:endParaRPr>
+          </a:p>
+          <a:p>
+            <a:pPr marL="365760" lvl="1" indent="0">
+              <a:buNone/>
+            </a:pPr>
+            <a:r>
+              <a:rPr lang="en-US" altLang="zh-TW" dirty="0">
+                <a:solidFill>
+                  <a:schemeClr val="tx1"/>
+                </a:solidFill>
+              </a:rPr>
+              <a:t>	</a:t>
+            </a:r>
+          </a:p>
+        </p:txBody>
+      </p:sp>
+      <p:sp>
+        <p:nvSpPr>
+          <p:cNvPr id="3" name="標題 2"/>
+          <p:cNvSpPr>
+            <a:spLocks noGrp="1"/>
+          </p:cNvSpPr>
+          <p:nvPr>
+            <p:ph type="title"/>
+          </p:nvPr>
+        </p:nvSpPr>
+        <p:spPr/>
+        <p:txBody>
+          <a:bodyPr>
+            <a:normAutofit/>
+          </a:bodyPr>
+          <a:lstStyle/>
+          <a:p>
+            <a:r>
+              <a:rPr lang="en-US" altLang="zh-TW" sz="4000" dirty="0">
+                <a:latin typeface="Verdana" pitchFamily="34" charset="0"/>
+                <a:ea typeface="Verdana" pitchFamily="34" charset="0"/>
+                <a:cs typeface="Verdana" pitchFamily="34" charset="0"/>
+              </a:rPr>
+              <a:t>Defensive</a:t>
+            </a:r>
+            <a:r>
+              <a:rPr lang="zh-TW" altLang="en-US" sz="4000" dirty="0">
+                <a:latin typeface="微軟正黑體" pitchFamily="34" charset="-120"/>
+                <a:ea typeface="微軟正黑體" pitchFamily="34" charset="-120"/>
+              </a:rPr>
+              <a:t> </a:t>
+            </a:r>
+            <a:r>
+              <a:rPr lang="en-US" altLang="zh-TW" sz="4000" dirty="0">
+                <a:latin typeface="微軟正黑體" pitchFamily="34" charset="-120"/>
+                <a:ea typeface="微軟正黑體" pitchFamily="34" charset="-120"/>
+              </a:rPr>
+              <a:t>programming</a:t>
+            </a:r>
+            <a:endParaRPr lang="zh-TW" altLang="en-US" sz="4000" dirty="0"/>
+          </a:p>
+        </p:txBody>
+      </p:sp>
+      <p:sp>
+        <p:nvSpPr>
           <p:cNvPr id="7" name="向右箭號 6"/>
           <p:cNvSpPr/>
           <p:nvPr/>
         </p:nvSpPr>
         <p:spPr>
           <a:xfrm>
-            <a:off x="3491880" y="2999907"/>
+            <a:off x="1979712" y="3356992"/>
             <a:ext cx="1368152" cy="45719"/>
           </a:xfrm>
           <a:prstGeom prst="rightArrow">
@@ -5955,295 +6807,10 @@
           </a:p>
         </p:txBody>
       </p:sp>
-      <p:sp>
-        <p:nvSpPr>
-          <p:cNvPr id="9" name="向右箭號 8"/>
-          <p:cNvSpPr/>
-          <p:nvPr/>
-        </p:nvSpPr>
-        <p:spPr>
-          <a:xfrm>
-            <a:off x="3491880" y="3248101"/>
-            <a:ext cx="1368152" cy="45719"/>
-          </a:xfrm>
-          <a:prstGeom prst="rightArrow">
-            <a:avLst/>
-          </a:prstGeom>
-          <a:ln>
-            <a:solidFill>
-              <a:srgbClr val="FF0000"/>
-            </a:solidFill>
-          </a:ln>
-        </p:spPr>
-        <p:style>
-          <a:lnRef idx="2">
-            <a:schemeClr val="accent1">
-              <a:shade val="50000"/>
-            </a:schemeClr>
-          </a:lnRef>
-          <a:fillRef idx="1">
-            <a:schemeClr val="accent1"/>
-          </a:fillRef>
-          <a:effectRef idx="0">
-            <a:schemeClr val="accent1"/>
-          </a:effectRef>
-          <a:fontRef idx="minor">
-            <a:schemeClr val="lt1"/>
-          </a:fontRef>
-        </p:style>
-        <p:txBody>
-          <a:bodyPr rtlCol="0" anchor="ctr"/>
-          <a:lstStyle/>
-          <a:p>
-            <a:pPr algn="ctr"/>
-            <a:endParaRPr lang="zh-TW" altLang="en-US">
-              <a:solidFill>
-                <a:srgbClr val="FF0000"/>
-              </a:solidFill>
-            </a:endParaRPr>
-          </a:p>
-        </p:txBody>
-      </p:sp>
-      <p:sp>
-        <p:nvSpPr>
-          <p:cNvPr id="10" name="向右箭號 9"/>
-          <p:cNvSpPr/>
-          <p:nvPr/>
-        </p:nvSpPr>
-        <p:spPr>
-          <a:xfrm>
-            <a:off x="3687011" y="5687504"/>
-            <a:ext cx="1152128" cy="45719"/>
-          </a:xfrm>
-          <a:prstGeom prst="rightArrow">
-            <a:avLst/>
-          </a:prstGeom>
-          <a:ln>
-            <a:solidFill>
-              <a:srgbClr val="FF0000"/>
-            </a:solidFill>
-          </a:ln>
-        </p:spPr>
-        <p:style>
-          <a:lnRef idx="2">
-            <a:schemeClr val="accent1">
-              <a:shade val="50000"/>
-            </a:schemeClr>
-          </a:lnRef>
-          <a:fillRef idx="1">
-            <a:schemeClr val="accent1"/>
-          </a:fillRef>
-          <a:effectRef idx="0">
-            <a:schemeClr val="accent1"/>
-          </a:effectRef>
-          <a:fontRef idx="minor">
-            <a:schemeClr val="lt1"/>
-          </a:fontRef>
-        </p:style>
-        <p:txBody>
-          <a:bodyPr rtlCol="0" anchor="ctr"/>
-          <a:lstStyle/>
-          <a:p>
-            <a:pPr algn="ctr"/>
-            <a:endParaRPr lang="zh-TW" altLang="en-US">
-              <a:solidFill>
-                <a:srgbClr val="FF0000"/>
-              </a:solidFill>
-            </a:endParaRPr>
-          </a:p>
-        </p:txBody>
-      </p:sp>
     </p:spTree>
     <p:extLst>
       <p:ext uri="{BB962C8B-B14F-4D97-AF65-F5344CB8AC3E}">
         <p14:creationId xmlns:p14="http://schemas.microsoft.com/office/powerpoint/2010/main" val="77823002"/>
-      </p:ext>
-    </p:extLst>
-  </p:cSld>
-  <p:clrMapOvr>
-    <a:masterClrMapping/>
-  </p:clrMapOvr>
-  <p:timing>
-    <p:tnLst>
-      <p:par>
-        <p:cTn id="1" dur="indefinite" restart="never" nodeType="tmRoot"/>
-      </p:par>
-    </p:tnLst>
-  </p:timing>
-</p:sld>
-</file>
-
-<file path=ppt/slides/slide16.xml><?xml version="1.0" encoding="utf-8"?>
-<p:sld xmlns:a="http://schemas.openxmlformats.org/drawingml/2006/main" xmlns:r="http://schemas.openxmlformats.org/officeDocument/2006/relationships" xmlns:p="http://schemas.openxmlformats.org/presentationml/2006/main">
-  <p:cSld>
-    <p:spTree>
-      <p:nvGrpSpPr>
-        <p:cNvPr id="1" name=""/>
-        <p:cNvGrpSpPr/>
-        <p:nvPr/>
-      </p:nvGrpSpPr>
-      <p:grpSpPr>
-        <a:xfrm>
-          <a:off x="0" y="0"/>
-          <a:ext cx="0" cy="0"/>
-          <a:chOff x="0" y="0"/>
-          <a:chExt cx="0" cy="0"/>
-        </a:xfrm>
-      </p:grpSpPr>
-      <p:sp>
-        <p:nvSpPr>
-          <p:cNvPr id="2" name="內容版面配置區 1"/>
-          <p:cNvSpPr>
-            <a:spLocks noGrp="1"/>
-          </p:cNvSpPr>
-          <p:nvPr>
-            <p:ph idx="1"/>
-          </p:nvPr>
-        </p:nvSpPr>
-        <p:spPr/>
-        <p:txBody>
-          <a:bodyPr/>
-          <a:lstStyle/>
-          <a:p>
-            <a:pPr lvl="1">
-              <a:buFont typeface="Wingdings" pitchFamily="2" charset="2"/>
-              <a:buChar char="ü"/>
-            </a:pPr>
-            <a:endParaRPr lang="en-US" altLang="zh-TW" dirty="0" smtClean="0">
-              <a:solidFill>
-                <a:schemeClr val="tx1"/>
-              </a:solidFill>
-            </a:endParaRPr>
-          </a:p>
-          <a:p>
-            <a:pPr lvl="1">
-              <a:buFont typeface="Wingdings" pitchFamily="2" charset="2"/>
-              <a:buChar char="ü"/>
-            </a:pPr>
-            <a:endParaRPr lang="en-US" altLang="zh-TW" dirty="0">
-              <a:solidFill>
-                <a:schemeClr val="tx1"/>
-              </a:solidFill>
-            </a:endParaRPr>
-          </a:p>
-          <a:p>
-            <a:pPr lvl="1">
-              <a:buFont typeface="Wingdings" pitchFamily="2" charset="2"/>
-              <a:buChar char="ü"/>
-            </a:pPr>
-            <a:endParaRPr lang="en-US" altLang="zh-TW" dirty="0" smtClean="0">
-              <a:solidFill>
-                <a:schemeClr val="tx1"/>
-              </a:solidFill>
-            </a:endParaRPr>
-          </a:p>
-          <a:p>
-            <a:pPr marL="365760" lvl="1" indent="0" algn="ctr">
-              <a:buNone/>
-            </a:pPr>
-            <a:r>
-              <a:rPr lang="zh-TW" altLang="en-US" sz="4000" dirty="0">
-                <a:solidFill>
-                  <a:schemeClr val="tx1"/>
-                </a:solidFill>
-              </a:rPr>
-              <a:t>例外處理</a:t>
-            </a:r>
-            <a:endParaRPr lang="en-US" altLang="zh-TW" dirty="0">
-              <a:solidFill>
-                <a:schemeClr val="tx1"/>
-              </a:solidFill>
-            </a:endParaRPr>
-          </a:p>
-          <a:p>
-            <a:pPr marL="365760" lvl="1" indent="0">
-              <a:buNone/>
-            </a:pPr>
-            <a:endParaRPr lang="en-US" altLang="zh-TW" dirty="0" smtClean="0">
-              <a:solidFill>
-                <a:schemeClr val="tx1"/>
-              </a:solidFill>
-            </a:endParaRPr>
-          </a:p>
-          <a:p>
-            <a:pPr lvl="1">
-              <a:buFont typeface="Wingdings" pitchFamily="2" charset="2"/>
-              <a:buChar char="ü"/>
-            </a:pPr>
-            <a:endParaRPr lang="en-US" altLang="zh-TW" dirty="0">
-              <a:solidFill>
-                <a:schemeClr val="tx1"/>
-              </a:solidFill>
-            </a:endParaRPr>
-          </a:p>
-          <a:p>
-            <a:pPr marL="365760" lvl="1" indent="0">
-              <a:buNone/>
-            </a:pPr>
-            <a:r>
-              <a:rPr lang="en-US" altLang="zh-TW" dirty="0" smtClean="0">
-                <a:solidFill>
-                  <a:schemeClr val="tx1"/>
-                </a:solidFill>
-              </a:rPr>
-              <a:t>	</a:t>
-            </a:r>
-            <a:endParaRPr lang="en-US" altLang="zh-TW" dirty="0">
-              <a:solidFill>
-                <a:schemeClr val="tx1"/>
-              </a:solidFill>
-            </a:endParaRPr>
-          </a:p>
-        </p:txBody>
-      </p:sp>
-      <p:sp>
-        <p:nvSpPr>
-          <p:cNvPr id="3" name="標題 2"/>
-          <p:cNvSpPr>
-            <a:spLocks noGrp="1"/>
-          </p:cNvSpPr>
-          <p:nvPr>
-            <p:ph type="title"/>
-          </p:nvPr>
-        </p:nvSpPr>
-        <p:spPr/>
-        <p:txBody>
-          <a:bodyPr>
-            <a:normAutofit/>
-          </a:bodyPr>
-          <a:lstStyle/>
-          <a:p>
-            <a:pPr algn="ctr"/>
-            <a:r>
-              <a:rPr lang="en-US" altLang="zh-TW" sz="4000" dirty="0">
-                <a:latin typeface="Verdana" pitchFamily="34" charset="0"/>
-                <a:ea typeface="Verdana" pitchFamily="34" charset="0"/>
-                <a:cs typeface="Verdana" pitchFamily="34" charset="0"/>
-              </a:rPr>
-              <a:t>Defensive</a:t>
-            </a:r>
-            <a:r>
-              <a:rPr lang="zh-TW" altLang="en-US" sz="4000" dirty="0">
-                <a:latin typeface="微軟正黑體" pitchFamily="34" charset="-120"/>
-                <a:ea typeface="微軟正黑體" pitchFamily="34" charset="-120"/>
-              </a:rPr>
-              <a:t> </a:t>
-            </a:r>
-            <a:r>
-              <a:rPr lang="en-US" altLang="zh-TW" sz="4000" dirty="0">
-                <a:latin typeface="微軟正黑體" pitchFamily="34" charset="-120"/>
-                <a:ea typeface="微軟正黑體" pitchFamily="34" charset="-120"/>
-              </a:rPr>
-              <a:t>programming</a:t>
-            </a:r>
-            <a:endParaRPr lang="zh-TW" altLang="en-US" sz="4000" dirty="0"/>
-          </a:p>
-        </p:txBody>
-      </p:sp>
-    </p:spTree>
-    <p:extLst>
-      <p:ext uri="{BB962C8B-B14F-4D97-AF65-F5344CB8AC3E}">
-        <p14:creationId xmlns:p14="http://schemas.microsoft.com/office/powerpoint/2010/main" val="3514757605"/>
       </p:ext>
     </p:extLst>
   </p:cSld>
@@ -6289,6 +6856,193 @@
         </p:nvSpPr>
         <p:spPr/>
         <p:txBody>
+          <a:bodyPr/>
+          <a:lstStyle/>
+          <a:p>
+            <a:pPr lvl="1">
+              <a:buFont typeface="Wingdings" pitchFamily="2" charset="2"/>
+              <a:buChar char="ü"/>
+            </a:pPr>
+            <a:endParaRPr lang="en-US" altLang="zh-TW" dirty="0" smtClean="0">
+              <a:solidFill>
+                <a:schemeClr val="tx1"/>
+              </a:solidFill>
+            </a:endParaRPr>
+          </a:p>
+          <a:p>
+            <a:pPr lvl="1">
+              <a:buFont typeface="Wingdings" pitchFamily="2" charset="2"/>
+              <a:buChar char="ü"/>
+            </a:pPr>
+            <a:endParaRPr lang="en-US" altLang="zh-TW" dirty="0">
+              <a:solidFill>
+                <a:schemeClr val="tx1"/>
+              </a:solidFill>
+            </a:endParaRPr>
+          </a:p>
+          <a:p>
+            <a:pPr lvl="1">
+              <a:buFont typeface="Wingdings" pitchFamily="2" charset="2"/>
+              <a:buChar char="ü"/>
+            </a:pPr>
+            <a:endParaRPr lang="en-US" altLang="zh-TW" dirty="0" smtClean="0">
+              <a:solidFill>
+                <a:schemeClr val="tx1"/>
+              </a:solidFill>
+            </a:endParaRPr>
+          </a:p>
+          <a:p>
+            <a:pPr marL="365760" lvl="1" indent="0" algn="ctr">
+              <a:buNone/>
+            </a:pPr>
+            <a:r>
+              <a:rPr lang="zh-TW" altLang="en-US" sz="4000" dirty="0">
+                <a:solidFill>
+                  <a:schemeClr val="tx1"/>
+                </a:solidFill>
+              </a:rPr>
+              <a:t>例外處理</a:t>
+            </a:r>
+            <a:endParaRPr lang="en-US" altLang="zh-TW" dirty="0">
+              <a:solidFill>
+                <a:schemeClr val="tx1"/>
+              </a:solidFill>
+            </a:endParaRPr>
+          </a:p>
+          <a:p>
+            <a:pPr marL="365760" lvl="1" indent="0">
+              <a:buNone/>
+            </a:pPr>
+            <a:endParaRPr lang="en-US" altLang="zh-TW" dirty="0" smtClean="0">
+              <a:solidFill>
+                <a:schemeClr val="tx1"/>
+              </a:solidFill>
+            </a:endParaRPr>
+          </a:p>
+          <a:p>
+            <a:pPr lvl="1">
+              <a:buFont typeface="Wingdings" pitchFamily="2" charset="2"/>
+              <a:buChar char="ü"/>
+            </a:pPr>
+            <a:endParaRPr lang="en-US" altLang="zh-TW" dirty="0">
+              <a:solidFill>
+                <a:schemeClr val="tx1"/>
+              </a:solidFill>
+            </a:endParaRPr>
+          </a:p>
+          <a:p>
+            <a:pPr marL="365760" lvl="1" indent="0">
+              <a:buNone/>
+            </a:pPr>
+            <a:r>
+              <a:rPr lang="en-US" altLang="zh-TW" dirty="0" smtClean="0">
+                <a:solidFill>
+                  <a:schemeClr val="tx1"/>
+                </a:solidFill>
+              </a:rPr>
+              <a:t>	</a:t>
+            </a:r>
+            <a:endParaRPr lang="en-US" altLang="zh-TW" dirty="0">
+              <a:solidFill>
+                <a:schemeClr val="tx1"/>
+              </a:solidFill>
+            </a:endParaRPr>
+          </a:p>
+        </p:txBody>
+      </p:sp>
+      <p:sp>
+        <p:nvSpPr>
+          <p:cNvPr id="3" name="標題 2"/>
+          <p:cNvSpPr>
+            <a:spLocks noGrp="1"/>
+          </p:cNvSpPr>
+          <p:nvPr>
+            <p:ph type="title"/>
+          </p:nvPr>
+        </p:nvSpPr>
+        <p:spPr/>
+        <p:txBody>
+          <a:bodyPr>
+            <a:normAutofit/>
+          </a:bodyPr>
+          <a:lstStyle/>
+          <a:p>
+            <a:pPr algn="ctr"/>
+            <a:r>
+              <a:rPr lang="en-US" altLang="zh-TW" sz="4000" dirty="0">
+                <a:latin typeface="Verdana" pitchFamily="34" charset="0"/>
+                <a:ea typeface="Verdana" pitchFamily="34" charset="0"/>
+                <a:cs typeface="Verdana" pitchFamily="34" charset="0"/>
+              </a:rPr>
+              <a:t>Defensive</a:t>
+            </a:r>
+            <a:r>
+              <a:rPr lang="zh-TW" altLang="en-US" sz="4000" dirty="0">
+                <a:latin typeface="微軟正黑體" pitchFamily="34" charset="-120"/>
+                <a:ea typeface="微軟正黑體" pitchFamily="34" charset="-120"/>
+              </a:rPr>
+              <a:t> </a:t>
+            </a:r>
+            <a:r>
+              <a:rPr lang="en-US" altLang="zh-TW" sz="4000" dirty="0">
+                <a:latin typeface="微軟正黑體" pitchFamily="34" charset="-120"/>
+                <a:ea typeface="微軟正黑體" pitchFamily="34" charset="-120"/>
+              </a:rPr>
+              <a:t>programming</a:t>
+            </a:r>
+            <a:endParaRPr lang="zh-TW" altLang="en-US" sz="4000" dirty="0"/>
+          </a:p>
+        </p:txBody>
+      </p:sp>
+    </p:spTree>
+    <p:extLst>
+      <p:ext uri="{BB962C8B-B14F-4D97-AF65-F5344CB8AC3E}">
+        <p14:creationId xmlns:p14="http://schemas.microsoft.com/office/powerpoint/2010/main" val="3514757605"/>
+      </p:ext>
+    </p:extLst>
+  </p:cSld>
+  <p:clrMapOvr>
+    <a:masterClrMapping/>
+  </p:clrMapOvr>
+  <p:timing>
+    <p:tnLst>
+      <p:par>
+        <p:cTn id="1" dur="indefinite" restart="never" nodeType="tmRoot"/>
+      </p:par>
+    </p:tnLst>
+  </p:timing>
+</p:sld>
+</file>
+
+<file path=ppt/slides/slide18.xml><?xml version="1.0" encoding="utf-8"?>
+<p:sld xmlns:a="http://schemas.openxmlformats.org/drawingml/2006/main" xmlns:r="http://schemas.openxmlformats.org/officeDocument/2006/relationships" xmlns:p="http://schemas.openxmlformats.org/presentationml/2006/main">
+  <p:cSld>
+    <p:spTree>
+      <p:nvGrpSpPr>
+        <p:cNvPr id="1" name=""/>
+        <p:cNvGrpSpPr/>
+        <p:nvPr/>
+      </p:nvGrpSpPr>
+      <p:grpSpPr>
+        <a:xfrm>
+          <a:off x="0" y="0"/>
+          <a:ext cx="0" cy="0"/>
+          <a:chOff x="0" y="0"/>
+          <a:chExt cx="0" cy="0"/>
+        </a:xfrm>
+      </p:grpSpPr>
+      <p:sp>
+        <p:nvSpPr>
+          <p:cNvPr id="2" name="內容版面配置區 1"/>
+          <p:cNvSpPr>
+            <a:spLocks noGrp="1"/>
+          </p:cNvSpPr>
+          <p:nvPr>
+            <p:ph idx="1"/>
+          </p:nvPr>
+        </p:nvSpPr>
+        <p:spPr/>
+        <p:txBody>
           <a:bodyPr>
             <a:normAutofit lnSpcReduction="10000"/>
           </a:bodyPr>
@@ -6607,7 +7361,7 @@
 </p:sld>
 </file>
 
-<file path=ppt/slides/slide18.xml><?xml version="1.0" encoding="utf-8"?>
+<file path=ppt/slides/slide19.xml><?xml version="1.0" encoding="utf-8"?>
 <p:sld xmlns:a="http://schemas.openxmlformats.org/drawingml/2006/main" xmlns:r="http://schemas.openxmlformats.org/officeDocument/2006/relationships" xmlns:p="http://schemas.openxmlformats.org/presentationml/2006/main">
   <p:cSld>
     <p:spTree>
@@ -6991,7 +7745,291 @@
 </p:sld>
 </file>
 
-<file path=ppt/slides/slide19.xml><?xml version="1.0" encoding="utf-8"?>
+<file path=ppt/slides/slide2.xml><?xml version="1.0" encoding="utf-8"?>
+<p:sld xmlns:a="http://schemas.openxmlformats.org/drawingml/2006/main" xmlns:r="http://schemas.openxmlformats.org/officeDocument/2006/relationships" xmlns:p="http://schemas.openxmlformats.org/presentationml/2006/main">
+  <p:cSld>
+    <p:spTree>
+      <p:nvGrpSpPr>
+        <p:cNvPr id="1" name=""/>
+        <p:cNvGrpSpPr/>
+        <p:nvPr/>
+      </p:nvGrpSpPr>
+      <p:grpSpPr>
+        <a:xfrm>
+          <a:off x="0" y="0"/>
+          <a:ext cx="0" cy="0"/>
+          <a:chOff x="0" y="0"/>
+          <a:chExt cx="0" cy="0"/>
+        </a:xfrm>
+      </p:grpSpPr>
+      <p:sp>
+        <p:nvSpPr>
+          <p:cNvPr id="2" name="內容版面配置區 1"/>
+          <p:cNvSpPr>
+            <a:spLocks noGrp="1"/>
+          </p:cNvSpPr>
+          <p:nvPr>
+            <p:ph idx="1"/>
+          </p:nvPr>
+        </p:nvSpPr>
+        <p:spPr/>
+        <p:txBody>
+          <a:bodyPr/>
+          <a:lstStyle/>
+          <a:p>
+            <a:pPr marL="514350" lvl="1" indent="-514350">
+              <a:spcBef>
+                <a:spcPts val="600"/>
+              </a:spcBef>
+              <a:buClr>
+                <a:schemeClr val="accent2"/>
+              </a:buClr>
+              <a:buFont typeface="+mj-lt"/>
+              <a:buAutoNum type="arabicPeriod"/>
+            </a:pPr>
+            <a:r>
+              <a:rPr lang="en-US" altLang="zh-TW" sz="2000" dirty="0">
+                <a:solidFill>
+                  <a:schemeClr val="tx1"/>
+                </a:solidFill>
+                <a:latin typeface="Verdana" pitchFamily="34" charset="0"/>
+                <a:ea typeface="Verdana" pitchFamily="34" charset="0"/>
+                <a:cs typeface="Verdana" pitchFamily="34" charset="0"/>
+              </a:rPr>
+              <a:t>What is Defensive</a:t>
+            </a:r>
+            <a:r>
+              <a:rPr lang="zh-TW" altLang="en-US" sz="2000" dirty="0">
+                <a:solidFill>
+                  <a:schemeClr val="tx1"/>
+                </a:solidFill>
+                <a:latin typeface="微軟正黑體" pitchFamily="34" charset="-120"/>
+                <a:ea typeface="微軟正黑體" pitchFamily="34" charset="-120"/>
+              </a:rPr>
+              <a:t> </a:t>
+            </a:r>
+            <a:r>
+              <a:rPr lang="en-US" altLang="zh-TW" sz="2000" dirty="0">
+                <a:solidFill>
+                  <a:schemeClr val="tx1"/>
+                </a:solidFill>
+                <a:latin typeface="微軟正黑體" pitchFamily="34" charset="-120"/>
+                <a:ea typeface="微軟正黑體" pitchFamily="34" charset="-120"/>
+              </a:rPr>
+              <a:t>programming</a:t>
+            </a:r>
+            <a:r>
+              <a:rPr lang="en-US" altLang="zh-TW" sz="2000" dirty="0" smtClean="0">
+                <a:solidFill>
+                  <a:schemeClr val="tx1"/>
+                </a:solidFill>
+                <a:latin typeface="微軟正黑體" pitchFamily="34" charset="-120"/>
+                <a:ea typeface="微軟正黑體" pitchFamily="34" charset="-120"/>
+              </a:rPr>
+              <a:t>?</a:t>
+            </a:r>
+          </a:p>
+          <a:p>
+            <a:pPr marL="514350" lvl="1" indent="-514350">
+              <a:spcBef>
+                <a:spcPts val="600"/>
+              </a:spcBef>
+              <a:buClr>
+                <a:schemeClr val="accent2"/>
+              </a:buClr>
+              <a:buFont typeface="+mj-lt"/>
+              <a:buAutoNum type="arabicPeriod"/>
+            </a:pPr>
+            <a:endParaRPr lang="en-US" altLang="zh-TW" sz="2000" dirty="0">
+              <a:solidFill>
+                <a:schemeClr val="tx1"/>
+              </a:solidFill>
+              <a:latin typeface="微軟正黑體" pitchFamily="34" charset="-120"/>
+              <a:ea typeface="微軟正黑體" pitchFamily="34" charset="-120"/>
+            </a:endParaRPr>
+          </a:p>
+          <a:p>
+            <a:pPr marL="514350" lvl="1" indent="-514350">
+              <a:spcBef>
+                <a:spcPts val="600"/>
+              </a:spcBef>
+              <a:buClr>
+                <a:schemeClr val="accent2"/>
+              </a:buClr>
+              <a:buFont typeface="+mj-lt"/>
+              <a:buAutoNum type="arabicPeriod"/>
+            </a:pPr>
+            <a:r>
+              <a:rPr lang="en-US" altLang="zh-TW" sz="2000" dirty="0">
+                <a:solidFill>
+                  <a:schemeClr val="tx1"/>
+                </a:solidFill>
+                <a:latin typeface="Verdana" pitchFamily="34" charset="0"/>
+                <a:ea typeface="Verdana" pitchFamily="34" charset="0"/>
+                <a:cs typeface="Verdana" pitchFamily="34" charset="0"/>
+              </a:rPr>
+              <a:t>Defensive</a:t>
+            </a:r>
+            <a:r>
+              <a:rPr lang="zh-TW" altLang="en-US" sz="2000" dirty="0">
+                <a:solidFill>
+                  <a:schemeClr val="tx1"/>
+                </a:solidFill>
+                <a:latin typeface="微軟正黑體" pitchFamily="34" charset="-120"/>
+                <a:ea typeface="微軟正黑體" pitchFamily="34" charset="-120"/>
+              </a:rPr>
+              <a:t> </a:t>
+            </a:r>
+            <a:r>
+              <a:rPr lang="en-US" altLang="zh-TW" sz="2000" dirty="0" smtClean="0">
+                <a:solidFill>
+                  <a:schemeClr val="tx1"/>
+                </a:solidFill>
+                <a:latin typeface="微軟正黑體" pitchFamily="34" charset="-120"/>
+                <a:ea typeface="微軟正黑體" pitchFamily="34" charset="-120"/>
+              </a:rPr>
+              <a:t>programming</a:t>
+            </a:r>
+          </a:p>
+          <a:p>
+            <a:pPr marL="514350" lvl="1" indent="-514350">
+              <a:spcBef>
+                <a:spcPts val="600"/>
+              </a:spcBef>
+              <a:buClr>
+                <a:schemeClr val="accent2"/>
+              </a:buClr>
+              <a:buFont typeface="+mj-lt"/>
+              <a:buAutoNum type="arabicPeriod"/>
+            </a:pPr>
+            <a:endParaRPr lang="en-US" altLang="zh-TW" sz="2000" dirty="0">
+              <a:solidFill>
+                <a:schemeClr val="tx1"/>
+              </a:solidFill>
+              <a:latin typeface="微軟正黑體" pitchFamily="34" charset="-120"/>
+              <a:ea typeface="微軟正黑體" pitchFamily="34" charset="-120"/>
+            </a:endParaRPr>
+          </a:p>
+          <a:p>
+            <a:pPr marL="514350" lvl="1" indent="-514350">
+              <a:spcBef>
+                <a:spcPts val="600"/>
+              </a:spcBef>
+              <a:buClr>
+                <a:schemeClr val="accent2"/>
+              </a:buClr>
+              <a:buFont typeface="+mj-lt"/>
+              <a:buAutoNum type="arabicPeriod"/>
+            </a:pPr>
+            <a:r>
+              <a:rPr lang="zh-TW" altLang="en-US" sz="2000" dirty="0" smtClean="0">
+                <a:solidFill>
+                  <a:schemeClr val="tx1"/>
+                </a:solidFill>
+                <a:latin typeface="微軟正黑體" pitchFamily="34" charset="-120"/>
+                <a:ea typeface="微軟正黑體" pitchFamily="34" charset="-120"/>
+              </a:rPr>
+              <a:t>心得</a:t>
+            </a:r>
+            <a:endParaRPr lang="en-US" altLang="zh-TW" sz="2000" dirty="0" smtClean="0">
+              <a:solidFill>
+                <a:schemeClr val="tx1"/>
+              </a:solidFill>
+              <a:latin typeface="微軟正黑體" pitchFamily="34" charset="-120"/>
+              <a:ea typeface="微軟正黑體" pitchFamily="34" charset="-120"/>
+            </a:endParaRPr>
+          </a:p>
+          <a:p>
+            <a:pPr marL="514350" lvl="1" indent="-514350">
+              <a:spcBef>
+                <a:spcPts val="600"/>
+              </a:spcBef>
+              <a:buClr>
+                <a:schemeClr val="accent2"/>
+              </a:buClr>
+              <a:buFont typeface="+mj-lt"/>
+              <a:buAutoNum type="arabicPeriod"/>
+            </a:pPr>
+            <a:endParaRPr lang="en-US" altLang="zh-TW" sz="2000" dirty="0">
+              <a:solidFill>
+                <a:schemeClr val="tx1"/>
+              </a:solidFill>
+              <a:latin typeface="微軟正黑體" pitchFamily="34" charset="-120"/>
+              <a:ea typeface="微軟正黑體" pitchFamily="34" charset="-120"/>
+            </a:endParaRPr>
+          </a:p>
+          <a:p>
+            <a:pPr marL="514350" lvl="1" indent="-514350">
+              <a:spcBef>
+                <a:spcPts val="600"/>
+              </a:spcBef>
+              <a:buClr>
+                <a:schemeClr val="accent2"/>
+              </a:buClr>
+              <a:buFont typeface="+mj-lt"/>
+              <a:buAutoNum type="arabicPeriod"/>
+            </a:pPr>
+            <a:endParaRPr lang="en-US" altLang="zh-TW" sz="2000" dirty="0">
+              <a:solidFill>
+                <a:schemeClr val="tx1"/>
+              </a:solidFill>
+            </a:endParaRPr>
+          </a:p>
+          <a:p>
+            <a:pPr marL="514350" indent="-514350">
+              <a:buFont typeface="+mj-lt"/>
+              <a:buAutoNum type="arabicPeriod"/>
+            </a:pPr>
+            <a:endParaRPr lang="zh-TW" altLang="en-US" dirty="0"/>
+          </a:p>
+        </p:txBody>
+      </p:sp>
+      <p:sp>
+        <p:nvSpPr>
+          <p:cNvPr id="3" name="標題 2"/>
+          <p:cNvSpPr>
+            <a:spLocks noGrp="1"/>
+          </p:cNvSpPr>
+          <p:nvPr>
+            <p:ph type="title"/>
+          </p:nvPr>
+        </p:nvSpPr>
+        <p:spPr/>
+        <p:txBody>
+          <a:bodyPr>
+            <a:normAutofit/>
+          </a:bodyPr>
+          <a:lstStyle/>
+          <a:p>
+            <a:r>
+              <a:rPr lang="zh-TW" altLang="en-US" sz="4000" dirty="0" smtClean="0"/>
+              <a:t>簡報大綱</a:t>
+            </a:r>
+            <a:endParaRPr lang="zh-TW" altLang="en-US" sz="4000" dirty="0"/>
+          </a:p>
+        </p:txBody>
+      </p:sp>
+    </p:spTree>
+    <p:extLst>
+      <p:ext uri="{BB962C8B-B14F-4D97-AF65-F5344CB8AC3E}">
+        <p14:creationId xmlns:p14="http://schemas.microsoft.com/office/powerpoint/2010/main" val="2036997044"/>
+      </p:ext>
+    </p:extLst>
+  </p:cSld>
+  <p:clrMapOvr>
+    <a:masterClrMapping/>
+  </p:clrMapOvr>
+  <p:timing>
+    <p:tnLst>
+      <p:par>
+        <p:cTn id="1" dur="indefinite" restart="never" nodeType="tmRoot"/>
+      </p:par>
+    </p:tnLst>
+  </p:timing>
+</p:sld>
+</file>
+
+<file path=ppt/slides/slide20.xml><?xml version="1.0" encoding="utf-8"?>
 <p:sld xmlns:a="http://schemas.openxmlformats.org/drawingml/2006/main" xmlns:r="http://schemas.openxmlformats.org/officeDocument/2006/relationships" xmlns:p="http://schemas.openxmlformats.org/presentationml/2006/main">
   <p:cSld>
     <p:spTree>
@@ -7278,284 +8316,7 @@
 </p:sld>
 </file>
 
-<file path=ppt/slides/slide2.xml><?xml version="1.0" encoding="utf-8"?>
-<p:sld xmlns:a="http://schemas.openxmlformats.org/drawingml/2006/main" xmlns:r="http://schemas.openxmlformats.org/officeDocument/2006/relationships" xmlns:p="http://schemas.openxmlformats.org/presentationml/2006/main">
-  <p:cSld>
-    <p:spTree>
-      <p:nvGrpSpPr>
-        <p:cNvPr id="1" name=""/>
-        <p:cNvGrpSpPr/>
-        <p:nvPr/>
-      </p:nvGrpSpPr>
-      <p:grpSpPr>
-        <a:xfrm>
-          <a:off x="0" y="0"/>
-          <a:ext cx="0" cy="0"/>
-          <a:chOff x="0" y="0"/>
-          <a:chExt cx="0" cy="0"/>
-        </a:xfrm>
-      </p:grpSpPr>
-      <p:sp>
-        <p:nvSpPr>
-          <p:cNvPr id="2" name="內容版面配置區 1"/>
-          <p:cNvSpPr>
-            <a:spLocks noGrp="1"/>
-          </p:cNvSpPr>
-          <p:nvPr>
-            <p:ph idx="1"/>
-          </p:nvPr>
-        </p:nvSpPr>
-        <p:spPr/>
-        <p:txBody>
-          <a:bodyPr/>
-          <a:lstStyle/>
-          <a:p>
-            <a:pPr marL="514350" lvl="1" indent="-514350">
-              <a:spcBef>
-                <a:spcPts val="600"/>
-              </a:spcBef>
-              <a:buClr>
-                <a:schemeClr val="accent2"/>
-              </a:buClr>
-              <a:buFont typeface="+mj-lt"/>
-              <a:buAutoNum type="arabicPeriod"/>
-            </a:pPr>
-            <a:r>
-              <a:rPr lang="en-US" altLang="zh-TW" sz="2000" dirty="0">
-                <a:solidFill>
-                  <a:schemeClr val="tx1"/>
-                </a:solidFill>
-                <a:latin typeface="Verdana" pitchFamily="34" charset="0"/>
-                <a:ea typeface="Verdana" pitchFamily="34" charset="0"/>
-                <a:cs typeface="Verdana" pitchFamily="34" charset="0"/>
-              </a:rPr>
-              <a:t>What is Defensive</a:t>
-            </a:r>
-            <a:r>
-              <a:rPr lang="zh-TW" altLang="en-US" sz="2000" dirty="0">
-                <a:solidFill>
-                  <a:schemeClr val="tx1"/>
-                </a:solidFill>
-                <a:latin typeface="微軟正黑體" pitchFamily="34" charset="-120"/>
-                <a:ea typeface="微軟正黑體" pitchFamily="34" charset="-120"/>
-              </a:rPr>
-              <a:t> </a:t>
-            </a:r>
-            <a:r>
-              <a:rPr lang="en-US" altLang="zh-TW" sz="2000" dirty="0">
-                <a:solidFill>
-                  <a:schemeClr val="tx1"/>
-                </a:solidFill>
-                <a:latin typeface="微軟正黑體" pitchFamily="34" charset="-120"/>
-                <a:ea typeface="微軟正黑體" pitchFamily="34" charset="-120"/>
-              </a:rPr>
-              <a:t>programming</a:t>
-            </a:r>
-            <a:r>
-              <a:rPr lang="en-US" altLang="zh-TW" sz="2000" dirty="0" smtClean="0">
-                <a:solidFill>
-                  <a:schemeClr val="tx1"/>
-                </a:solidFill>
-                <a:latin typeface="微軟正黑體" pitchFamily="34" charset="-120"/>
-                <a:ea typeface="微軟正黑體" pitchFamily="34" charset="-120"/>
-              </a:rPr>
-              <a:t>?</a:t>
-            </a:r>
-          </a:p>
-          <a:p>
-            <a:pPr marL="514350" lvl="1" indent="-514350">
-              <a:spcBef>
-                <a:spcPts val="600"/>
-              </a:spcBef>
-              <a:buClr>
-                <a:schemeClr val="accent2"/>
-              </a:buClr>
-              <a:buFont typeface="+mj-lt"/>
-              <a:buAutoNum type="arabicPeriod"/>
-            </a:pPr>
-            <a:endParaRPr lang="en-US" altLang="zh-TW" sz="2000" dirty="0">
-              <a:solidFill>
-                <a:schemeClr val="tx1"/>
-              </a:solidFill>
-              <a:latin typeface="微軟正黑體" pitchFamily="34" charset="-120"/>
-              <a:ea typeface="微軟正黑體" pitchFamily="34" charset="-120"/>
-            </a:endParaRPr>
-          </a:p>
-          <a:p>
-            <a:pPr marL="514350" lvl="1" indent="-514350">
-              <a:spcBef>
-                <a:spcPts val="600"/>
-              </a:spcBef>
-              <a:buClr>
-                <a:schemeClr val="accent2"/>
-              </a:buClr>
-              <a:buFont typeface="+mj-lt"/>
-              <a:buAutoNum type="arabicPeriod"/>
-            </a:pPr>
-            <a:r>
-              <a:rPr lang="en-US" altLang="zh-TW" sz="2000" dirty="0">
-                <a:solidFill>
-                  <a:schemeClr val="tx1"/>
-                </a:solidFill>
-                <a:latin typeface="Verdana" pitchFamily="34" charset="0"/>
-                <a:ea typeface="Verdana" pitchFamily="34" charset="0"/>
-                <a:cs typeface="Verdana" pitchFamily="34" charset="0"/>
-              </a:rPr>
-              <a:t>Defensive</a:t>
-            </a:r>
-            <a:r>
-              <a:rPr lang="zh-TW" altLang="en-US" sz="2000" dirty="0">
-                <a:solidFill>
-                  <a:schemeClr val="tx1"/>
-                </a:solidFill>
-                <a:latin typeface="微軟正黑體" pitchFamily="34" charset="-120"/>
-                <a:ea typeface="微軟正黑體" pitchFamily="34" charset="-120"/>
-              </a:rPr>
-              <a:t> </a:t>
-            </a:r>
-            <a:r>
-              <a:rPr lang="en-US" altLang="zh-TW" sz="2000" dirty="0" smtClean="0">
-                <a:solidFill>
-                  <a:schemeClr val="tx1"/>
-                </a:solidFill>
-                <a:latin typeface="微軟正黑體" pitchFamily="34" charset="-120"/>
-                <a:ea typeface="微軟正黑體" pitchFamily="34" charset="-120"/>
-              </a:rPr>
-              <a:t>programming</a:t>
-            </a:r>
-          </a:p>
-          <a:p>
-            <a:pPr marL="514350" lvl="1" indent="-514350">
-              <a:spcBef>
-                <a:spcPts val="600"/>
-              </a:spcBef>
-              <a:buClr>
-                <a:schemeClr val="accent2"/>
-              </a:buClr>
-              <a:buFont typeface="+mj-lt"/>
-              <a:buAutoNum type="arabicPeriod"/>
-            </a:pPr>
-            <a:endParaRPr lang="en-US" altLang="zh-TW" sz="2000" dirty="0">
-              <a:solidFill>
-                <a:schemeClr val="tx1"/>
-              </a:solidFill>
-              <a:latin typeface="微軟正黑體" pitchFamily="34" charset="-120"/>
-              <a:ea typeface="微軟正黑體" pitchFamily="34" charset="-120"/>
-            </a:endParaRPr>
-          </a:p>
-          <a:p>
-            <a:pPr marL="514350" lvl="1" indent="-514350">
-              <a:spcBef>
-                <a:spcPts val="600"/>
-              </a:spcBef>
-              <a:buClr>
-                <a:schemeClr val="accent2"/>
-              </a:buClr>
-              <a:buFont typeface="+mj-lt"/>
-              <a:buAutoNum type="arabicPeriod"/>
-            </a:pPr>
-            <a:r>
-              <a:rPr lang="zh-TW" altLang="en-US" sz="2000" dirty="0" smtClean="0">
-                <a:solidFill>
-                  <a:schemeClr val="tx1"/>
-                </a:solidFill>
-                <a:latin typeface="微軟正黑體" pitchFamily="34" charset="-120"/>
-                <a:ea typeface="微軟正黑體" pitchFamily="34" charset="-120"/>
-              </a:rPr>
-              <a:t>心得</a:t>
-            </a:r>
-            <a:endParaRPr lang="en-US" altLang="zh-TW" sz="2000" dirty="0" smtClean="0">
-              <a:solidFill>
-                <a:schemeClr val="tx1"/>
-              </a:solidFill>
-              <a:latin typeface="微軟正黑體" pitchFamily="34" charset="-120"/>
-              <a:ea typeface="微軟正黑體" pitchFamily="34" charset="-120"/>
-            </a:endParaRPr>
-          </a:p>
-          <a:p>
-            <a:pPr marL="514350" lvl="1" indent="-514350">
-              <a:spcBef>
-                <a:spcPts val="600"/>
-              </a:spcBef>
-              <a:buClr>
-                <a:schemeClr val="accent2"/>
-              </a:buClr>
-              <a:buFont typeface="+mj-lt"/>
-              <a:buAutoNum type="arabicPeriod"/>
-            </a:pPr>
-            <a:endParaRPr lang="en-US" altLang="zh-TW" sz="2000" dirty="0">
-              <a:solidFill>
-                <a:schemeClr val="tx1"/>
-              </a:solidFill>
-              <a:latin typeface="微軟正黑體" pitchFamily="34" charset="-120"/>
-              <a:ea typeface="微軟正黑體" pitchFamily="34" charset="-120"/>
-            </a:endParaRPr>
-          </a:p>
-          <a:p>
-            <a:pPr marL="514350" lvl="1" indent="-514350">
-              <a:spcBef>
-                <a:spcPts val="600"/>
-              </a:spcBef>
-              <a:buClr>
-                <a:schemeClr val="accent2"/>
-              </a:buClr>
-              <a:buFont typeface="+mj-lt"/>
-              <a:buAutoNum type="arabicPeriod"/>
-            </a:pPr>
-            <a:endParaRPr lang="en-US" altLang="zh-TW" sz="2000" dirty="0">
-              <a:solidFill>
-                <a:schemeClr val="tx1"/>
-              </a:solidFill>
-            </a:endParaRPr>
-          </a:p>
-          <a:p>
-            <a:pPr marL="514350" indent="-514350">
-              <a:buFont typeface="+mj-lt"/>
-              <a:buAutoNum type="arabicPeriod"/>
-            </a:pPr>
-            <a:endParaRPr lang="zh-TW" altLang="en-US" dirty="0"/>
-          </a:p>
-        </p:txBody>
-      </p:sp>
-      <p:sp>
-        <p:nvSpPr>
-          <p:cNvPr id="3" name="標題 2"/>
-          <p:cNvSpPr>
-            <a:spLocks noGrp="1"/>
-          </p:cNvSpPr>
-          <p:nvPr>
-            <p:ph type="title"/>
-          </p:nvPr>
-        </p:nvSpPr>
-        <p:spPr/>
-        <p:txBody>
-          <a:bodyPr>
-            <a:normAutofit/>
-          </a:bodyPr>
-          <a:lstStyle/>
-          <a:p>
-            <a:r>
-              <a:rPr lang="zh-TW" altLang="en-US" sz="4000" dirty="0" smtClean="0"/>
-              <a:t>簡報大綱</a:t>
-            </a:r>
-            <a:endParaRPr lang="zh-TW" altLang="en-US" sz="4000" dirty="0"/>
-          </a:p>
-        </p:txBody>
-      </p:sp>
-    </p:spTree>
-    <p:extLst>
-      <p:ext uri="{BB962C8B-B14F-4D97-AF65-F5344CB8AC3E}">
-        <p14:creationId xmlns:p14="http://schemas.microsoft.com/office/powerpoint/2010/main" val="2036997044"/>
-      </p:ext>
-    </p:extLst>
-  </p:cSld>
-  <p:clrMapOvr>
-    <a:masterClrMapping/>
-  </p:clrMapOvr>
-</p:sld>
-</file>
-
-<file path=ppt/slides/slide20.xml><?xml version="1.0" encoding="utf-8"?>
+<file path=ppt/slides/slide21.xml><?xml version="1.0" encoding="utf-8"?>
 <p:sld xmlns:a="http://schemas.openxmlformats.org/drawingml/2006/main" xmlns:r="http://schemas.openxmlformats.org/officeDocument/2006/relationships" xmlns:p="http://schemas.openxmlformats.org/presentationml/2006/main">
   <p:cSld>
     <p:spTree>
@@ -7852,7 +8613,7 @@
 </p:sld>
 </file>
 
-<file path=ppt/slides/slide21.xml><?xml version="1.0" encoding="utf-8"?>
+<file path=ppt/slides/slide22.xml><?xml version="1.0" encoding="utf-8"?>
 <p:sld xmlns:a="http://schemas.openxmlformats.org/drawingml/2006/main" xmlns:r="http://schemas.openxmlformats.org/officeDocument/2006/relationships" xmlns:p="http://schemas.openxmlformats.org/presentationml/2006/main">
   <p:cSld>
     <p:spTree>
@@ -8013,74 +8774,13 @@
   <p:clrMapOvr>
     <a:masterClrMapping/>
   </p:clrMapOvr>
-</p:sld>
-</file>
-
-<file path=ppt/slides/slide22.xml><?xml version="1.0" encoding="utf-8"?>
-<p:sld xmlns:a="http://schemas.openxmlformats.org/drawingml/2006/main" xmlns:r="http://schemas.openxmlformats.org/officeDocument/2006/relationships" xmlns:p="http://schemas.openxmlformats.org/presentationml/2006/main">
-  <p:cSld>
-    <p:spTree>
-      <p:nvGrpSpPr>
-        <p:cNvPr id="1" name=""/>
-        <p:cNvGrpSpPr/>
-        <p:nvPr/>
-      </p:nvGrpSpPr>
-      <p:grpSpPr>
-        <a:xfrm>
-          <a:off x="0" y="0"/>
-          <a:ext cx="0" cy="0"/>
-          <a:chOff x="0" y="0"/>
-          <a:chExt cx="0" cy="0"/>
-        </a:xfrm>
-      </p:grpSpPr>
-      <p:sp>
-        <p:nvSpPr>
-          <p:cNvPr id="2" name="內容版面配置區 1"/>
-          <p:cNvSpPr>
-            <a:spLocks noGrp="1"/>
-          </p:cNvSpPr>
-          <p:nvPr>
-            <p:ph idx="1"/>
-          </p:nvPr>
-        </p:nvSpPr>
-        <p:spPr/>
-        <p:txBody>
-          <a:bodyPr/>
-          <a:lstStyle/>
-          <a:p>
-            <a:endParaRPr lang="zh-TW" altLang="en-US"/>
-          </a:p>
-        </p:txBody>
-      </p:sp>
-      <p:sp>
-        <p:nvSpPr>
-          <p:cNvPr id="3" name="標題 2"/>
-          <p:cNvSpPr>
-            <a:spLocks noGrp="1"/>
-          </p:cNvSpPr>
-          <p:nvPr>
-            <p:ph type="title"/>
-          </p:nvPr>
-        </p:nvSpPr>
-        <p:spPr/>
-        <p:txBody>
-          <a:bodyPr/>
-          <a:lstStyle/>
-          <a:p>
-            <a:endParaRPr lang="zh-TW" altLang="en-US"/>
-          </a:p>
-        </p:txBody>
-      </p:sp>
-    </p:spTree>
-    <p:extLst>
-      <p:ext uri="{BB962C8B-B14F-4D97-AF65-F5344CB8AC3E}">
-        <p14:creationId xmlns:p14="http://schemas.microsoft.com/office/powerpoint/2010/main" val="1282707772"/>
-      </p:ext>
-    </p:extLst>
-  </p:cSld>
-  <p:clrMapOvr>
-    <a:masterClrMapping/>
-  </p:clrMapOvr>
+  <p:timing>
+    <p:tnLst>
+      <p:par>
+        <p:cTn id="1" dur="indefinite" restart="never" nodeType="tmRoot"/>
+      </p:par>
+    </p:tnLst>
+  </p:timing>
 </p:sld>
 </file>
 
@@ -8113,144 +8813,10 @@
         </p:nvSpPr>
         <p:spPr/>
         <p:txBody>
-          <a:bodyPr>
-            <a:normAutofit lnSpcReduction="10000"/>
-          </a:bodyPr>
+          <a:bodyPr/>
           <a:lstStyle/>
           <a:p>
-            <a:pPr marL="0" indent="0">
-              <a:buNone/>
-            </a:pPr>
-            <a:r>
-              <a:rPr lang="en-US" altLang="zh-TW" dirty="0" smtClean="0"/>
-              <a:t>	</a:t>
-            </a:r>
-            <a:r>
-              <a:rPr lang="en-US" altLang="zh-TW" dirty="0" smtClean="0">
-                <a:latin typeface="Verdana" pitchFamily="34" charset="0"/>
-                <a:ea typeface="Verdana" pitchFamily="34" charset="0"/>
-                <a:cs typeface="Verdana" pitchFamily="34" charset="0"/>
-              </a:rPr>
-              <a:t>Defensive</a:t>
-            </a:r>
-            <a:r>
-              <a:rPr lang="zh-TW" altLang="en-US" dirty="0" smtClean="0">
-                <a:latin typeface="Verdana" pitchFamily="34" charset="0"/>
-                <a:cs typeface="Verdana" pitchFamily="34" charset="0"/>
-              </a:rPr>
-              <a:t> </a:t>
-            </a:r>
-            <a:r>
-              <a:rPr lang="en-US" altLang="zh-TW" dirty="0" smtClean="0">
-                <a:latin typeface="Verdana" pitchFamily="34" charset="0"/>
-                <a:ea typeface="Verdana" pitchFamily="34" charset="0"/>
-                <a:cs typeface="Verdana" pitchFamily="34" charset="0"/>
-              </a:rPr>
-              <a:t>Programing</a:t>
-            </a:r>
-            <a:r>
-              <a:rPr lang="zh-TW" altLang="en-US" dirty="0" smtClean="0">
-                <a:latin typeface="標楷體" pitchFamily="65" charset="-120"/>
-                <a:ea typeface="標楷體" pitchFamily="65" charset="-120"/>
-              </a:rPr>
-              <a:t>是一個概念，想要讓程式盡可能的減少例外情況，並且對這些例外情況做處理，而這些外例外情況有從外部來的</a:t>
-            </a:r>
-            <a:r>
-              <a:rPr lang="en-US" altLang="zh-TW" dirty="0" smtClean="0">
-                <a:latin typeface="標楷體" pitchFamily="65" charset="-120"/>
-                <a:ea typeface="標楷體" pitchFamily="65" charset="-120"/>
-              </a:rPr>
-              <a:t>(</a:t>
-            </a:r>
-            <a:r>
-              <a:rPr lang="zh-TW" altLang="en-US" dirty="0" smtClean="0">
-                <a:latin typeface="標楷體" pitchFamily="65" charset="-120"/>
-                <a:ea typeface="標楷體" pitchFamily="65" charset="-120"/>
-              </a:rPr>
-              <a:t>使用者</a:t>
-            </a:r>
-            <a:r>
-              <a:rPr lang="en-US" altLang="zh-TW" dirty="0" smtClean="0">
-                <a:latin typeface="標楷體" pitchFamily="65" charset="-120"/>
-                <a:ea typeface="標楷體" pitchFamily="65" charset="-120"/>
-              </a:rPr>
-              <a:t>)</a:t>
-            </a:r>
-            <a:r>
-              <a:rPr lang="zh-TW" altLang="en-US" dirty="0" smtClean="0">
-                <a:latin typeface="標楷體" pitchFamily="65" charset="-120"/>
-                <a:ea typeface="標楷體" pitchFamily="65" charset="-120"/>
-              </a:rPr>
-              <a:t>，以及內部本身的例外也就是程式執行的才會發生的例外情況，例如資料庫的錯誤或是函式之間資料的傳遞產生錯誤，這時候要能夠抓出這些情況，並且盡可能的做出對應措施，而不是直接丟出錯誤訊息並把使用者踢出去。</a:t>
-            </a:r>
-            <a:endParaRPr lang="en-US" altLang="zh-TW" dirty="0" smtClean="0">
-              <a:latin typeface="標楷體" pitchFamily="65" charset="-120"/>
-              <a:ea typeface="標楷體" pitchFamily="65" charset="-120"/>
-            </a:endParaRPr>
-          </a:p>
-          <a:p>
-            <a:pPr marL="0" indent="0">
-              <a:buNone/>
-            </a:pPr>
-            <a:r>
-              <a:rPr lang="en-US" altLang="zh-TW" dirty="0"/>
-              <a:t>	</a:t>
-            </a:r>
-            <a:r>
-              <a:rPr lang="zh-TW" altLang="en-US" dirty="0" smtClean="0">
-                <a:latin typeface="標楷體" pitchFamily="65" charset="-120"/>
-                <a:ea typeface="標楷體" pitchFamily="65" charset="-120"/>
-              </a:rPr>
-              <a:t>通常會運用到</a:t>
-            </a:r>
-            <a:r>
-              <a:rPr lang="en-US" altLang="zh-TW" dirty="0">
-                <a:latin typeface="Verdana" pitchFamily="34" charset="0"/>
-                <a:ea typeface="Verdana" pitchFamily="34" charset="0"/>
-                <a:cs typeface="Verdana" pitchFamily="34" charset="0"/>
-              </a:rPr>
-              <a:t>Defensive</a:t>
-            </a:r>
-            <a:r>
-              <a:rPr lang="zh-TW" altLang="en-US" dirty="0">
-                <a:latin typeface="Verdana" pitchFamily="34" charset="0"/>
-                <a:cs typeface="Verdana" pitchFamily="34" charset="0"/>
-              </a:rPr>
-              <a:t> </a:t>
-            </a:r>
-            <a:r>
-              <a:rPr lang="en-US" altLang="zh-TW" dirty="0" smtClean="0">
-                <a:latin typeface="Verdana" pitchFamily="34" charset="0"/>
-                <a:ea typeface="Verdana" pitchFamily="34" charset="0"/>
-                <a:cs typeface="Verdana" pitchFamily="34" charset="0"/>
-              </a:rPr>
-              <a:t>Programing</a:t>
-            </a:r>
-            <a:r>
-              <a:rPr lang="zh-TW" altLang="en-US" dirty="0" smtClean="0">
-                <a:latin typeface="標楷體" pitchFamily="65" charset="-120"/>
-                <a:ea typeface="標楷體" pitchFamily="65" charset="-120"/>
-              </a:rPr>
-              <a:t>概念的原因，是無法預測的使用者操作或是輸入，或許是有意或許是無意，但都會造成程式的例外情況，最常見的就是隱碼攻擊，而有人就提出簡潔的看法就是不如追朔回去找尋為什會有這樣奇怪的輸入值</a:t>
-            </a:r>
-            <a:r>
-              <a:rPr lang="en-US" altLang="zh-TW" dirty="0" smtClean="0">
-                <a:latin typeface="標楷體" pitchFamily="65" charset="-120"/>
-                <a:ea typeface="標楷體" pitchFamily="65" charset="-120"/>
-              </a:rPr>
-              <a:t>!?</a:t>
-            </a:r>
-            <a:r>
-              <a:rPr lang="en-US" altLang="zh-TW" dirty="0">
-                <a:latin typeface="標楷體" pitchFamily="65" charset="-120"/>
-                <a:ea typeface="標楷體" pitchFamily="65" charset="-120"/>
-              </a:rPr>
-              <a:t>	</a:t>
-            </a:r>
-            <a:endParaRPr lang="en-US" altLang="zh-TW" dirty="0" smtClean="0">
-              <a:latin typeface="標楷體" pitchFamily="65" charset="-120"/>
-              <a:ea typeface="標楷體" pitchFamily="65" charset="-120"/>
-            </a:endParaRPr>
+            <a:endParaRPr lang="zh-TW" altLang="en-US"/>
           </a:p>
         </p:txBody>
       </p:sp>
@@ -8266,27 +8832,17 @@
         </p:nvSpPr>
         <p:spPr/>
         <p:txBody>
-          <a:bodyPr>
-            <a:normAutofit/>
-          </a:bodyPr>
+          <a:bodyPr/>
           <a:lstStyle/>
           <a:p>
-            <a:r>
-              <a:rPr lang="zh-TW" altLang="en-US" sz="4000" dirty="0" smtClean="0"/>
-              <a:t>未縮減之完整心得</a:t>
-            </a:r>
-            <a:r>
-              <a:rPr lang="zh-TW" altLang="en-US" sz="4000" dirty="0" smtClean="0"/>
-              <a:t>感想</a:t>
-            </a:r>
-            <a:endParaRPr lang="zh-TW" altLang="en-US" sz="4000" dirty="0"/>
+            <a:endParaRPr lang="zh-TW" altLang="en-US"/>
           </a:p>
         </p:txBody>
       </p:sp>
     </p:spTree>
     <p:extLst>
       <p:ext uri="{BB962C8B-B14F-4D97-AF65-F5344CB8AC3E}">
-        <p14:creationId xmlns:p14="http://schemas.microsoft.com/office/powerpoint/2010/main" val="2787851015"/>
+        <p14:creationId xmlns:p14="http://schemas.microsoft.com/office/powerpoint/2010/main" val="1282707772"/>
       </p:ext>
     </p:extLst>
   </p:cSld>
@@ -8333,6 +8889,221 @@
         <p:spPr/>
         <p:txBody>
           <a:bodyPr>
+            <a:normAutofit lnSpcReduction="10000"/>
+          </a:bodyPr>
+          <a:lstStyle/>
+          <a:p>
+            <a:pPr marL="0" indent="0">
+              <a:buNone/>
+            </a:pPr>
+            <a:r>
+              <a:rPr lang="en-US" altLang="zh-TW" dirty="0" smtClean="0"/>
+              <a:t>	</a:t>
+            </a:r>
+            <a:r>
+              <a:rPr lang="en-US" altLang="zh-TW" dirty="0" smtClean="0">
+                <a:latin typeface="Verdana" pitchFamily="34" charset="0"/>
+                <a:ea typeface="Verdana" pitchFamily="34" charset="0"/>
+                <a:cs typeface="Verdana" pitchFamily="34" charset="0"/>
+              </a:rPr>
+              <a:t>Defensive</a:t>
+            </a:r>
+            <a:r>
+              <a:rPr lang="zh-TW" altLang="en-US" dirty="0" smtClean="0">
+                <a:latin typeface="Verdana" pitchFamily="34" charset="0"/>
+                <a:cs typeface="Verdana" pitchFamily="34" charset="0"/>
+              </a:rPr>
+              <a:t> </a:t>
+            </a:r>
+            <a:r>
+              <a:rPr lang="en-US" altLang="zh-TW" dirty="0" smtClean="0">
+                <a:latin typeface="Verdana" pitchFamily="34" charset="0"/>
+                <a:ea typeface="Verdana" pitchFamily="34" charset="0"/>
+                <a:cs typeface="Verdana" pitchFamily="34" charset="0"/>
+              </a:rPr>
+              <a:t>Programing</a:t>
+            </a:r>
+            <a:r>
+              <a:rPr lang="zh-TW" altLang="en-US" dirty="0" smtClean="0">
+                <a:latin typeface="標楷體" pitchFamily="65" charset="-120"/>
+                <a:ea typeface="標楷體" pitchFamily="65" charset="-120"/>
+              </a:rPr>
+              <a:t>是一個概念，想要讓程式盡可能的減少例外情況，並且對這些例外情況做處理，而這些外例外情況有從外部來的</a:t>
+            </a:r>
+            <a:r>
+              <a:rPr lang="en-US" altLang="zh-TW" dirty="0" smtClean="0">
+                <a:latin typeface="標楷體" pitchFamily="65" charset="-120"/>
+                <a:ea typeface="標楷體" pitchFamily="65" charset="-120"/>
+              </a:rPr>
+              <a:t>(</a:t>
+            </a:r>
+            <a:r>
+              <a:rPr lang="zh-TW" altLang="en-US" dirty="0" smtClean="0">
+                <a:latin typeface="標楷體" pitchFamily="65" charset="-120"/>
+                <a:ea typeface="標楷體" pitchFamily="65" charset="-120"/>
+              </a:rPr>
+              <a:t>使用者</a:t>
+            </a:r>
+            <a:r>
+              <a:rPr lang="en-US" altLang="zh-TW" dirty="0" smtClean="0">
+                <a:latin typeface="標楷體" pitchFamily="65" charset="-120"/>
+                <a:ea typeface="標楷體" pitchFamily="65" charset="-120"/>
+              </a:rPr>
+              <a:t>)</a:t>
+            </a:r>
+            <a:r>
+              <a:rPr lang="zh-TW" altLang="en-US" dirty="0" smtClean="0">
+                <a:latin typeface="標楷體" pitchFamily="65" charset="-120"/>
+                <a:ea typeface="標楷體" pitchFamily="65" charset="-120"/>
+              </a:rPr>
+              <a:t>，以及內部本身的例外也就是程式執行的才會發生的例外情況，例如資料庫的錯誤或是函式之間資料的傳遞產生錯誤，這時候要能夠抓出這些情況，並且盡可能的做出對應措施，而不是直接丟出錯誤訊息並把使用者踢出去。</a:t>
+            </a:r>
+            <a:endParaRPr lang="en-US" altLang="zh-TW" dirty="0" smtClean="0">
+              <a:latin typeface="標楷體" pitchFamily="65" charset="-120"/>
+              <a:ea typeface="標楷體" pitchFamily="65" charset="-120"/>
+            </a:endParaRPr>
+          </a:p>
+          <a:p>
+            <a:pPr marL="0" indent="0">
+              <a:buNone/>
+            </a:pPr>
+            <a:r>
+              <a:rPr lang="en-US" altLang="zh-TW" dirty="0"/>
+              <a:t>	</a:t>
+            </a:r>
+            <a:r>
+              <a:rPr lang="zh-TW" altLang="en-US" dirty="0" smtClean="0">
+                <a:latin typeface="標楷體" pitchFamily="65" charset="-120"/>
+                <a:ea typeface="標楷體" pitchFamily="65" charset="-120"/>
+              </a:rPr>
+              <a:t>通常會運用到</a:t>
+            </a:r>
+            <a:r>
+              <a:rPr lang="en-US" altLang="zh-TW" dirty="0">
+                <a:latin typeface="Verdana" pitchFamily="34" charset="0"/>
+                <a:ea typeface="Verdana" pitchFamily="34" charset="0"/>
+                <a:cs typeface="Verdana" pitchFamily="34" charset="0"/>
+              </a:rPr>
+              <a:t>Defensive</a:t>
+            </a:r>
+            <a:r>
+              <a:rPr lang="zh-TW" altLang="en-US" dirty="0">
+                <a:latin typeface="Verdana" pitchFamily="34" charset="0"/>
+                <a:cs typeface="Verdana" pitchFamily="34" charset="0"/>
+              </a:rPr>
+              <a:t> </a:t>
+            </a:r>
+            <a:r>
+              <a:rPr lang="en-US" altLang="zh-TW" dirty="0" smtClean="0">
+                <a:latin typeface="Verdana" pitchFamily="34" charset="0"/>
+                <a:ea typeface="Verdana" pitchFamily="34" charset="0"/>
+                <a:cs typeface="Verdana" pitchFamily="34" charset="0"/>
+              </a:rPr>
+              <a:t>Programing</a:t>
+            </a:r>
+            <a:r>
+              <a:rPr lang="zh-TW" altLang="en-US" dirty="0" smtClean="0">
+                <a:latin typeface="標楷體" pitchFamily="65" charset="-120"/>
+                <a:ea typeface="標楷體" pitchFamily="65" charset="-120"/>
+              </a:rPr>
+              <a:t>概念的原因，是無法預測的使用者操作或是輸入，或許是有意或許是無意，但都會造成程式的例外情況，最常見的就是隱碼攻擊，而有人就提出簡潔的看法就是不如追朔回去找尋為什會有這樣奇怪的輸入值</a:t>
+            </a:r>
+            <a:r>
+              <a:rPr lang="en-US" altLang="zh-TW" dirty="0" smtClean="0">
+                <a:latin typeface="標楷體" pitchFamily="65" charset="-120"/>
+                <a:ea typeface="標楷體" pitchFamily="65" charset="-120"/>
+              </a:rPr>
+              <a:t>!?</a:t>
+            </a:r>
+            <a:r>
+              <a:rPr lang="en-US" altLang="zh-TW" dirty="0">
+                <a:latin typeface="標楷體" pitchFamily="65" charset="-120"/>
+                <a:ea typeface="標楷體" pitchFamily="65" charset="-120"/>
+              </a:rPr>
+              <a:t>	</a:t>
+            </a:r>
+            <a:endParaRPr lang="en-US" altLang="zh-TW" dirty="0" smtClean="0">
+              <a:latin typeface="標楷體" pitchFamily="65" charset="-120"/>
+              <a:ea typeface="標楷體" pitchFamily="65" charset="-120"/>
+            </a:endParaRPr>
+          </a:p>
+        </p:txBody>
+      </p:sp>
+      <p:sp>
+        <p:nvSpPr>
+          <p:cNvPr id="3" name="標題 2"/>
+          <p:cNvSpPr>
+            <a:spLocks noGrp="1"/>
+          </p:cNvSpPr>
+          <p:nvPr>
+            <p:ph type="title"/>
+          </p:nvPr>
+        </p:nvSpPr>
+        <p:spPr/>
+        <p:txBody>
+          <a:bodyPr>
+            <a:normAutofit/>
+          </a:bodyPr>
+          <a:lstStyle/>
+          <a:p>
+            <a:r>
+              <a:rPr lang="zh-TW" altLang="en-US" sz="4000" dirty="0" smtClean="0"/>
+              <a:t>未縮減之完整心得感想</a:t>
+            </a:r>
+            <a:endParaRPr lang="zh-TW" altLang="en-US" sz="4000" dirty="0"/>
+          </a:p>
+        </p:txBody>
+      </p:sp>
+    </p:spTree>
+    <p:extLst>
+      <p:ext uri="{BB962C8B-B14F-4D97-AF65-F5344CB8AC3E}">
+        <p14:creationId xmlns:p14="http://schemas.microsoft.com/office/powerpoint/2010/main" val="2787851015"/>
+      </p:ext>
+    </p:extLst>
+  </p:cSld>
+  <p:clrMapOvr>
+    <a:masterClrMapping/>
+  </p:clrMapOvr>
+  <p:timing>
+    <p:tnLst>
+      <p:par>
+        <p:cTn id="1" dur="indefinite" restart="never" nodeType="tmRoot"/>
+      </p:par>
+    </p:tnLst>
+  </p:timing>
+</p:sld>
+</file>
+
+<file path=ppt/slides/slide25.xml><?xml version="1.0" encoding="utf-8"?>
+<p:sld xmlns:a="http://schemas.openxmlformats.org/drawingml/2006/main" xmlns:r="http://schemas.openxmlformats.org/officeDocument/2006/relationships" xmlns:p="http://schemas.openxmlformats.org/presentationml/2006/main">
+  <p:cSld>
+    <p:spTree>
+      <p:nvGrpSpPr>
+        <p:cNvPr id="1" name=""/>
+        <p:cNvGrpSpPr/>
+        <p:nvPr/>
+      </p:nvGrpSpPr>
+      <p:grpSpPr>
+        <a:xfrm>
+          <a:off x="0" y="0"/>
+          <a:ext cx="0" cy="0"/>
+          <a:chOff x="0" y="0"/>
+          <a:chExt cx="0" cy="0"/>
+        </a:xfrm>
+      </p:grpSpPr>
+      <p:sp>
+        <p:nvSpPr>
+          <p:cNvPr id="2" name="內容版面配置區 1"/>
+          <p:cNvSpPr>
+            <a:spLocks noGrp="1"/>
+          </p:cNvSpPr>
+          <p:nvPr>
+            <p:ph idx="1"/>
+          </p:nvPr>
+        </p:nvSpPr>
+        <p:spPr/>
+        <p:txBody>
+          <a:bodyPr>
             <a:normAutofit/>
           </a:bodyPr>
           <a:lstStyle/>
@@ -8476,7 +9247,7 @@
 </p:sld>
 </file>
 
-<file path=ppt/slides/slide25.xml><?xml version="1.0" encoding="utf-8"?>
+<file path=ppt/slides/slide26.xml><?xml version="1.0" encoding="utf-8"?>
 <p:sld xmlns:a="http://schemas.openxmlformats.org/drawingml/2006/main" xmlns:r="http://schemas.openxmlformats.org/officeDocument/2006/relationships" xmlns:p="http://schemas.openxmlformats.org/presentationml/2006/main">
   <p:cSld>
     <p:spTree>
@@ -8805,7 +9576,7 @@
 </p:sld>
 </file>
 
-<file path=ppt/slides/slide26.xml><?xml version="1.0" encoding="utf-8"?>
+<file path=ppt/slides/slide27.xml><?xml version="1.0" encoding="utf-8"?>
 <p:sld xmlns:a="http://schemas.openxmlformats.org/drawingml/2006/main" xmlns:r="http://schemas.openxmlformats.org/officeDocument/2006/relationships" xmlns:p="http://schemas.openxmlformats.org/presentationml/2006/main">
   <p:cSld>
     <p:spTree>
@@ -8975,10 +9746,17 @@
   <p:clrMapOvr>
     <a:masterClrMapping/>
   </p:clrMapOvr>
+  <p:timing>
+    <p:tnLst>
+      <p:par>
+        <p:cTn id="1" dur="indefinite" restart="never" nodeType="tmRoot"/>
+      </p:par>
+    </p:tnLst>
+  </p:timing>
 </p:sld>
 </file>
 
-<file path=ppt/slides/slide27.xml><?xml version="1.0" encoding="utf-8"?>
+<file path=ppt/slides/slide28.xml><?xml version="1.0" encoding="utf-8"?>
 <p:sld xmlns:a="http://schemas.openxmlformats.org/drawingml/2006/main" xmlns:r="http://schemas.openxmlformats.org/officeDocument/2006/relationships" xmlns:p="http://schemas.openxmlformats.org/presentationml/2006/main">
   <p:cSld>
     <p:spTree>
@@ -9138,6 +9916,13 @@
   <p:clrMapOvr>
     <a:masterClrMapping/>
   </p:clrMapOvr>
+  <p:timing>
+    <p:tnLst>
+      <p:par>
+        <p:cTn id="1" dur="indefinite" restart="never" nodeType="tmRoot"/>
+      </p:par>
+    </p:tnLst>
+  </p:timing>
 </p:sld>
 </file>
 
@@ -9354,6 +10139,13 @@
   <p:clrMapOvr>
     <a:masterClrMapping/>
   </p:clrMapOvr>
+  <p:timing>
+    <p:tnLst>
+      <p:par>
+        <p:cTn id="1" dur="indefinite" restart="never" nodeType="tmRoot"/>
+      </p:par>
+    </p:tnLst>
+  </p:timing>
 </p:sld>
 </file>
 
@@ -9442,17 +10234,33 @@
                   <a:schemeClr val="tx1"/>
                 </a:solidFill>
               </a:rPr>
-              <a:t>讓程式不會輕易</a:t>
-            </a:r>
-            <a:r>
-              <a:rPr lang="en-US" altLang="zh-TW" sz="5100" dirty="0" smtClean="0">
-                <a:solidFill>
-                  <a:schemeClr val="tx1"/>
-                </a:solidFill>
-              </a:rPr>
-              <a:t>crash</a:t>
-            </a:r>
-            <a:endParaRPr lang="en-US" altLang="zh-TW" sz="4300" dirty="0">
+              <a:t>防範</a:t>
+            </a:r>
+            <a:r>
+              <a:rPr lang="zh-TW" altLang="en-US" sz="5100" dirty="0">
+                <a:solidFill>
+                  <a:schemeClr val="tx1"/>
+                </a:solidFill>
+              </a:rPr>
+              <a:t>例外</a:t>
+            </a:r>
+            <a:r>
+              <a:rPr lang="zh-TW" altLang="en-US" sz="5100" dirty="0" smtClean="0">
+                <a:solidFill>
+                  <a:schemeClr val="tx1"/>
+                </a:solidFill>
+              </a:rPr>
+              <a:t>的</a:t>
+            </a:r>
+            <a:r>
+              <a:rPr lang="zh-TW" altLang="en-US" sz="5100" dirty="0" smtClean="0">
+                <a:solidFill>
+                  <a:schemeClr val="tx1"/>
+                </a:solidFill>
+              </a:rPr>
+              <a:t>錯誤</a:t>
+            </a:r>
+            <a:endParaRPr lang="en-US" altLang="zh-TW" sz="5100" dirty="0" smtClean="0">
               <a:solidFill>
                 <a:schemeClr val="tx1"/>
               </a:solidFill>
@@ -9463,7 +10271,7 @@
               <a:buFont typeface="Wingdings" pitchFamily="2" charset="2"/>
               <a:buChar char="n"/>
             </a:pPr>
-            <a:endParaRPr lang="en-US" altLang="zh-TW" sz="4300" dirty="0" smtClean="0">
+            <a:endParaRPr lang="en-US" altLang="zh-TW" sz="5100" dirty="0" smtClean="0">
               <a:solidFill>
                 <a:schemeClr val="tx1"/>
               </a:solidFill>
@@ -9480,7 +10288,7 @@
                   <a:schemeClr val="tx1"/>
                 </a:solidFill>
               </a:rPr>
-              <a:t>讓</a:t>
+              <a:t>使用起來</a:t>
             </a:r>
             <a:r>
               <a:rPr lang="zh-TW" altLang="en-US" sz="5100" dirty="0" smtClean="0">
@@ -9488,7 +10296,7 @@
                   <a:schemeClr val="tx1"/>
                 </a:solidFill>
               </a:rPr>
-              <a:t>使用者</a:t>
+              <a:t>更</a:t>
             </a:r>
             <a:r>
               <a:rPr lang="zh-TW" altLang="en-US" sz="5100" dirty="0">
@@ -9496,15 +10304,7 @@
                   <a:schemeClr val="tx1"/>
                 </a:solidFill>
               </a:rPr>
-              <a:t>願意使用這個</a:t>
-            </a:r>
-            <a:r>
-              <a:rPr lang="zh-TW" altLang="en-US" sz="5100" dirty="0" smtClean="0">
-                <a:solidFill>
-                  <a:schemeClr val="tx1"/>
-                </a:solidFill>
-              </a:rPr>
-              <a:t>程式</a:t>
+              <a:t>穩定</a:t>
             </a:r>
             <a:endParaRPr lang="en-US" altLang="zh-TW" sz="5100" dirty="0" smtClean="0">
               <a:solidFill>
@@ -9872,82 +10672,11 @@
           <a:bodyPr/>
           <a:lstStyle/>
           <a:p>
-            <a:pPr marL="365760" lvl="1" indent="0">
-              <a:buNone/>
-            </a:pPr>
-            <a:r>
-              <a:rPr lang="zh-TW" altLang="en-US" sz="3200" dirty="0" smtClean="0">
-                <a:solidFill>
-                  <a:schemeClr val="tx1"/>
-                </a:solidFill>
-              </a:rPr>
-              <a:t>當一個程式具備 </a:t>
-            </a:r>
-            <a:r>
-              <a:rPr lang="en-US" altLang="zh-TW" sz="3200" dirty="0" smtClean="0">
-                <a:solidFill>
-                  <a:schemeClr val="tx1"/>
-                </a:solidFill>
-              </a:rPr>
-              <a:t>:</a:t>
-            </a:r>
-          </a:p>
-          <a:p>
-            <a:pPr marL="365760" lvl="1" indent="0">
-              <a:buNone/>
-            </a:pPr>
-            <a:endParaRPr lang="en-US" altLang="zh-TW" sz="3200" dirty="0">
-              <a:solidFill>
-                <a:schemeClr val="tx1"/>
-              </a:solidFill>
-            </a:endParaRPr>
-          </a:p>
-          <a:p>
             <a:pPr lvl="1">
               <a:buFont typeface="Wingdings" pitchFamily="2" charset="2"/>
               <a:buChar char="ü"/>
             </a:pPr>
-            <a:r>
-              <a:rPr lang="en-US" altLang="zh-TW" dirty="0" smtClean="0">
-                <a:solidFill>
-                  <a:schemeClr val="tx1"/>
-                </a:solidFill>
-              </a:rPr>
-              <a:t>	</a:t>
-            </a:r>
-            <a:r>
-              <a:rPr lang="zh-TW" altLang="en-US" dirty="0">
-                <a:solidFill>
-                  <a:schemeClr val="tx1"/>
-                </a:solidFill>
-              </a:rPr>
-              <a:t>預測</a:t>
-            </a:r>
-            <a:r>
-              <a:rPr lang="zh-TW" altLang="en-US" dirty="0" smtClean="0">
-                <a:solidFill>
-                  <a:schemeClr val="tx1"/>
-                </a:solidFill>
-              </a:rPr>
-              <a:t>所有</a:t>
-            </a:r>
-            <a:r>
-              <a:rPr lang="zh-TW" altLang="en-US" dirty="0">
-                <a:solidFill>
-                  <a:schemeClr val="tx1"/>
-                </a:solidFill>
-              </a:rPr>
-              <a:t>外部</a:t>
-            </a:r>
-            <a:r>
-              <a:rPr lang="zh-TW" altLang="en-US" dirty="0" smtClean="0">
-                <a:solidFill>
-                  <a:schemeClr val="tx1"/>
-                </a:solidFill>
-              </a:rPr>
-              <a:t>資料</a:t>
-            </a:r>
-            <a:endParaRPr lang="en-US" altLang="zh-TW" dirty="0">
+            <a:endParaRPr lang="en-US" altLang="zh-TW" dirty="0" smtClean="0">
               <a:solidFill>
                 <a:schemeClr val="tx1"/>
               </a:solidFill>
@@ -9958,31 +10687,7 @@
               <a:buFont typeface="Wingdings" pitchFamily="2" charset="2"/>
               <a:buChar char="ü"/>
             </a:pPr>
-            <a:r>
-              <a:rPr lang="zh-TW" altLang="en-US" dirty="0" smtClean="0">
-                <a:solidFill>
-                  <a:schemeClr val="tx1"/>
-                </a:solidFill>
-              </a:rPr>
-              <a:t>   處理</a:t>
-            </a:r>
-            <a:r>
-              <a:rPr lang="zh-TW" altLang="en-US" dirty="0">
-                <a:solidFill>
-                  <a:schemeClr val="tx1"/>
-                </a:solidFill>
-              </a:rPr>
-              <a:t>怪異的</a:t>
-            </a:r>
-            <a:r>
-              <a:rPr lang="zh-TW" altLang="en-US" dirty="0" smtClean="0">
-                <a:solidFill>
-                  <a:schemeClr val="tx1"/>
-                </a:solidFill>
-              </a:rPr>
-              <a:t>輸入及操作</a:t>
-            </a:r>
-            <a:endParaRPr lang="en-US" altLang="zh-TW" dirty="0" smtClean="0">
+            <a:endParaRPr lang="en-US" altLang="zh-TW" dirty="0">
               <a:solidFill>
                 <a:schemeClr val="tx1"/>
               </a:solidFill>
@@ -9993,14 +10698,6 @@
               <a:buFont typeface="Wingdings" pitchFamily="2" charset="2"/>
               <a:buChar char="ü"/>
             </a:pPr>
-            <a:r>
-              <a:rPr lang="zh-TW" altLang="en-US" dirty="0" smtClean="0">
-                <a:solidFill>
-                  <a:schemeClr val="tx1"/>
-                </a:solidFill>
-              </a:rPr>
-              <a:t>   例外處理</a:t>
-            </a:r>
             <a:endParaRPr lang="en-US" altLang="zh-TW" dirty="0" smtClean="0">
               <a:solidFill>
                 <a:schemeClr val="tx1"/>
@@ -10008,19 +10705,18 @@
             </a:endParaRPr>
           </a:p>
           <a:p>
-            <a:pPr lvl="1">
-              <a:buFont typeface="Wingdings" pitchFamily="2" charset="2"/>
-              <a:buChar char="ü"/>
-            </a:pPr>
-            <a:r>
-              <a:rPr lang="zh-TW" altLang="en-US" dirty="0" smtClean="0">
-                <a:solidFill>
-                  <a:schemeClr val="tx1"/>
-                </a:solidFill>
-              </a:rPr>
-              <a:t>   執行期間的錯誤修正</a:t>
-            </a:r>
-            <a:endParaRPr lang="en-US" altLang="zh-TW" dirty="0" smtClean="0">
+            <a:pPr marL="365760" lvl="1" indent="0" algn="ctr">
+              <a:buNone/>
+            </a:pPr>
+            <a:r>
+              <a:rPr lang="zh-TW" altLang="en-US" sz="4000" dirty="0" smtClean="0">
+                <a:solidFill>
+                  <a:schemeClr val="tx1"/>
+                </a:solidFill>
+              </a:rPr>
+              <a:t>防範例外的錯誤</a:t>
+            </a:r>
+            <a:endParaRPr lang="en-US" altLang="zh-TW" sz="4000" dirty="0">
               <a:solidFill>
                 <a:schemeClr val="tx1"/>
               </a:solidFill>
@@ -10122,74 +10818,10 @@
           </a:p>
         </p:txBody>
       </p:sp>
-      <p:pic>
-        <p:nvPicPr>
-          <p:cNvPr id="5123" name="Picture 3"/>
-          <p:cNvPicPr>
-            <a:picLocks noChangeAspect="1" noChangeArrowheads="1"/>
-          </p:cNvPicPr>
-          <p:nvPr/>
-        </p:nvPicPr>
-        <p:blipFill>
-          <a:blip r:embed="rId3">
-            <a:extLst>
-              <a:ext uri="{28A0092B-C50C-407E-A947-70E740481C1C}">
-                <a14:useLocalDpi xmlns:a14="http://schemas.microsoft.com/office/drawing/2010/main" val="0"/>
-              </a:ext>
-            </a:extLst>
-          </a:blip>
-          <a:srcRect/>
-          <a:stretch>
-            <a:fillRect/>
-          </a:stretch>
-        </p:blipFill>
-        <p:spPr bwMode="auto">
-          <a:xfrm>
-            <a:off x="5364088" y="2348880"/>
-            <a:ext cx="2665946" cy="2672730"/>
-          </a:xfrm>
-          <a:prstGeom prst="rect">
-            <a:avLst/>
-          </a:prstGeom>
-          <a:noFill/>
-          <a:ln>
-            <a:noFill/>
-          </a:ln>
-          <a:effectLst/>
-          <a:extLst>
-            <a:ext uri="{909E8E84-426E-40DD-AFC4-6F175D3DCCD1}">
-              <a14:hiddenFill xmlns:a14="http://schemas.microsoft.com/office/drawing/2010/main">
-                <a:solidFill>
-                  <a:schemeClr val="accent1"/>
-                </a:solidFill>
-              </a14:hiddenFill>
-            </a:ext>
-            <a:ext uri="{91240B29-F687-4F45-9708-019B960494DF}">
-              <a14:hiddenLine xmlns:a14="http://schemas.microsoft.com/office/drawing/2010/main" w="9525">
-                <a:solidFill>
-                  <a:schemeClr val="tx1"/>
-                </a:solidFill>
-                <a:miter lim="800000"/>
-                <a:headEnd/>
-                <a:tailEnd/>
-              </a14:hiddenLine>
-            </a:ext>
-            <a:ext uri="{AF507438-7753-43E0-B8FC-AC1667EBCBE1}">
-              <a14:hiddenEffects xmlns:a14="http://schemas.microsoft.com/office/drawing/2010/main">
-                <a:effectLst>
-                  <a:outerShdw dist="35921" dir="2700000" algn="ctr" rotWithShape="0">
-                    <a:schemeClr val="bg2"/>
-                  </a:outerShdw>
-                </a:effectLst>
-              </a14:hiddenEffects>
-            </a:ext>
-          </a:extLst>
-        </p:spPr>
-      </p:pic>
     </p:spTree>
     <p:extLst>
       <p:ext uri="{BB962C8B-B14F-4D97-AF65-F5344CB8AC3E}">
-        <p14:creationId xmlns:p14="http://schemas.microsoft.com/office/powerpoint/2010/main" val="1544140407"/>
+        <p14:creationId xmlns:p14="http://schemas.microsoft.com/office/powerpoint/2010/main" val="3147385390"/>
       </p:ext>
     </p:extLst>
   </p:cSld>
@@ -10235,14 +10867,52 @@
         </p:nvSpPr>
         <p:spPr/>
         <p:txBody>
-          <a:bodyPr/>
+          <a:bodyPr>
+            <a:normAutofit fontScale="40000" lnSpcReduction="20000"/>
+          </a:bodyPr>
           <a:lstStyle/>
+          <a:p>
+            <a:pPr marL="365760" lvl="1" indent="0">
+              <a:buNone/>
+            </a:pPr>
+            <a:r>
+              <a:rPr lang="zh-TW" altLang="en-US" sz="8000" dirty="0" smtClean="0">
+                <a:solidFill>
+                  <a:schemeClr val="tx1"/>
+                </a:solidFill>
+              </a:rPr>
+              <a:t>例外錯誤的產生</a:t>
+            </a:r>
+            <a:endParaRPr lang="en-US" altLang="zh-TW" sz="8000" dirty="0" smtClean="0">
+              <a:solidFill>
+                <a:schemeClr val="tx1"/>
+              </a:solidFill>
+            </a:endParaRPr>
+          </a:p>
+          <a:p>
+            <a:pPr marL="365760" lvl="1" indent="0">
+              <a:buNone/>
+            </a:pPr>
+            <a:endParaRPr lang="en-US" altLang="zh-TW" sz="5800" dirty="0">
+              <a:solidFill>
+                <a:schemeClr val="tx1"/>
+              </a:solidFill>
+            </a:endParaRPr>
+          </a:p>
           <a:p>
             <a:pPr lvl="1">
               <a:buFont typeface="Wingdings" pitchFamily="2" charset="2"/>
-              <a:buChar char="ü"/>
-            </a:pPr>
-            <a:endParaRPr lang="en-US" altLang="zh-TW" dirty="0" smtClean="0">
+              <a:buChar char="n"/>
+            </a:pPr>
+            <a:r>
+              <a:rPr lang="zh-TW" altLang="en-US" sz="6000" dirty="0" smtClean="0">
+                <a:solidFill>
+                  <a:schemeClr val="tx1"/>
+                </a:solidFill>
+              </a:rPr>
+              <a:t>外部資料的輸入</a:t>
+            </a:r>
+            <a:endParaRPr lang="en-US" altLang="zh-TW" sz="6000" dirty="0" smtClean="0">
               <a:solidFill>
                 <a:schemeClr val="tx1"/>
               </a:solidFill>
@@ -10251,9 +10921,9 @@
           <a:p>
             <a:pPr lvl="1">
               <a:buFont typeface="Wingdings" pitchFamily="2" charset="2"/>
-              <a:buChar char="ü"/>
-            </a:pPr>
-            <a:endParaRPr lang="en-US" altLang="zh-TW" dirty="0">
+              <a:buChar char="n"/>
+            </a:pPr>
+            <a:endParaRPr lang="en-US" altLang="zh-TW" sz="5100" dirty="0">
               <a:solidFill>
                 <a:schemeClr val="tx1"/>
               </a:solidFill>
@@ -10262,43 +10932,9 @@
           <a:p>
             <a:pPr lvl="1">
               <a:buFont typeface="Wingdings" pitchFamily="2" charset="2"/>
-              <a:buChar char="ü"/>
-            </a:pPr>
-            <a:endParaRPr lang="en-US" altLang="zh-TW" dirty="0" smtClean="0">
-              <a:solidFill>
-                <a:schemeClr val="tx1"/>
-              </a:solidFill>
-            </a:endParaRPr>
-          </a:p>
-          <a:p>
-            <a:pPr marL="365760" lvl="1" indent="0" algn="ctr">
-              <a:buNone/>
-            </a:pPr>
-            <a:r>
-              <a:rPr lang="zh-TW" altLang="en-US" sz="4000" dirty="0" smtClean="0">
-                <a:solidFill>
-                  <a:schemeClr val="tx1"/>
-                </a:solidFill>
-              </a:rPr>
-              <a:t>預測所有</a:t>
-            </a:r>
-            <a:r>
-              <a:rPr lang="zh-TW" altLang="en-US" sz="4000" dirty="0">
-                <a:solidFill>
-                  <a:schemeClr val="tx1"/>
-                </a:solidFill>
-              </a:rPr>
-              <a:t>外部</a:t>
-            </a:r>
-            <a:r>
-              <a:rPr lang="zh-TW" altLang="en-US" sz="4000" dirty="0" smtClean="0">
-                <a:solidFill>
-                  <a:schemeClr val="tx1"/>
-                </a:solidFill>
-              </a:rPr>
-              <a:t>資料</a:t>
-            </a:r>
-            <a:endParaRPr lang="en-US" altLang="zh-TW" sz="4000" dirty="0">
+              <a:buChar char="n"/>
+            </a:pPr>
+            <a:endParaRPr lang="en-US" altLang="zh-TW" sz="5100" dirty="0" smtClean="0">
               <a:solidFill>
                 <a:schemeClr val="tx1"/>
               </a:solidFill>
@@ -10307,7 +10943,131 @@
           <a:p>
             <a:pPr lvl="1">
               <a:buFont typeface="Wingdings" pitchFamily="2" charset="2"/>
-              <a:buChar char="ü"/>
+              <a:buChar char="n"/>
+            </a:pPr>
+            <a:endParaRPr lang="en-US" altLang="zh-TW" sz="3400" dirty="0" smtClean="0">
+              <a:solidFill>
+                <a:schemeClr val="tx1"/>
+              </a:solidFill>
+            </a:endParaRPr>
+          </a:p>
+          <a:p>
+            <a:pPr lvl="1">
+              <a:buFont typeface="Wingdings" pitchFamily="2" charset="2"/>
+              <a:buChar char="n"/>
+            </a:pPr>
+            <a:r>
+              <a:rPr lang="zh-TW" altLang="en-US" sz="6000" dirty="0">
+                <a:solidFill>
+                  <a:schemeClr val="tx1"/>
+                </a:solidFill>
+              </a:rPr>
+              <a:t>內部流程錯誤</a:t>
+            </a:r>
+            <a:endParaRPr lang="en-US" altLang="zh-TW" sz="6000" dirty="0">
+              <a:solidFill>
+                <a:schemeClr val="tx1"/>
+              </a:solidFill>
+            </a:endParaRPr>
+          </a:p>
+          <a:p>
+            <a:pPr lvl="1">
+              <a:buFont typeface="Wingdings" pitchFamily="2" charset="2"/>
+              <a:buChar char="n"/>
+            </a:pPr>
+            <a:endParaRPr lang="en-US" altLang="zh-TW" sz="3400" dirty="0" smtClean="0">
+              <a:solidFill>
+                <a:schemeClr val="tx1"/>
+              </a:solidFill>
+            </a:endParaRPr>
+          </a:p>
+          <a:p>
+            <a:pPr lvl="1">
+              <a:buFont typeface="Wingdings" pitchFamily="2" charset="2"/>
+              <a:buChar char="n"/>
+            </a:pPr>
+            <a:endParaRPr lang="en-US" altLang="zh-TW" sz="3200" dirty="0" smtClean="0">
+              <a:solidFill>
+                <a:schemeClr val="tx1"/>
+              </a:solidFill>
+            </a:endParaRPr>
+          </a:p>
+          <a:p>
+            <a:pPr lvl="1">
+              <a:buFont typeface="Wingdings" pitchFamily="2" charset="2"/>
+              <a:buChar char="n"/>
+            </a:pPr>
+            <a:endParaRPr lang="en-US" altLang="zh-TW" sz="3200" dirty="0">
+              <a:solidFill>
+                <a:schemeClr val="tx1"/>
+              </a:solidFill>
+            </a:endParaRPr>
+          </a:p>
+          <a:p>
+            <a:pPr lvl="1">
+              <a:buFont typeface="Wingdings" pitchFamily="2" charset="2"/>
+              <a:buChar char="n"/>
+            </a:pPr>
+            <a:endParaRPr lang="en-US" altLang="zh-TW" sz="3200" dirty="0">
+              <a:solidFill>
+                <a:schemeClr val="tx1"/>
+              </a:solidFill>
+            </a:endParaRPr>
+          </a:p>
+          <a:p>
+            <a:pPr lvl="1">
+              <a:buFont typeface="Wingdings" pitchFamily="2" charset="2"/>
+              <a:buChar char="n"/>
+            </a:pPr>
+            <a:endParaRPr lang="en-US" altLang="zh-TW" sz="3200" dirty="0">
+              <a:solidFill>
+                <a:schemeClr val="tx1"/>
+              </a:solidFill>
+            </a:endParaRPr>
+          </a:p>
+          <a:p>
+            <a:pPr marL="365760" lvl="1" indent="0">
+              <a:buNone/>
+            </a:pPr>
+            <a:endParaRPr lang="en-US" altLang="zh-TW" dirty="0" smtClean="0">
+              <a:solidFill>
+                <a:schemeClr val="tx1"/>
+              </a:solidFill>
+            </a:endParaRPr>
+          </a:p>
+          <a:p>
+            <a:pPr marL="365760" lvl="1" indent="0">
+              <a:buNone/>
+            </a:pPr>
+            <a:endParaRPr lang="en-US" altLang="zh-TW" dirty="0">
+              <a:solidFill>
+                <a:schemeClr val="tx1"/>
+              </a:solidFill>
+            </a:endParaRPr>
+          </a:p>
+          <a:p>
+            <a:pPr marL="365760" lvl="1" indent="0">
+              <a:buNone/>
+            </a:pPr>
+            <a:endParaRPr lang="en-US" altLang="zh-TW" sz="3200" dirty="0" smtClean="0">
+              <a:solidFill>
+                <a:schemeClr val="tx1"/>
+              </a:solidFill>
+            </a:endParaRPr>
+          </a:p>
+          <a:p>
+            <a:pPr marL="365760" lvl="1" indent="0">
+              <a:buNone/>
+            </a:pPr>
+            <a:endParaRPr lang="en-US" altLang="zh-TW" dirty="0">
+              <a:solidFill>
+                <a:schemeClr val="tx1"/>
+              </a:solidFill>
+            </a:endParaRPr>
+          </a:p>
+          <a:p>
+            <a:pPr marL="365760" lvl="1" indent="0">
+              <a:buNone/>
             </a:pPr>
             <a:endParaRPr lang="en-US" altLang="zh-TW" dirty="0">
               <a:solidFill>
@@ -10373,7 +11133,6 @@
           </a:bodyPr>
           <a:lstStyle/>
           <a:p>
-            <a:pPr algn="ctr"/>
             <a:r>
               <a:rPr lang="en-US" altLang="zh-TW" sz="4000" dirty="0">
                 <a:latin typeface="Verdana" pitchFamily="34" charset="0"/>
@@ -10403,7 +11162,7 @@
     </p:spTree>
     <p:extLst>
       <p:ext uri="{BB962C8B-B14F-4D97-AF65-F5344CB8AC3E}">
-        <p14:creationId xmlns:p14="http://schemas.microsoft.com/office/powerpoint/2010/main" val="3147385390"/>
+        <p14:creationId xmlns:p14="http://schemas.microsoft.com/office/powerpoint/2010/main" val="1731750903"/>
       </p:ext>
     </p:extLst>
   </p:cSld>
@@ -10585,9 +11344,43 @@
                   <a:schemeClr val="tx1"/>
                 </a:solidFill>
               </a:rPr>
-              <a:t>資料進行判斷</a:t>
-            </a:r>
-            <a:endParaRPr lang="zh-TW" altLang="en-US" sz="2800" dirty="0">
+              <a:t>資料進行</a:t>
+            </a:r>
+            <a:r>
+              <a:rPr lang="zh-TW" altLang="en-US" sz="2800" dirty="0" smtClean="0">
+                <a:solidFill>
+                  <a:schemeClr val="tx1"/>
+                </a:solidFill>
+              </a:rPr>
+              <a:t>判斷</a:t>
+            </a:r>
+            <a:endParaRPr lang="en-US" altLang="zh-TW" sz="2800" dirty="0" smtClean="0">
+              <a:solidFill>
+                <a:schemeClr val="tx1"/>
+              </a:solidFill>
+            </a:endParaRPr>
+          </a:p>
+          <a:p>
+            <a:pPr marL="777240" lvl="2" indent="0">
+              <a:buNone/>
+            </a:pPr>
+            <a:r>
+              <a:rPr lang="en-US" altLang="zh-TW" sz="2500" dirty="0" smtClean="0">
+                <a:solidFill>
+                  <a:schemeClr val="tx1"/>
+                </a:solidFill>
+              </a:rPr>
+              <a:t>	</a:t>
+            </a:r>
+            <a:r>
+              <a:rPr lang="zh-TW" altLang="en-US" sz="2500" dirty="0" smtClean="0">
+                <a:solidFill>
+                  <a:schemeClr val="tx1"/>
+                </a:solidFill>
+              </a:rPr>
+              <a:t> 型態、長度、範圍</a:t>
+            </a:r>
+            <a:endParaRPr lang="zh-TW" altLang="en-US" sz="2500" dirty="0">
               <a:solidFill>
                 <a:schemeClr val="tx1"/>
               </a:solidFill>
@@ -10741,7 +11534,7 @@
     </p:spTree>
     <p:extLst>
       <p:ext uri="{BB962C8B-B14F-4D97-AF65-F5344CB8AC3E}">
-        <p14:creationId xmlns:p14="http://schemas.microsoft.com/office/powerpoint/2010/main" val="1731750903"/>
+        <p14:creationId xmlns:p14="http://schemas.microsoft.com/office/powerpoint/2010/main" val="3189098992"/>
       </p:ext>
     </p:extLst>
   </p:cSld>
@@ -10788,7 +11581,7 @@
         <p:spPr/>
         <p:txBody>
           <a:bodyPr>
-            <a:normAutofit fontScale="92500" lnSpcReduction="10000"/>
+            <a:normAutofit/>
           </a:bodyPr>
           <a:lstStyle/>
           <a:p>
@@ -10796,143 +11589,22 @@
               <a:buNone/>
             </a:pPr>
             <a:r>
+              <a:rPr lang="en-US" altLang="zh-TW" sz="3200" dirty="0" smtClean="0">
+                <a:solidFill>
+                  <a:schemeClr val="tx1"/>
+                </a:solidFill>
+              </a:rPr>
+              <a:t>If()</a:t>
+            </a:r>
+            <a:r>
               <a:rPr lang="zh-TW" altLang="en-US" sz="3200" dirty="0" smtClean="0">
                 <a:solidFill>
                   <a:schemeClr val="tx1"/>
                 </a:solidFill>
               </a:rPr>
-              <a:t>使用的方法</a:t>
-            </a:r>
-            <a:endParaRPr lang="en-US" altLang="zh-TW" sz="3200" dirty="0" smtClean="0">
-              <a:solidFill>
-                <a:schemeClr val="tx1"/>
-              </a:solidFill>
-            </a:endParaRPr>
-          </a:p>
-          <a:p>
-            <a:pPr marL="365760" lvl="1" indent="0">
-              <a:buNone/>
-            </a:pPr>
-            <a:endParaRPr lang="en-US" altLang="zh-TW" dirty="0" smtClean="0">
-              <a:solidFill>
-                <a:schemeClr val="tx1"/>
-              </a:solidFill>
-            </a:endParaRPr>
-          </a:p>
-          <a:p>
-            <a:pPr lvl="1">
-              <a:buFont typeface="Wingdings" pitchFamily="2" charset="2"/>
-              <a:buChar char="n"/>
-            </a:pPr>
-            <a:r>
-              <a:rPr lang="en-US" altLang="zh-TW" sz="2600" dirty="0" smtClean="0">
-                <a:solidFill>
-                  <a:schemeClr val="tx1"/>
-                </a:solidFill>
-              </a:rPr>
-              <a:t>If()</a:t>
-            </a:r>
-          </a:p>
-          <a:p>
-            <a:pPr lvl="1">
-              <a:buFont typeface="Wingdings" pitchFamily="2" charset="2"/>
-              <a:buChar char="n"/>
-            </a:pPr>
-            <a:endParaRPr lang="en-US" altLang="zh-TW" dirty="0">
-              <a:solidFill>
-                <a:schemeClr val="tx1"/>
-              </a:solidFill>
-            </a:endParaRPr>
-          </a:p>
-          <a:p>
-            <a:pPr lvl="1">
-              <a:buFont typeface="Wingdings" pitchFamily="2" charset="2"/>
-              <a:buChar char="n"/>
-            </a:pPr>
-            <a:r>
-              <a:rPr lang="en-US" altLang="zh-TW" sz="2600" dirty="0" smtClean="0">
-                <a:solidFill>
-                  <a:schemeClr val="tx1"/>
-                </a:solidFill>
-              </a:rPr>
-              <a:t>Switch()</a:t>
-            </a:r>
-          </a:p>
-          <a:p>
-            <a:pPr marL="365760" lvl="1" indent="0">
-              <a:buNone/>
-            </a:pPr>
-            <a:endParaRPr lang="en-US" altLang="zh-TW" dirty="0">
-              <a:solidFill>
-                <a:schemeClr val="tx1"/>
-              </a:solidFill>
-            </a:endParaRPr>
-          </a:p>
-          <a:p>
-            <a:pPr marL="365760" lvl="1" indent="0">
-              <a:buNone/>
-            </a:pPr>
-            <a:endParaRPr lang="en-US" altLang="zh-TW" sz="3200" dirty="0" smtClean="0">
-              <a:solidFill>
-                <a:schemeClr val="tx1"/>
-              </a:solidFill>
-            </a:endParaRPr>
-          </a:p>
-          <a:p>
-            <a:pPr lvl="1">
-              <a:buFont typeface="Wingdings" pitchFamily="2" charset="2"/>
-              <a:buChar char="n"/>
-            </a:pPr>
-            <a:endParaRPr lang="en-US" altLang="zh-TW" dirty="0">
-              <a:solidFill>
-                <a:schemeClr val="tx1"/>
-              </a:solidFill>
-            </a:endParaRPr>
-          </a:p>
-          <a:p>
-            <a:pPr marL="365760" lvl="1" indent="0">
-              <a:buNone/>
-            </a:pPr>
-            <a:endParaRPr lang="en-US" altLang="zh-TW" dirty="0">
-              <a:solidFill>
-                <a:schemeClr val="tx1"/>
-              </a:solidFill>
-            </a:endParaRPr>
-          </a:p>
-          <a:p>
-            <a:pPr marL="365760" lvl="1" indent="0">
-              <a:buNone/>
-            </a:pPr>
-            <a:endParaRPr lang="en-US" altLang="zh-TW" dirty="0" smtClean="0">
-              <a:solidFill>
-                <a:schemeClr val="tx1"/>
-              </a:solidFill>
-            </a:endParaRPr>
-          </a:p>
-          <a:p>
-            <a:pPr lvl="1">
-              <a:buFont typeface="Wingdings" pitchFamily="2" charset="2"/>
-              <a:buChar char="ü"/>
-            </a:pPr>
-            <a:endParaRPr lang="en-US" altLang="zh-TW" dirty="0">
-              <a:solidFill>
-                <a:schemeClr val="tx1"/>
-              </a:solidFill>
-            </a:endParaRPr>
-          </a:p>
-          <a:p>
-            <a:pPr marL="365760" lvl="1" indent="0">
-              <a:buNone/>
-            </a:pPr>
-            <a:r>
-              <a:rPr lang="en-US" altLang="zh-TW" dirty="0" smtClean="0">
-                <a:solidFill>
-                  <a:schemeClr val="tx1"/>
-                </a:solidFill>
-              </a:rPr>
-              <a:t>	</a:t>
-            </a:r>
-            <a:endParaRPr lang="en-US" altLang="zh-TW" dirty="0">
+              <a:t>判斷</a:t>
+            </a:r>
+            <a:endParaRPr lang="en-US" altLang="zh-TW" sz="3200" dirty="0">
               <a:solidFill>
                 <a:schemeClr val="tx1"/>
               </a:solidFill>
@@ -10983,10 +11655,122 @@
           </a:p>
         </p:txBody>
       </p:sp>
+      <p:pic>
+        <p:nvPicPr>
+          <p:cNvPr id="1028" name="Picture 4"/>
+          <p:cNvPicPr>
+            <a:picLocks noChangeAspect="1" noChangeArrowheads="1"/>
+          </p:cNvPicPr>
+          <p:nvPr/>
+        </p:nvPicPr>
+        <p:blipFill>
+          <a:blip r:embed="rId2">
+            <a:extLst>
+              <a:ext uri="{28A0092B-C50C-407E-A947-70E740481C1C}">
+                <a14:useLocalDpi xmlns:a14="http://schemas.microsoft.com/office/drawing/2010/main" val="0"/>
+              </a:ext>
+            </a:extLst>
+          </a:blip>
+          <a:srcRect/>
+          <a:stretch>
+            <a:fillRect/>
+          </a:stretch>
+        </p:blipFill>
+        <p:spPr bwMode="auto">
+          <a:xfrm>
+            <a:off x="2411760" y="2647950"/>
+            <a:ext cx="4029075" cy="1562100"/>
+          </a:xfrm>
+          <a:prstGeom prst="rect">
+            <a:avLst/>
+          </a:prstGeom>
+          <a:noFill/>
+          <a:ln>
+            <a:noFill/>
+          </a:ln>
+          <a:effectLst/>
+          <a:extLst>
+            <a:ext uri="{909E8E84-426E-40DD-AFC4-6F175D3DCCD1}">
+              <a14:hiddenFill xmlns:a14="http://schemas.microsoft.com/office/drawing/2010/main">
+                <a:solidFill>
+                  <a:schemeClr val="accent1"/>
+                </a:solidFill>
+              </a14:hiddenFill>
+            </a:ext>
+            <a:ext uri="{91240B29-F687-4F45-9708-019B960494DF}">
+              <a14:hiddenLine xmlns:a14="http://schemas.microsoft.com/office/drawing/2010/main" w="9525">
+                <a:solidFill>
+                  <a:schemeClr val="tx1"/>
+                </a:solidFill>
+                <a:miter lim="800000"/>
+                <a:headEnd/>
+                <a:tailEnd/>
+              </a14:hiddenLine>
+            </a:ext>
+            <a:ext uri="{AF507438-7753-43E0-B8FC-AC1667EBCBE1}">
+              <a14:hiddenEffects xmlns:a14="http://schemas.microsoft.com/office/drawing/2010/main">
+                <a:effectLst>
+                  <a:outerShdw dist="35921" dir="2700000" algn="ctr" rotWithShape="0">
+                    <a:schemeClr val="bg2"/>
+                  </a:outerShdw>
+                </a:effectLst>
+              </a14:hiddenEffects>
+            </a:ext>
+          </a:extLst>
+        </p:spPr>
+      </p:pic>
+      <p:sp>
+        <p:nvSpPr>
+          <p:cNvPr id="5" name="向右箭號 4"/>
+          <p:cNvSpPr/>
+          <p:nvPr/>
+        </p:nvSpPr>
+        <p:spPr>
+          <a:xfrm>
+            <a:off x="1187624" y="2728849"/>
+            <a:ext cx="1296144" cy="72008"/>
+          </a:xfrm>
+          <a:prstGeom prst="rightArrow">
+            <a:avLst/>
+          </a:prstGeom>
+          <a:solidFill>
+            <a:srgbClr val="FF0000"/>
+          </a:solidFill>
+          <a:ln>
+            <a:solidFill>
+              <a:srgbClr val="FF0000"/>
+            </a:solidFill>
+          </a:ln>
+        </p:spPr>
+        <p:style>
+          <a:lnRef idx="2">
+            <a:schemeClr val="accent1">
+              <a:shade val="50000"/>
+            </a:schemeClr>
+          </a:lnRef>
+          <a:fillRef idx="1">
+            <a:schemeClr val="accent1"/>
+          </a:fillRef>
+          <a:effectRef idx="0">
+            <a:schemeClr val="accent1"/>
+          </a:effectRef>
+          <a:fontRef idx="minor">
+            <a:schemeClr val="lt1"/>
+          </a:fontRef>
+        </p:style>
+        <p:txBody>
+          <a:bodyPr rtlCol="0" anchor="ctr"/>
+          <a:lstStyle/>
+          <a:p>
+            <a:pPr algn="ctr"/>
+            <a:endParaRPr lang="zh-TW" altLang="en-US"/>
+          </a:p>
+        </p:txBody>
+      </p:sp>
     </p:spTree>
     <p:extLst>
       <p:ext uri="{BB962C8B-B14F-4D97-AF65-F5344CB8AC3E}">
-        <p14:creationId xmlns:p14="http://schemas.microsoft.com/office/powerpoint/2010/main" val="3501211901"/>
+        <p14:creationId xmlns:p14="http://schemas.microsoft.com/office/powerpoint/2010/main" val="2275378604"/>
       </p:ext>
     </p:extLst>
   </p:cSld>
@@ -11046,33 +11830,110 @@
                   <a:schemeClr val="tx1"/>
                 </a:solidFill>
               </a:rPr>
-              <a:t>If()</a:t>
-            </a:r>
-            <a:r>
-              <a:rPr lang="zh-TW" altLang="en-US" sz="3200" dirty="0">
-                <a:solidFill>
-                  <a:schemeClr val="tx1"/>
-                </a:solidFill>
-              </a:rPr>
-              <a:t>判斷</a:t>
-            </a:r>
-            <a:r>
-              <a:rPr lang="en-US" altLang="zh-TW" sz="3200" dirty="0">
-                <a:solidFill>
-                  <a:schemeClr val="tx1"/>
-                </a:solidFill>
-              </a:rPr>
-              <a:t>-</a:t>
-            </a:r>
-            <a:r>
-              <a:rPr lang="zh-TW" altLang="en-US" sz="3200" dirty="0">
-                <a:solidFill>
-                  <a:schemeClr val="tx1"/>
-                </a:solidFill>
-              </a:rPr>
-              <a:t>強制轉換型態</a:t>
-            </a:r>
+              <a:t>Try/catch</a:t>
+            </a:r>
+            <a:endParaRPr lang="en-US" altLang="zh-TW" sz="3200" dirty="0" smtClean="0">
+              <a:solidFill>
+                <a:schemeClr val="tx1"/>
+              </a:solidFill>
+            </a:endParaRPr>
+          </a:p>
+          <a:p>
+            <a:pPr lvl="1">
+              <a:buFont typeface="Wingdings" pitchFamily="2" charset="2"/>
+              <a:buChar char="n"/>
+            </a:pPr>
             <a:endParaRPr lang="en-US" altLang="zh-TW" sz="3200" dirty="0">
+              <a:solidFill>
+                <a:schemeClr val="tx1"/>
+              </a:solidFill>
+            </a:endParaRPr>
+          </a:p>
+          <a:p>
+            <a:pPr marL="365760" lvl="1" indent="0">
+              <a:buNone/>
+            </a:pPr>
+            <a:endParaRPr lang="en-US" altLang="zh-TW" dirty="0" smtClean="0">
+              <a:solidFill>
+                <a:schemeClr val="tx1"/>
+              </a:solidFill>
+            </a:endParaRPr>
+          </a:p>
+          <a:p>
+            <a:pPr marL="365760" lvl="1" indent="0">
+              <a:buNone/>
+            </a:pPr>
+            <a:endParaRPr lang="en-US" altLang="zh-TW" dirty="0">
+              <a:solidFill>
+                <a:schemeClr val="tx1"/>
+              </a:solidFill>
+            </a:endParaRPr>
+          </a:p>
+          <a:p>
+            <a:pPr marL="365760" lvl="1" indent="0">
+              <a:buNone/>
+            </a:pPr>
+            <a:endParaRPr lang="en-US" altLang="zh-TW" sz="3200" dirty="0" smtClean="0">
+              <a:solidFill>
+                <a:schemeClr val="tx1"/>
+              </a:solidFill>
+            </a:endParaRPr>
+          </a:p>
+          <a:p>
+            <a:pPr lvl="1">
+              <a:buFont typeface="Wingdings" pitchFamily="2" charset="2"/>
+              <a:buChar char="n"/>
+            </a:pPr>
+            <a:endParaRPr lang="en-US" altLang="zh-TW" dirty="0">
+              <a:solidFill>
+                <a:schemeClr val="tx1"/>
+              </a:solidFill>
+            </a:endParaRPr>
+          </a:p>
+          <a:p>
+            <a:pPr marL="365760" lvl="1" indent="0">
+              <a:buNone/>
+            </a:pPr>
+            <a:endParaRPr lang="en-US" altLang="zh-TW" dirty="0">
+              <a:solidFill>
+                <a:schemeClr val="tx1"/>
+              </a:solidFill>
+            </a:endParaRPr>
+          </a:p>
+          <a:p>
+            <a:pPr marL="365760" lvl="1" indent="0">
+              <a:buNone/>
+            </a:pPr>
+            <a:endParaRPr lang="en-US" altLang="zh-TW" dirty="0" smtClean="0">
+              <a:solidFill>
+                <a:schemeClr val="tx1"/>
+              </a:solidFill>
+            </a:endParaRPr>
+          </a:p>
+          <a:p>
+            <a:pPr lvl="1">
+              <a:buFont typeface="Wingdings" pitchFamily="2" charset="2"/>
+              <a:buChar char="ü"/>
+            </a:pPr>
+            <a:endParaRPr lang="en-US" altLang="zh-TW" dirty="0">
+              <a:solidFill>
+                <a:schemeClr val="tx1"/>
+              </a:solidFill>
+            </a:endParaRPr>
+          </a:p>
+          <a:p>
+            <a:pPr marL="365760" lvl="1" indent="0">
+              <a:buNone/>
+            </a:pPr>
+            <a:r>
+              <a:rPr lang="en-US" altLang="zh-TW" dirty="0" smtClean="0">
+                <a:solidFill>
+                  <a:schemeClr val="tx1"/>
+                </a:solidFill>
+              </a:rPr>
+              <a:t>	</a:t>
+            </a:r>
+            <a:endParaRPr lang="en-US" altLang="zh-TW" dirty="0">
               <a:solidFill>
                 <a:schemeClr val="tx1"/>
               </a:solidFill>
@@ -11125,14 +11986,14 @@
       </p:sp>
       <p:pic>
         <p:nvPicPr>
-          <p:cNvPr id="1027" name="Picture 3"/>
+          <p:cNvPr id="5122" name="Picture 2"/>
           <p:cNvPicPr>
             <a:picLocks noChangeAspect="1" noChangeArrowheads="1"/>
           </p:cNvPicPr>
           <p:nvPr/>
         </p:nvPicPr>
         <p:blipFill>
-          <a:blip r:embed="rId2">
+          <a:blip r:embed="rId3">
             <a:extLst>
               <a:ext uri="{28A0092B-C50C-407E-A947-70E740481C1C}">
                 <a14:useLocalDpi xmlns:a14="http://schemas.microsoft.com/office/drawing/2010/main" val="0"/>
@@ -11146,8 +12007,8 @@
         </p:blipFill>
         <p:spPr bwMode="auto">
           <a:xfrm>
-            <a:off x="2339752" y="2780928"/>
-            <a:ext cx="4400550" cy="2505075"/>
+            <a:off x="2627784" y="2132856"/>
+            <a:ext cx="4448175" cy="3648075"/>
           </a:xfrm>
           <a:prstGeom prst="rect">
             <a:avLst/>
@@ -11156,6 +12017,7 @@
           <a:ln>
             <a:noFill/>
           </a:ln>
+          <a:effectLst/>
           <a:extLst>
             <a:ext uri="{909E8E84-426E-40DD-AFC4-6F175D3DCCD1}">
               <a14:hiddenFill xmlns:a14="http://schemas.microsoft.com/office/drawing/2010/main">
@@ -11174,13 +12036,118 @@
                 <a:tailEnd/>
               </a14:hiddenLine>
             </a:ext>
+            <a:ext uri="{AF507438-7753-43E0-B8FC-AC1667EBCBE1}">
+              <a14:hiddenEffects xmlns:a14="http://schemas.microsoft.com/office/drawing/2010/main">
+                <a:effectLst>
+                  <a:outerShdw dist="35921" dir="2700000" algn="ctr" rotWithShape="0">
+                    <a:schemeClr val="bg2"/>
+                  </a:outerShdw>
+                </a:effectLst>
+              </a14:hiddenEffects>
+            </a:ext>
           </a:extLst>
         </p:spPr>
       </p:pic>
+      <p:sp>
+        <p:nvSpPr>
+          <p:cNvPr id="4" name="向右箭號 3"/>
+          <p:cNvSpPr/>
+          <p:nvPr/>
+        </p:nvSpPr>
+        <p:spPr>
+          <a:xfrm>
+            <a:off x="1331640" y="2564904"/>
+            <a:ext cx="1512168" cy="72008"/>
+          </a:xfrm>
+          <a:prstGeom prst="rightArrow">
+            <a:avLst/>
+          </a:prstGeom>
+          <a:solidFill>
+            <a:srgbClr val="FF0000"/>
+          </a:solidFill>
+          <a:ln>
+            <a:solidFill>
+              <a:srgbClr val="FF0000"/>
+            </a:solidFill>
+          </a:ln>
+        </p:spPr>
+        <p:style>
+          <a:lnRef idx="2">
+            <a:schemeClr val="accent1">
+              <a:shade val="50000"/>
+            </a:schemeClr>
+          </a:lnRef>
+          <a:fillRef idx="1">
+            <a:schemeClr val="accent1"/>
+          </a:fillRef>
+          <a:effectRef idx="0">
+            <a:schemeClr val="accent1"/>
+          </a:effectRef>
+          <a:fontRef idx="minor">
+            <a:schemeClr val="lt1"/>
+          </a:fontRef>
+        </p:style>
+        <p:txBody>
+          <a:bodyPr rtlCol="0" anchor="ctr"/>
+          <a:lstStyle/>
+          <a:p>
+            <a:pPr algn="ctr"/>
+            <a:endParaRPr lang="zh-TW" altLang="en-US"/>
+          </a:p>
+        </p:txBody>
+      </p:sp>
+      <p:sp>
+        <p:nvSpPr>
+          <p:cNvPr id="7" name="向右箭號 6"/>
+          <p:cNvSpPr/>
+          <p:nvPr/>
+        </p:nvSpPr>
+        <p:spPr>
+          <a:xfrm>
+            <a:off x="1326771" y="4833156"/>
+            <a:ext cx="1512168" cy="72008"/>
+          </a:xfrm>
+          <a:prstGeom prst="rightArrow">
+            <a:avLst/>
+          </a:prstGeom>
+          <a:solidFill>
+            <a:srgbClr val="FF0000"/>
+          </a:solidFill>
+          <a:ln>
+            <a:solidFill>
+              <a:srgbClr val="FF0000"/>
+            </a:solidFill>
+          </a:ln>
+        </p:spPr>
+        <p:style>
+          <a:lnRef idx="2">
+            <a:schemeClr val="accent1">
+              <a:shade val="50000"/>
+            </a:schemeClr>
+          </a:lnRef>
+          <a:fillRef idx="1">
+            <a:schemeClr val="accent1"/>
+          </a:fillRef>
+          <a:effectRef idx="0">
+            <a:schemeClr val="accent1"/>
+          </a:effectRef>
+          <a:fontRef idx="minor">
+            <a:schemeClr val="lt1"/>
+          </a:fontRef>
+        </p:style>
+        <p:txBody>
+          <a:bodyPr rtlCol="0" anchor="ctr"/>
+          <a:lstStyle/>
+          <a:p>
+            <a:pPr algn="ctr"/>
+            <a:endParaRPr lang="zh-TW" altLang="en-US"/>
+          </a:p>
+        </p:txBody>
+      </p:sp>
     </p:spTree>
     <p:extLst>
       <p:ext uri="{BB962C8B-B14F-4D97-AF65-F5344CB8AC3E}">
-        <p14:creationId xmlns:p14="http://schemas.microsoft.com/office/powerpoint/2010/main" val="2275378604"/>
+        <p14:creationId xmlns:p14="http://schemas.microsoft.com/office/powerpoint/2010/main" val="4164380969"/>
       </p:ext>
     </p:extLst>
   </p:cSld>

--- a/研一/作業二/defensive/Learning Defensive programming.pptx
+++ b/研一/作業二/defensive/Learning Defensive programming.pptx
@@ -4518,15 +4518,7 @@
                   <a:schemeClr val="tx1"/>
                 </a:solidFill>
               </a:rPr>
-              <a:t>處理怪異的輸入及</a:t>
-            </a:r>
-            <a:r>
-              <a:rPr lang="zh-TW" altLang="en-US" sz="3200" dirty="0" smtClean="0">
-                <a:solidFill>
-                  <a:schemeClr val="tx1"/>
-                </a:solidFill>
-              </a:rPr>
-              <a:t>操作</a:t>
+              <a:t>處理怪異的輸入及操作</a:t>
             </a:r>
             <a:endParaRPr lang="en-US" altLang="zh-TW" sz="3200" dirty="0" smtClean="0">
               <a:solidFill>
@@ -4665,11 +4657,6 @@
               </a:rPr>
               <a:t>	    or</a:t>
             </a:r>
-            <a:endParaRPr lang="en-US" altLang="zh-TW" dirty="0" smtClean="0">
-              <a:solidFill>
-                <a:schemeClr val="tx1"/>
-              </a:solidFill>
-            </a:endParaRPr>
           </a:p>
           <a:p>
             <a:pPr marL="365760" lvl="1" indent="0">
@@ -5318,15 +5305,7 @@
                   <a:schemeClr val="tx1"/>
                 </a:solidFill>
               </a:rPr>
-              <a:t>給予溫柔的</a:t>
-            </a:r>
-            <a:r>
-              <a:rPr lang="zh-TW" altLang="en-US" sz="3400" dirty="0" smtClean="0">
-                <a:solidFill>
-                  <a:schemeClr val="tx1"/>
-                </a:solidFill>
-              </a:rPr>
-              <a:t>回應</a:t>
+              <a:t>給予溫柔的回應</a:t>
             </a:r>
             <a:endParaRPr lang="en-US" altLang="zh-TW" sz="3400" dirty="0" smtClean="0">
               <a:solidFill>
@@ -6627,15 +6606,7 @@
                   <a:schemeClr val="tx1"/>
                 </a:solidFill>
               </a:rPr>
-              <a:t>檢查</a:t>
-            </a:r>
-            <a:r>
-              <a:rPr lang="zh-TW" altLang="en-US" dirty="0" smtClean="0">
-                <a:solidFill>
-                  <a:schemeClr val="tx1"/>
-                </a:solidFill>
-              </a:rPr>
-              <a:t>是否登入</a:t>
+              <a:t>檢查是否登入</a:t>
             </a:r>
             <a:r>
               <a:rPr lang="en-US" altLang="zh-TW" dirty="0" smtClean="0">
@@ -10250,15 +10221,7 @@
                   <a:schemeClr val="tx1"/>
                 </a:solidFill>
               </a:rPr>
-              <a:t>的</a:t>
-            </a:r>
-            <a:r>
-              <a:rPr lang="zh-TW" altLang="en-US" sz="5100" dirty="0" smtClean="0">
-                <a:solidFill>
-                  <a:schemeClr val="tx1"/>
-                </a:solidFill>
-              </a:rPr>
-              <a:t>錯誤</a:t>
+              <a:t>的錯誤</a:t>
             </a:r>
             <a:endParaRPr lang="en-US" altLang="zh-TW" sz="5100" dirty="0" smtClean="0">
               <a:solidFill>
@@ -10910,7 +10873,23 @@
                   <a:schemeClr val="tx1"/>
                 </a:solidFill>
               </a:rPr>
-              <a:t>外部資料的輸入</a:t>
+              <a:t>外部資料</a:t>
+            </a:r>
+            <a:r>
+              <a:rPr lang="zh-TW" altLang="en-US" sz="6000" smtClean="0">
+                <a:solidFill>
+                  <a:schemeClr val="tx1"/>
+                </a:solidFill>
+              </a:rPr>
+              <a:t>的</a:t>
+            </a:r>
+            <a:r>
+              <a:rPr lang="zh-TW" altLang="en-US" sz="6000" smtClean="0">
+                <a:solidFill>
+                  <a:schemeClr val="tx1"/>
+                </a:solidFill>
+              </a:rPr>
+              <a:t>輸入或操作</a:t>
             </a:r>
             <a:endParaRPr lang="en-US" altLang="zh-TW" sz="6000" dirty="0" smtClean="0">
               <a:solidFill>
@@ -11344,15 +11323,7 @@
                   <a:schemeClr val="tx1"/>
                 </a:solidFill>
               </a:rPr>
-              <a:t>資料進行</a:t>
-            </a:r>
-            <a:r>
-              <a:rPr lang="zh-TW" altLang="en-US" sz="2800" dirty="0" smtClean="0">
-                <a:solidFill>
-                  <a:schemeClr val="tx1"/>
-                </a:solidFill>
-              </a:rPr>
-              <a:t>判斷</a:t>
+              <a:t>資料進行判斷</a:t>
             </a:r>
             <a:endParaRPr lang="en-US" altLang="zh-TW" sz="2800" dirty="0" smtClean="0">
               <a:solidFill>
@@ -11832,11 +11803,6 @@
               </a:rPr>
               <a:t>Try/catch</a:t>
             </a:r>
-            <a:endParaRPr lang="en-US" altLang="zh-TW" sz="3200" dirty="0" smtClean="0">
-              <a:solidFill>
-                <a:schemeClr val="tx1"/>
-              </a:solidFill>
-            </a:endParaRPr>
           </a:p>
           <a:p>
             <a:pPr lvl="1">
